--- a/javascript/react/mbo/pfc-calculator/doc/summary.pptx
+++ b/javascript/react/mbo/pfc-calculator/doc/summary.pptx
@@ -11,7 +11,7 @@
     <p:sldId id="263" r:id="rId5"/>
     <p:sldId id="259" r:id="rId6"/>
     <p:sldId id="260" r:id="rId7"/>
-    <p:sldId id="262" r:id="rId8"/>
+    <p:sldId id="264" r:id="rId8"/>
   </p:sldIdLst>
   <p:sldSz cx="12192000" cy="6858000"/>
   <p:notesSz cx="6858000" cy="9144000"/>
@@ -1341,7 +1341,7 @@
             <a:fld id="{B61BEF0D-F0BB-DE4B-95CE-6DB70DBA9567}" type="datetimeFigureOut">
               <a:rPr lang="en-US" smtClean="0"/>
               <a:pPr/>
-              <a:t>10/24/22</a:t>
+              <a:t>10/29/22</a:t>
             </a:fld>
             <a:endParaRPr lang="en-US" dirty="0"/>
           </a:p>
@@ -1612,7 +1612,7 @@
           <a:p>
             <a:fld id="{55C6B4A9-1611-4792-9094-5F34BCA07E0B}" type="datetimeFigureOut">
               <a:rPr lang="en-US" smtClean="0"/>
-              <a:t>10/24/22</a:t>
+              <a:t>10/29/22</a:t>
             </a:fld>
             <a:endParaRPr lang="en-US" dirty="0"/>
           </a:p>
@@ -1825,7 +1825,7 @@
             <a:fld id="{B61BEF0D-F0BB-DE4B-95CE-6DB70DBA9567}" type="datetimeFigureOut">
               <a:rPr lang="en-US" smtClean="0"/>
               <a:pPr/>
-              <a:t>10/24/22</a:t>
+              <a:t>10/29/22</a:t>
             </a:fld>
             <a:endParaRPr lang="en-US" dirty="0"/>
           </a:p>
@@ -2029,7 +2029,7 @@
             <a:fld id="{B61BEF0D-F0BB-DE4B-95CE-6DB70DBA9567}" type="datetimeFigureOut">
               <a:rPr lang="en-US" smtClean="0"/>
               <a:pPr/>
-              <a:t>10/24/22</a:t>
+              <a:t>10/29/22</a:t>
             </a:fld>
             <a:endParaRPr lang="en-US" dirty="0"/>
           </a:p>
@@ -2304,7 +2304,7 @@
             <a:fld id="{B61BEF0D-F0BB-DE4B-95CE-6DB70DBA9567}" type="datetimeFigureOut">
               <a:rPr lang="en-US" smtClean="0"/>
               <a:pPr/>
-              <a:t>10/24/22</a:t>
+              <a:t>10/29/22</a:t>
             </a:fld>
             <a:endParaRPr lang="en-US" dirty="0"/>
           </a:p>
@@ -3570,7 +3570,7 @@
           <a:p>
             <a:fld id="{EB712588-04B1-427B-82EE-E8DB90309F08}" type="datetimeFigureOut">
               <a:rPr lang="en-US" smtClean="0"/>
-              <a:t>10/24/22</a:t>
+              <a:t>10/29/22</a:t>
             </a:fld>
             <a:endParaRPr lang="en-US" dirty="0"/>
           </a:p>
@@ -4025,7 +4025,7 @@
             <a:fld id="{B61BEF0D-F0BB-DE4B-95CE-6DB70DBA9567}" type="datetimeFigureOut">
               <a:rPr lang="en-US" smtClean="0"/>
               <a:pPr/>
-              <a:t>10/24/22</a:t>
+              <a:t>10/29/22</a:t>
             </a:fld>
             <a:endParaRPr lang="en-US" dirty="0"/>
           </a:p>
@@ -4150,7 +4150,7 @@
             <a:fld id="{B61BEF0D-F0BB-DE4B-95CE-6DB70DBA9567}" type="datetimeFigureOut">
               <a:rPr lang="en-US" smtClean="0"/>
               <a:pPr/>
-              <a:t>10/24/22</a:t>
+              <a:t>10/29/22</a:t>
             </a:fld>
             <a:endParaRPr lang="en-US" dirty="0"/>
           </a:p>
@@ -4247,7 +4247,7 @@
             <a:fld id="{B61BEF0D-F0BB-DE4B-95CE-6DB70DBA9567}" type="datetimeFigureOut">
               <a:rPr lang="en-US" smtClean="0"/>
               <a:pPr/>
-              <a:t>10/24/22</a:t>
+              <a:t>10/29/22</a:t>
             </a:fld>
             <a:endParaRPr lang="en-US" dirty="0"/>
           </a:p>
@@ -5043,7 +5043,7 @@
           <a:p>
             <a:fld id="{42A54C80-263E-416B-A8E0-580EDEADCBDC}" type="datetimeFigureOut">
               <a:rPr lang="en-US" smtClean="0"/>
-              <a:t>10/24/22</a:t>
+              <a:t>10/29/22</a:t>
             </a:fld>
             <a:endParaRPr lang="en-US" dirty="0"/>
           </a:p>
@@ -5884,7 +5884,7 @@
             <a:fld id="{B61BEF0D-F0BB-DE4B-95CE-6DB70DBA9567}" type="datetimeFigureOut">
               <a:rPr lang="en-US" smtClean="0"/>
               <a:pPr/>
-              <a:t>10/24/22</a:t>
+              <a:t>10/29/22</a:t>
             </a:fld>
             <a:endParaRPr lang="en-US" dirty="0"/>
           </a:p>
@@ -6145,7 +6145,7 @@
             <a:fld id="{B61BEF0D-F0BB-DE4B-95CE-6DB70DBA9567}" type="datetimeFigureOut">
               <a:rPr lang="en-US" smtClean="0"/>
               <a:pPr/>
-              <a:t>10/24/22</a:t>
+              <a:t>10/29/22</a:t>
             </a:fld>
             <a:endParaRPr lang="en-US" dirty="0"/>
           </a:p>
@@ -8006,53 +8006,6 @@
       </p:grpSpPr>
       <p:sp>
         <p:nvSpPr>
-          <p:cNvPr id="2" name="タイトル 1">
-            <a:extLst>
-              <a:ext uri="{FF2B5EF4-FFF2-40B4-BE49-F238E27FC236}">
-                <a16:creationId xmlns:a16="http://schemas.microsoft.com/office/drawing/2014/main" id="{8360E46B-EFDC-76ED-2719-D9FC3E1B6F06}"/>
-              </a:ext>
-            </a:extLst>
-          </p:cNvPr>
-          <p:cNvSpPr>
-            <a:spLocks noGrp="1"/>
-          </p:cNvSpPr>
-          <p:nvPr>
-            <p:ph type="title"/>
-          </p:nvPr>
-        </p:nvSpPr>
-        <p:spPr>
-          <a:xfrm>
-            <a:off x="1251677" y="645105"/>
-            <a:ext cx="4357499" cy="1320855"/>
-          </a:xfrm>
-        </p:spPr>
-        <p:txBody>
-          <a:bodyPr>
-            <a:normAutofit/>
-          </a:bodyPr>
-          <a:lstStyle/>
-          <a:p>
-            <a:r>
-              <a:rPr lang="en-US" altLang="ja-JP" sz="4400" dirty="0">
-                <a:latin typeface="+mn-ea"/>
-                <a:ea typeface="+mn-ea"/>
-                <a:cs typeface="Noto Sans" panose="020B0502040504020204" pitchFamily="34" charset="0"/>
-              </a:rPr>
-              <a:t>REACT.JS</a:t>
-            </a:r>
-            <a:r>
-              <a:rPr kumimoji="1" lang="ja-JP" altLang="en-US" sz="4400">
-                <a:latin typeface="+mn-ea"/>
-                <a:ea typeface="+mn-ea"/>
-                <a:cs typeface="Noto Sans" panose="020B0502040504020204" pitchFamily="34" charset="0"/>
-              </a:rPr>
-              <a:t>とは</a:t>
-            </a:r>
-          </a:p>
-        </p:txBody>
-      </p:sp>
-      <p:sp>
-        <p:nvSpPr>
           <p:cNvPr id="3" name="コンテンツ プレースホルダー 2">
             <a:extLst>
               <a:ext uri="{FF2B5EF4-FFF2-40B4-BE49-F238E27FC236}">
@@ -8069,685 +8022,686 @@
         </p:nvSpPr>
         <p:spPr>
           <a:xfrm>
-            <a:off x="1251678" y="2286001"/>
-            <a:ext cx="4363595" cy="3593591"/>
+            <a:off x="1251678" y="1331111"/>
+            <a:ext cx="4363595" cy="4083911"/>
           </a:xfrm>
         </p:spPr>
         <p:txBody>
           <a:bodyPr>
-            <a:normAutofit/>
+            <a:noAutofit/>
           </a:bodyPr>
           <a:lstStyle/>
           <a:p>
             <a:pPr>
               <a:lnSpc>
-                <a:spcPct val="100000"/>
+                <a:spcPct val="120000"/>
               </a:lnSpc>
             </a:pPr>
             <a:r>
-              <a:rPr lang="en-US" altLang="ja-JP" sz="1100" dirty="0">
-                <a:solidFill>
-                  <a:srgbClr val="000000"/>
-                </a:solidFill>
-              </a:rPr>
-              <a:t>https://</a:t>
-            </a:r>
-            <a:r>
-              <a:rPr lang="en-US" altLang="ja-JP" sz="1100" dirty="0" err="1">
-                <a:solidFill>
-                  <a:srgbClr val="000000"/>
-                </a:solidFill>
-              </a:rPr>
-              <a:t>amela.co.jp</a:t>
-            </a:r>
-            <a:r>
-              <a:rPr lang="en-US" altLang="ja-JP" sz="1100" dirty="0">
-                <a:solidFill>
-                  <a:srgbClr val="000000"/>
-                </a:solidFill>
-              </a:rPr>
-              <a:t>/news/5305</a:t>
-            </a:r>
+              <a:rPr lang="en" altLang="ja-JP" sz="1400" dirty="0">
+                <a:solidFill>
+                  <a:schemeClr val="bg1">
+                    <a:lumMod val="50000"/>
+                  </a:schemeClr>
+                </a:solidFill>
+              </a:rPr>
+              <a:t>Meta</a:t>
+            </a:r>
+            <a:r>
+              <a:rPr lang="ja-JP" altLang="en" sz="1400">
+                <a:solidFill>
+                  <a:schemeClr val="bg1">
+                    <a:lumMod val="50000"/>
+                  </a:schemeClr>
+                </a:solidFill>
+              </a:rPr>
+              <a:t>（</a:t>
+            </a:r>
+            <a:r>
+              <a:rPr lang="ja-JP" altLang="en-US" sz="1400">
+                <a:solidFill>
+                  <a:schemeClr val="bg1">
+                    <a:lumMod val="50000"/>
+                  </a:schemeClr>
+                </a:solidFill>
+              </a:rPr>
+              <a:t>旧</a:t>
+            </a:r>
+            <a:r>
+              <a:rPr lang="en" altLang="ja-JP" sz="1400" dirty="0">
+                <a:solidFill>
+                  <a:schemeClr val="bg1">
+                    <a:lumMod val="50000"/>
+                  </a:schemeClr>
+                </a:solidFill>
+              </a:rPr>
+              <a:t>Facebook</a:t>
+            </a:r>
+            <a:r>
+              <a:rPr lang="ja-JP" altLang="en" sz="1400">
+                <a:solidFill>
+                  <a:schemeClr val="bg1">
+                    <a:lumMod val="50000"/>
+                  </a:schemeClr>
+                </a:solidFill>
+              </a:rPr>
+              <a:t>）</a:t>
+            </a:r>
+            <a:r>
+              <a:rPr lang="ja-JP" altLang="en-US" sz="1400">
+                <a:solidFill>
+                  <a:schemeClr val="bg1">
+                    <a:lumMod val="50000"/>
+                  </a:schemeClr>
+                </a:solidFill>
+              </a:rPr>
+              <a:t>によって開発され、</a:t>
+            </a:r>
+            <a:r>
+              <a:rPr lang="ja-JP" altLang="en-US" sz="1400" b="0" i="0">
+                <a:solidFill>
+                  <a:schemeClr val="bg1">
+                    <a:lumMod val="50000"/>
+                  </a:schemeClr>
+                </a:solidFill>
+                <a:effectLst/>
+                <a:latin typeface="Lato" panose="020F0502020204030203" pitchFamily="34" charset="0"/>
+              </a:rPr>
+              <a:t>世界中のコミュニティによって開発が行われているオープンソースの</a:t>
+            </a:r>
+            <a:r>
+              <a:rPr lang="en" altLang="ja-JP" sz="1400" b="0" i="0" dirty="0">
+                <a:solidFill>
+                  <a:schemeClr val="bg1">
+                    <a:lumMod val="50000"/>
+                  </a:schemeClr>
+                </a:solidFill>
+                <a:effectLst/>
+                <a:latin typeface="Lato" panose="020F0502020204030203" pitchFamily="34" charset="0"/>
+              </a:rPr>
+              <a:t>JavaScript</a:t>
+            </a:r>
+            <a:r>
+              <a:rPr lang="ja-JP" altLang="en-US" sz="1400" b="0" i="0">
+                <a:solidFill>
+                  <a:schemeClr val="bg1">
+                    <a:lumMod val="50000"/>
+                  </a:schemeClr>
+                </a:solidFill>
+                <a:effectLst/>
+                <a:latin typeface="Lato" panose="020F0502020204030203" pitchFamily="34" charset="0"/>
+              </a:rPr>
+              <a:t>フレームワーク</a:t>
+            </a:r>
+            <a:endParaRPr lang="en-US" altLang="ja-JP" sz="1400" dirty="0">
+              <a:solidFill>
+                <a:schemeClr val="bg1">
+                  <a:lumMod val="50000"/>
+                </a:schemeClr>
+              </a:solidFill>
+              <a:latin typeface="Lato" panose="020F0502020204030203" pitchFamily="34" charset="0"/>
+            </a:endParaRPr>
           </a:p>
           <a:p>
             <a:pPr>
               <a:lnSpc>
-                <a:spcPct val="100000"/>
+                <a:spcPct val="120000"/>
               </a:lnSpc>
             </a:pPr>
             <a:r>
-              <a:rPr lang="en" altLang="ja-JP" sz="1100" dirty="0">
-                <a:solidFill>
-                  <a:srgbClr val="000000"/>
-                </a:solidFill>
-              </a:rPr>
-              <a:t>Meta</a:t>
-            </a:r>
-            <a:r>
-              <a:rPr lang="ja-JP" altLang="en" sz="1100">
-                <a:solidFill>
-                  <a:srgbClr val="000000"/>
-                </a:solidFill>
-              </a:rPr>
-              <a:t>（</a:t>
-            </a:r>
-            <a:r>
-              <a:rPr lang="ja-JP" altLang="en-US" sz="1100">
-                <a:solidFill>
-                  <a:srgbClr val="000000"/>
-                </a:solidFill>
-              </a:rPr>
-              <a:t>旧</a:t>
-            </a:r>
-            <a:r>
-              <a:rPr lang="en" altLang="ja-JP" sz="1100" dirty="0">
-                <a:solidFill>
-                  <a:srgbClr val="000000"/>
-                </a:solidFill>
+              <a:rPr lang="ja-JP" altLang="en-US" sz="1400">
+                <a:solidFill>
+                  <a:schemeClr val="bg1">
+                    <a:lumMod val="50000"/>
+                  </a:schemeClr>
+                </a:solidFill>
+                <a:latin typeface="-apple-system"/>
+              </a:rPr>
+              <a:t>有名なアプリケーション（</a:t>
+            </a:r>
+            <a:r>
+              <a:rPr lang="en" altLang="ja-JP" sz="1400" b="0" i="0" dirty="0">
+                <a:solidFill>
+                  <a:schemeClr val="bg1">
+                    <a:lumMod val="50000"/>
+                  </a:schemeClr>
+                </a:solidFill>
+                <a:effectLst/>
+                <a:latin typeface="-apple-system"/>
               </a:rPr>
               <a:t>Facebook</a:t>
             </a:r>
             <a:r>
-              <a:rPr lang="ja-JP" altLang="en" sz="1100">
-                <a:solidFill>
-                  <a:srgbClr val="000000"/>
-                </a:solidFill>
-              </a:rPr>
-              <a:t>）</a:t>
-            </a:r>
-            <a:r>
-              <a:rPr lang="ja-JP" altLang="en-US" sz="1100">
-                <a:solidFill>
-                  <a:srgbClr val="000000"/>
-                </a:solidFill>
-              </a:rPr>
-              <a:t>によって開発され、</a:t>
-            </a:r>
-            <a:r>
-              <a:rPr lang="ja-JP" altLang="en-US" sz="1100" b="0" i="0">
-                <a:solidFill>
-                  <a:srgbClr val="000000"/>
-                </a:solidFill>
-                <a:effectLst/>
+              <a:rPr lang="en-US" altLang="ja-JP" sz="1400" dirty="0">
+                <a:solidFill>
+                  <a:schemeClr val="bg1">
+                    <a:lumMod val="50000"/>
+                  </a:schemeClr>
+                </a:solidFill>
                 <a:latin typeface="-apple-system"/>
               </a:rPr>
-              <a:t>現在は「</a:t>
-            </a:r>
-            <a:r>
-              <a:rPr lang="en" altLang="ja-JP" sz="1100" b="0" i="0" dirty="0">
-                <a:solidFill>
-                  <a:srgbClr val="000000"/>
-                </a:solidFill>
-                <a:effectLst/>
+              <a:t>,</a:t>
+            </a:r>
+            <a:r>
+              <a:rPr lang="en" altLang="ja-JP" sz="1400" dirty="0">
+                <a:solidFill>
+                  <a:schemeClr val="bg1">
+                    <a:lumMod val="50000"/>
+                  </a:schemeClr>
+                </a:solidFill>
                 <a:latin typeface="-apple-system"/>
               </a:rPr>
-              <a:t>Facebook</a:t>
-            </a:r>
-            <a:r>
-              <a:rPr lang="ja-JP" altLang="en" sz="1100" b="0" i="0">
-                <a:solidFill>
-                  <a:srgbClr val="000000"/>
+              <a:t> </a:t>
+            </a:r>
+            <a:r>
+              <a:rPr lang="en" altLang="ja-JP" sz="1400" b="0" i="0" dirty="0">
+                <a:solidFill>
+                  <a:schemeClr val="bg1">
+                    <a:lumMod val="50000"/>
+                  </a:schemeClr>
                 </a:solidFill>
                 <a:effectLst/>
                 <a:latin typeface="-apple-system"/>
               </a:rPr>
-              <a:t>」</a:t>
-            </a:r>
-            <a:r>
-              <a:rPr lang="ja-JP" altLang="en-US" sz="1100" b="0" i="0">
-                <a:solidFill>
-                  <a:srgbClr val="000000"/>
+              <a:t>Instagram</a:t>
+            </a:r>
+            <a:r>
+              <a:rPr lang="en-US" altLang="ja-JP" sz="1400" b="0" i="0" dirty="0">
+                <a:solidFill>
+                  <a:schemeClr val="bg1">
+                    <a:lumMod val="50000"/>
+                  </a:schemeClr>
                 </a:solidFill>
                 <a:effectLst/>
                 <a:latin typeface="-apple-system"/>
               </a:rPr>
-              <a:t>や「</a:t>
-            </a:r>
-            <a:r>
-              <a:rPr lang="en" altLang="ja-JP" sz="1100" b="0" i="0" dirty="0">
-                <a:solidFill>
-                  <a:srgbClr val="000000"/>
+              <a:t>, </a:t>
+            </a:r>
+            <a:r>
+              <a:rPr lang="en" altLang="ja-JP" sz="1400" b="0" i="0" dirty="0">
+                <a:solidFill>
+                  <a:schemeClr val="bg1">
+                    <a:lumMod val="50000"/>
+                  </a:schemeClr>
                 </a:solidFill>
                 <a:effectLst/>
                 <a:latin typeface="-apple-system"/>
               </a:rPr>
-              <a:t>Instagram</a:t>
-            </a:r>
-            <a:r>
-              <a:rPr lang="ja-JP" altLang="en" sz="1100" b="0" i="0">
-                <a:solidFill>
-                  <a:srgbClr val="000000"/>
+              <a:t>Yahoo!</a:t>
+            </a:r>
+            <a:r>
+              <a:rPr lang="en-US" altLang="ja-JP" sz="1400" b="0" i="0" dirty="0">
+                <a:solidFill>
+                  <a:schemeClr val="bg1">
+                    <a:lumMod val="50000"/>
+                  </a:schemeClr>
                 </a:solidFill>
                 <a:effectLst/>
                 <a:latin typeface="-apple-system"/>
               </a:rPr>
-              <a:t>」</a:t>
-            </a:r>
-            <a:r>
-              <a:rPr lang="ja-JP" altLang="en-US" sz="1100" b="0" i="0">
-                <a:solidFill>
-                  <a:srgbClr val="000000"/>
+              <a:t>, twitter, </a:t>
+            </a:r>
+            <a:r>
+              <a:rPr lang="en" altLang="ja-JP" sz="1400" b="0" i="0" dirty="0">
+                <a:solidFill>
+                  <a:schemeClr val="bg1">
+                    <a:lumMod val="50000"/>
+                  </a:schemeClr>
                 </a:solidFill>
                 <a:effectLst/>
                 <a:latin typeface="-apple-system"/>
               </a:rPr>
-              <a:t>はもちろん、 「</a:t>
-            </a:r>
-            <a:r>
-              <a:rPr lang="en" altLang="ja-JP" sz="1100" b="0" i="0" dirty="0">
-                <a:solidFill>
-                  <a:srgbClr val="000000"/>
+              <a:t>Netflix</a:t>
+            </a:r>
+            <a:r>
+              <a:rPr lang="en-US" altLang="ja-JP" sz="1400" b="0" i="0" dirty="0">
+                <a:solidFill>
+                  <a:schemeClr val="bg1">
+                    <a:lumMod val="50000"/>
+                  </a:schemeClr>
                 </a:solidFill>
                 <a:effectLst/>
                 <a:latin typeface="-apple-system"/>
               </a:rPr>
-              <a:t>Yahoo!</a:t>
-            </a:r>
-            <a:r>
-              <a:rPr lang="ja-JP" altLang="en" sz="1100" b="0" i="0">
-                <a:solidFill>
-                  <a:srgbClr val="000000"/>
+              <a:t>, </a:t>
+            </a:r>
+            <a:r>
+              <a:rPr lang="en" altLang="ja-JP" sz="1400" b="0" i="0" dirty="0">
+                <a:solidFill>
+                  <a:schemeClr val="bg1">
+                    <a:lumMod val="50000"/>
+                  </a:schemeClr>
                 </a:solidFill>
                 <a:effectLst/>
                 <a:latin typeface="-apple-system"/>
               </a:rPr>
-              <a:t>」 </a:t>
-            </a:r>
-            <a:r>
-              <a:rPr lang="ja-JP" altLang="en-US" sz="1100" b="0" i="0">
-                <a:solidFill>
-                  <a:srgbClr val="000000"/>
+              <a:t>Slack</a:t>
+            </a:r>
+            <a:r>
+              <a:rPr lang="en-US" altLang="ja-JP" sz="1400" b="0" i="0" dirty="0">
+                <a:solidFill>
+                  <a:schemeClr val="bg1">
+                    <a:lumMod val="50000"/>
+                  </a:schemeClr>
                 </a:solidFill>
                 <a:effectLst/>
                 <a:latin typeface="-apple-system"/>
               </a:rPr>
-              <a:t>「</a:t>
-            </a:r>
-            <a:r>
-              <a:rPr lang="en-US" altLang="ja-JP" sz="1100" b="0" i="0" dirty="0">
-                <a:solidFill>
-                  <a:srgbClr val="000000"/>
+              <a:t>, </a:t>
+            </a:r>
+            <a:r>
+              <a:rPr lang="en" altLang="ja-JP" sz="1400" b="0" i="0" dirty="0">
+                <a:solidFill>
+                  <a:schemeClr val="bg1">
+                    <a:lumMod val="50000"/>
+                  </a:schemeClr>
                 </a:solidFill>
                 <a:effectLst/>
                 <a:latin typeface="-apple-system"/>
               </a:rPr>
-              <a:t>twitter</a:t>
-            </a:r>
-            <a:r>
-              <a:rPr lang="ja-JP" altLang="en" sz="1100" b="0" i="0">
-                <a:solidFill>
-                  <a:srgbClr val="000000"/>
+              <a:t>Uber</a:t>
+            </a:r>
+            <a:r>
+              <a:rPr lang="ja-JP" altLang="en-US" sz="1400" b="0" i="0">
+                <a:solidFill>
+                  <a:schemeClr val="bg1">
+                    <a:lumMod val="50000"/>
+                  </a:schemeClr>
                 </a:solidFill>
                 <a:effectLst/>
                 <a:latin typeface="-apple-system"/>
               </a:rPr>
-              <a:t>」 「</a:t>
-            </a:r>
-            <a:r>
-              <a:rPr lang="en" altLang="ja-JP" sz="1100" b="0" i="0" dirty="0">
-                <a:solidFill>
-                  <a:srgbClr val="000000"/>
-                </a:solidFill>
-                <a:effectLst/>
+              <a:t>など）</a:t>
+            </a:r>
+            <a:r>
+              <a:rPr lang="ja-JP" altLang="en-US" sz="1400">
+                <a:solidFill>
+                  <a:schemeClr val="bg1">
+                    <a:lumMod val="50000"/>
+                  </a:schemeClr>
+                </a:solidFill>
                 <a:latin typeface="-apple-system"/>
               </a:rPr>
-              <a:t>Airbnb</a:t>
-            </a:r>
-            <a:r>
-              <a:rPr lang="ja-JP" altLang="en" sz="1100" b="0" i="0">
-                <a:solidFill>
-                  <a:srgbClr val="000000"/>
+              <a:t>をはじめ</a:t>
+            </a:r>
+            <a:r>
+              <a:rPr lang="ja-JP" altLang="en-US" sz="1400" b="1" i="0">
+                <a:solidFill>
+                  <a:schemeClr val="bg1">
+                    <a:lumMod val="50000"/>
+                  </a:schemeClr>
                 </a:solidFill>
                 <a:effectLst/>
                 <a:latin typeface="-apple-system"/>
               </a:rPr>
-              <a:t>」「</a:t>
-            </a:r>
-            <a:r>
-              <a:rPr lang="en" altLang="ja-JP" sz="1100" b="0" i="0" dirty="0">
-                <a:solidFill>
-                  <a:srgbClr val="000000"/>
+              <a:t>世界中で数多く採用されている</a:t>
+            </a:r>
+            <a:endParaRPr lang="en-US" altLang="ja-JP" sz="1400" b="1" dirty="0">
+              <a:solidFill>
+                <a:schemeClr val="bg1">
+                  <a:lumMod val="50000"/>
+                </a:schemeClr>
+              </a:solidFill>
+              <a:latin typeface="-apple-system"/>
+            </a:endParaRPr>
+          </a:p>
+          <a:p>
+            <a:pPr>
+              <a:lnSpc>
+                <a:spcPct val="120000"/>
+              </a:lnSpc>
+            </a:pPr>
+            <a:r>
+              <a:rPr lang="en" altLang="ja-JP" sz="1400" b="0" i="0" dirty="0">
+                <a:solidFill>
+                  <a:schemeClr val="bg1">
+                    <a:lumMod val="50000"/>
+                  </a:schemeClr>
                 </a:solidFill>
                 <a:effectLst/>
                 <a:latin typeface="-apple-system"/>
               </a:rPr>
-              <a:t>Reddit</a:t>
-            </a:r>
-            <a:r>
-              <a:rPr lang="ja-JP" altLang="en" sz="1100" b="0" i="0">
-                <a:solidFill>
-                  <a:srgbClr val="000000"/>
+              <a:t>React</a:t>
+            </a:r>
+            <a:r>
+              <a:rPr lang="ja-JP" altLang="en-US" sz="1400" b="0" i="0">
+                <a:solidFill>
+                  <a:schemeClr val="bg1">
+                    <a:lumMod val="50000"/>
+                  </a:schemeClr>
                 </a:solidFill>
                 <a:effectLst/>
                 <a:latin typeface="-apple-system"/>
               </a:rPr>
-              <a:t>」「</a:t>
-            </a:r>
-            <a:r>
-              <a:rPr lang="en" altLang="ja-JP" sz="1100" b="0" i="0" dirty="0">
-                <a:solidFill>
-                  <a:srgbClr val="000000"/>
+              <a:t>自体はフレームワークでなく、あくまでも</a:t>
+            </a:r>
+            <a:r>
+              <a:rPr lang="en" altLang="ja-JP" sz="1400" b="0" i="0" dirty="0">
+                <a:solidFill>
+                  <a:schemeClr val="bg1">
+                    <a:lumMod val="50000"/>
+                  </a:schemeClr>
                 </a:solidFill>
                 <a:effectLst/>
                 <a:latin typeface="-apple-system"/>
               </a:rPr>
-              <a:t>Netflix</a:t>
-            </a:r>
-            <a:r>
-              <a:rPr lang="ja-JP" altLang="en" sz="1100" b="0" i="0">
-                <a:solidFill>
-                  <a:srgbClr val="000000"/>
+              <a:t>UI</a:t>
+            </a:r>
+            <a:r>
+              <a:rPr lang="ja-JP" altLang="en-US" sz="1400" b="0" i="0">
+                <a:solidFill>
+                  <a:schemeClr val="bg1">
+                    <a:lumMod val="50000"/>
+                  </a:schemeClr>
                 </a:solidFill>
                 <a:effectLst/>
                 <a:latin typeface="-apple-system"/>
               </a:rPr>
-              <a:t>」「</a:t>
-            </a:r>
-            <a:r>
-              <a:rPr lang="en" altLang="ja-JP" sz="1100" b="0" i="0" dirty="0">
-                <a:solidFill>
-                  <a:srgbClr val="000000"/>
-                </a:solidFill>
-                <a:effectLst/>
-                <a:latin typeface="-apple-system"/>
-              </a:rPr>
-              <a:t>Slack</a:t>
-            </a:r>
-            <a:r>
-              <a:rPr lang="ja-JP" altLang="en" sz="1100" b="0" i="0">
-                <a:solidFill>
-                  <a:srgbClr val="000000"/>
-                </a:solidFill>
-                <a:effectLst/>
-                <a:latin typeface="-apple-system"/>
-              </a:rPr>
-              <a:t>」「</a:t>
-            </a:r>
-            <a:r>
-              <a:rPr lang="en" altLang="ja-JP" sz="1100" b="0" i="0" dirty="0">
-                <a:solidFill>
-                  <a:srgbClr val="000000"/>
-                </a:solidFill>
-                <a:effectLst/>
-                <a:latin typeface="-apple-system"/>
-              </a:rPr>
-              <a:t>Uber</a:t>
-            </a:r>
-            <a:r>
-              <a:rPr lang="ja-JP" altLang="en" sz="1100" b="0" i="0">
-                <a:solidFill>
-                  <a:srgbClr val="000000"/>
-                </a:solidFill>
-                <a:effectLst/>
-                <a:latin typeface="-apple-system"/>
-              </a:rPr>
-              <a:t>」</a:t>
-            </a:r>
-            <a:r>
-              <a:rPr lang="ja-JP" altLang="en-US" sz="1100" b="0" i="0">
-                <a:solidFill>
-                  <a:srgbClr val="000000"/>
-                </a:solidFill>
-                <a:effectLst/>
-                <a:latin typeface="-apple-system"/>
-              </a:rPr>
-              <a:t>など、世界中で数多く採用されていて、最も勢いのあるライブラリ</a:t>
-            </a:r>
-            <a:endParaRPr lang="en-US" altLang="ja-JP" sz="1100" dirty="0">
+              <a:t>を構築するだけのライブラリで、</a:t>
+            </a:r>
+            <a:r>
+              <a:rPr lang="en-US" altLang="ja-JP" sz="1400" b="1" dirty="0">
+                <a:solidFill>
+                  <a:schemeClr val="bg1">
+                    <a:lumMod val="50000"/>
+                  </a:schemeClr>
+                </a:solidFill>
+              </a:rPr>
+              <a:t>UI</a:t>
+            </a:r>
+            <a:r>
+              <a:rPr lang="ja-JP" altLang="en-US" sz="1400" b="1">
+                <a:solidFill>
+                  <a:schemeClr val="bg1">
+                    <a:lumMod val="50000"/>
+                  </a:schemeClr>
+                </a:solidFill>
+              </a:rPr>
+              <a:t>の作成に特化している</a:t>
+            </a:r>
+            <a:endParaRPr lang="en-US" altLang="ja-JP" sz="1400" b="1" dirty="0">
               <a:solidFill>
-                <a:srgbClr val="000000"/>
+                <a:schemeClr val="bg1">
+                  <a:lumMod val="50000"/>
+                </a:schemeClr>
               </a:solidFill>
             </a:endParaRPr>
           </a:p>
           <a:p>
             <a:pPr>
               <a:lnSpc>
-                <a:spcPct val="100000"/>
+                <a:spcPct val="120000"/>
               </a:lnSpc>
             </a:pPr>
             <a:r>
-              <a:rPr lang="en" altLang="ja-JP" sz="1100" b="0" i="0" dirty="0">
-                <a:solidFill>
-                  <a:srgbClr val="000000"/>
+              <a:rPr lang="en-US" altLang="ja-JP" sz="1400" b="0" i="0" dirty="0">
+                <a:solidFill>
+                  <a:schemeClr val="bg1">
+                    <a:lumMod val="50000"/>
+                  </a:schemeClr>
                 </a:solidFill>
                 <a:effectLst/>
                 <a:latin typeface="-apple-system"/>
               </a:rPr>
+              <a:t>State of frontend</a:t>
+            </a:r>
+            <a:r>
+              <a:rPr lang="ja-JP" altLang="en-US" sz="1400" b="0" i="0">
+                <a:solidFill>
+                  <a:schemeClr val="bg1">
+                    <a:lumMod val="50000"/>
+                  </a:schemeClr>
+                </a:solidFill>
+                <a:effectLst/>
+                <a:latin typeface="-apple-system"/>
+              </a:rPr>
+              <a:t>が行なった</a:t>
+            </a:r>
+            <a:r>
+              <a:rPr lang="en-US" altLang="ja-JP" sz="1400" b="0" i="0" dirty="0">
+                <a:solidFill>
+                  <a:schemeClr val="bg1">
+                    <a:lumMod val="50000"/>
+                  </a:schemeClr>
+                </a:solidFill>
+                <a:effectLst/>
+                <a:latin typeface="-apple-system"/>
+              </a:rPr>
+              <a:t>2022</a:t>
+            </a:r>
+            <a:r>
+              <a:rPr lang="ja-JP" altLang="en-US" sz="1400">
+                <a:solidFill>
+                  <a:schemeClr val="bg1">
+                    <a:lumMod val="50000"/>
+                  </a:schemeClr>
+                </a:solidFill>
+                <a:latin typeface="-apple-system"/>
+              </a:rPr>
+              <a:t>年度最も使い、好まれたライブラリは？というアンケートで</a:t>
+            </a:r>
+            <a:r>
+              <a:rPr lang="en" altLang="ja-JP" sz="1400" b="0" i="0" dirty="0">
+                <a:solidFill>
+                  <a:schemeClr val="bg1">
+                    <a:lumMod val="50000"/>
+                  </a:schemeClr>
+                </a:solidFill>
+                <a:effectLst/>
+                <a:latin typeface="-apple-system"/>
+              </a:rPr>
               <a:t>React</a:t>
             </a:r>
             <a:r>
-              <a:rPr lang="ja-JP" altLang="en-US" sz="1100" b="0" i="0">
-                <a:solidFill>
-                  <a:srgbClr val="000000"/>
+              <a:rPr lang="ja-JP" altLang="en-US" sz="1400" b="0" i="0">
+                <a:solidFill>
+                  <a:schemeClr val="bg1">
+                    <a:lumMod val="50000"/>
+                  </a:schemeClr>
                 </a:solidFill>
                 <a:effectLst/>
                 <a:latin typeface="-apple-system"/>
               </a:rPr>
-              <a:t>自体はフレームワークでなく、あくまでも</a:t>
-            </a:r>
-            <a:r>
-              <a:rPr lang="en" altLang="ja-JP" sz="1100" b="0" i="0" dirty="0">
-                <a:solidFill>
-                  <a:srgbClr val="000000"/>
+              <a:t>・</a:t>
+            </a:r>
+            <a:r>
+              <a:rPr lang="en" altLang="ja-JP" sz="1400" b="0" i="0" dirty="0">
+                <a:solidFill>
+                  <a:schemeClr val="bg1">
+                    <a:lumMod val="50000"/>
+                  </a:schemeClr>
                 </a:solidFill>
                 <a:effectLst/>
                 <a:latin typeface="-apple-system"/>
               </a:rPr>
-              <a:t>UI</a:t>
-            </a:r>
-            <a:r>
-              <a:rPr lang="ja-JP" altLang="en-US" sz="1100" b="0" i="0">
-                <a:solidFill>
-                  <a:srgbClr val="000000"/>
+              <a:t> </a:t>
+            </a:r>
+            <a:r>
+              <a:rPr lang="en" altLang="ja-JP" sz="1400" b="0" i="0" dirty="0" err="1">
+                <a:solidFill>
+                  <a:schemeClr val="bg1">
+                    <a:lumMod val="50000"/>
+                  </a:schemeClr>
                 </a:solidFill>
                 <a:effectLst/>
                 <a:latin typeface="-apple-system"/>
               </a:rPr>
-              <a:t>を構築するだけのライブラリで</a:t>
-            </a:r>
-            <a:r>
-              <a:rPr lang="en-US" altLang="ja-JP" sz="1100" dirty="0">
-                <a:solidFill>
-                  <a:srgbClr val="000000"/>
-                </a:solidFill>
-              </a:rPr>
-              <a:t>UI</a:t>
-            </a:r>
-            <a:r>
-              <a:rPr lang="ja-JP" altLang="en-US" sz="1100">
-                <a:solidFill>
-                  <a:srgbClr val="000000"/>
-                </a:solidFill>
-              </a:rPr>
-              <a:t>を作ることに特化している</a:t>
-            </a:r>
-            <a:endParaRPr lang="en-US" altLang="ja-JP" sz="1100" dirty="0">
+              <a:t>Next.js</a:t>
+            </a:r>
+            <a:r>
+              <a:rPr lang="ja-JP" altLang="en-US" sz="1400" b="0" i="0">
+                <a:solidFill>
+                  <a:schemeClr val="bg1">
+                    <a:lumMod val="50000"/>
+                  </a:schemeClr>
+                </a:solidFill>
+                <a:effectLst/>
+                <a:latin typeface="-apple-system"/>
+              </a:rPr>
+              <a:t>（</a:t>
+            </a:r>
+            <a:r>
+              <a:rPr lang="en-US" altLang="ja-JP" sz="1400" b="0" i="0" dirty="0">
+                <a:solidFill>
+                  <a:schemeClr val="bg1">
+                    <a:lumMod val="50000"/>
+                  </a:schemeClr>
+                </a:solidFill>
+                <a:effectLst/>
+                <a:latin typeface="-apple-system"/>
+              </a:rPr>
+              <a:t>React</a:t>
+            </a:r>
+            <a:r>
+              <a:rPr lang="ja-JP" altLang="en-US" sz="1400" b="0" i="0">
+                <a:solidFill>
+                  <a:schemeClr val="bg1">
+                    <a:lumMod val="50000"/>
+                  </a:schemeClr>
+                </a:solidFill>
+                <a:effectLst/>
+                <a:latin typeface="-apple-system"/>
+              </a:rPr>
+              <a:t>ベースのフレームワーク）が</a:t>
+            </a:r>
+            <a:r>
+              <a:rPr lang="ja-JP" altLang="en-US" sz="1400">
+                <a:solidFill>
+                  <a:schemeClr val="bg1">
+                    <a:lumMod val="50000"/>
+                  </a:schemeClr>
+                </a:solidFill>
+                <a:latin typeface="-apple-system"/>
+              </a:rPr>
+              <a:t>上位を独占し、</a:t>
+            </a:r>
+            <a:r>
+              <a:rPr lang="ja-JP" altLang="en-US" sz="1400" b="0" i="0">
+                <a:solidFill>
+                  <a:schemeClr val="bg1">
+                    <a:lumMod val="50000"/>
+                  </a:schemeClr>
+                </a:solidFill>
+                <a:effectLst/>
+                <a:latin typeface="-apple-system"/>
+              </a:rPr>
+              <a:t>最も勢いのあるといわれている</a:t>
+            </a:r>
+            <a:endParaRPr lang="en-US" altLang="ja-JP" sz="1400" b="0" i="0" dirty="0">
               <a:solidFill>
-                <a:srgbClr val="000000"/>
+                <a:schemeClr val="bg1">
+                  <a:lumMod val="50000"/>
+                </a:schemeClr>
               </a:solidFill>
+              <a:effectLst/>
+              <a:latin typeface="-apple-system"/>
             </a:endParaRPr>
           </a:p>
           <a:p>
             <a:pPr>
               <a:lnSpc>
-                <a:spcPct val="100000"/>
+                <a:spcPct val="120000"/>
               </a:lnSpc>
             </a:pPr>
             <a:r>
-              <a:rPr lang="en" altLang="ja-JP" sz="1100" dirty="0">
-                <a:solidFill>
-                  <a:srgbClr val="000000"/>
-                </a:solidFill>
+              <a:rPr lang="en" altLang="ja-JP" sz="1400" b="0" i="0" dirty="0">
+                <a:solidFill>
+                  <a:schemeClr val="bg1">
+                    <a:lumMod val="50000"/>
+                  </a:schemeClr>
+                </a:solidFill>
+                <a:effectLst/>
+                <a:latin typeface="Meiryo" panose="020B0604030504040204" pitchFamily="34" charset="-128"/>
+                <a:ea typeface="Meiryo" panose="020B0604030504040204" pitchFamily="34" charset="-128"/>
+              </a:rPr>
+              <a:t>HTML</a:t>
+            </a:r>
+            <a:r>
+              <a:rPr lang="ja-JP" altLang="en-US" sz="1400" b="0" i="0">
+                <a:solidFill>
+                  <a:schemeClr val="bg1">
+                    <a:lumMod val="50000"/>
+                  </a:schemeClr>
+                </a:solidFill>
+                <a:effectLst/>
+                <a:latin typeface="Meiryo" panose="020B0604030504040204" pitchFamily="34" charset="-128"/>
+                <a:ea typeface="Meiryo" panose="020B0604030504040204" pitchFamily="34" charset="-128"/>
+              </a:rPr>
+              <a:t>と</a:t>
+            </a:r>
+            <a:r>
+              <a:rPr lang="en" altLang="ja-JP" sz="1400" b="0" i="0" dirty="0">
+                <a:solidFill>
+                  <a:schemeClr val="bg1">
+                    <a:lumMod val="50000"/>
+                  </a:schemeClr>
+                </a:solidFill>
+                <a:effectLst/>
+                <a:latin typeface="Meiryo" panose="020B0604030504040204" pitchFamily="34" charset="-128"/>
+                <a:ea typeface="Meiryo" panose="020B0604030504040204" pitchFamily="34" charset="-128"/>
+              </a:rPr>
+              <a:t>JavaScript</a:t>
+            </a:r>
+            <a:r>
+              <a:rPr lang="ja-JP" altLang="en-US" sz="1400" b="0" i="0">
+                <a:solidFill>
+                  <a:schemeClr val="bg1">
+                    <a:lumMod val="50000"/>
+                  </a:schemeClr>
+                </a:solidFill>
+                <a:effectLst/>
+                <a:latin typeface="Meiryo" panose="020B0604030504040204" pitchFamily="34" charset="-128"/>
+                <a:ea typeface="Meiryo" panose="020B0604030504040204" pitchFamily="34" charset="-128"/>
+              </a:rPr>
+              <a:t>を組み合わせたような形の</a:t>
+            </a:r>
+            <a:r>
+              <a:rPr lang="en-US" altLang="ja-JP" sz="1400" b="1" dirty="0">
+                <a:solidFill>
+                  <a:schemeClr val="bg1">
+                    <a:lumMod val="50000"/>
+                  </a:schemeClr>
+                </a:solidFill>
+                <a:latin typeface="-apple-system"/>
+                <a:ea typeface="Meiryo" panose="020B0604030504040204" pitchFamily="34" charset="-128"/>
               </a:rPr>
               <a:t>JSX</a:t>
             </a:r>
             <a:r>
-              <a:rPr lang="ja-JP" altLang="en-US" sz="1100">
-                <a:solidFill>
-                  <a:srgbClr val="000000"/>
-                </a:solidFill>
-              </a:rPr>
-              <a:t>で記述するコンポーネント</a:t>
-            </a:r>
-          </a:p>
-          <a:p>
-            <a:pPr>
-              <a:lnSpc>
-                <a:spcPct val="100000"/>
-              </a:lnSpc>
-            </a:pPr>
-            <a:r>
-              <a:rPr lang="ja-JP" altLang="en-US" sz="1100">
-                <a:solidFill>
-                  <a:srgbClr val="000000"/>
-                </a:solidFill>
-              </a:rPr>
-              <a:t>単方向データバインディングと</a:t>
-            </a:r>
-            <a:r>
-              <a:rPr lang="en" altLang="ja-JP" sz="1100" dirty="0">
-                <a:solidFill>
-                  <a:srgbClr val="000000"/>
-                </a:solidFill>
-              </a:rPr>
-              <a:t>Flux</a:t>
-            </a:r>
-          </a:p>
-          <a:p>
-            <a:pPr>
-              <a:lnSpc>
-                <a:spcPct val="100000"/>
-              </a:lnSpc>
-            </a:pPr>
-            <a:r>
-              <a:rPr lang="ja-JP" altLang="en-US" sz="1100">
-                <a:solidFill>
-                  <a:srgbClr val="000000"/>
-                </a:solidFill>
-              </a:rPr>
-              <a:t>安全性重視の設計思想</a:t>
-            </a:r>
-          </a:p>
-          <a:p>
-            <a:pPr>
-              <a:lnSpc>
-                <a:spcPct val="100000"/>
-              </a:lnSpc>
-            </a:pPr>
-            <a:r>
-              <a:rPr lang="ja-JP" altLang="en-US" sz="1100">
-                <a:solidFill>
-                  <a:srgbClr val="000000"/>
-                </a:solidFill>
-              </a:rPr>
-              <a:t>汎用性の高さ</a:t>
-            </a:r>
-          </a:p>
-          <a:p>
-            <a:pPr>
-              <a:lnSpc>
-                <a:spcPct val="100000"/>
-              </a:lnSpc>
-            </a:pPr>
-            <a:r>
-              <a:rPr lang="ja-JP" altLang="en-US" sz="1100" b="0" i="0">
-                <a:solidFill>
-                  <a:srgbClr val="000000"/>
-                </a:solidFill>
-                <a:effectLst/>
-                <a:latin typeface="-apple-system"/>
-              </a:rPr>
-              <a:t>最近は、</a:t>
-            </a:r>
-            <a:r>
-              <a:rPr lang="en" altLang="ja-JP" sz="1100" b="0" i="0" dirty="0">
-                <a:solidFill>
-                  <a:srgbClr val="000000"/>
-                </a:solidFill>
-                <a:effectLst/>
-                <a:latin typeface="-apple-system"/>
-              </a:rPr>
-              <a:t>React</a:t>
-            </a:r>
-            <a:r>
-              <a:rPr lang="ja-JP" altLang="en-US" sz="1100" b="0" i="0">
-                <a:solidFill>
-                  <a:srgbClr val="000000"/>
-                </a:solidFill>
-                <a:effectLst/>
-                <a:latin typeface="-apple-system"/>
-              </a:rPr>
-              <a:t>をベースに開発された</a:t>
-            </a:r>
-            <a:r>
-              <a:rPr lang="en" altLang="ja-JP" sz="1100" b="0" i="0" dirty="0">
-                <a:solidFill>
-                  <a:srgbClr val="000000"/>
-                </a:solidFill>
-                <a:effectLst/>
-                <a:latin typeface="-apple-system"/>
-              </a:rPr>
-              <a:t>JavaScript</a:t>
-            </a:r>
-            <a:r>
-              <a:rPr lang="ja-JP" altLang="en-US" sz="1100" b="0" i="0">
-                <a:solidFill>
-                  <a:srgbClr val="000000"/>
-                </a:solidFill>
-                <a:effectLst/>
-                <a:latin typeface="-apple-system"/>
-              </a:rPr>
-              <a:t>のフレームワークである</a:t>
-            </a:r>
-            <a:r>
-              <a:rPr lang="en" altLang="ja-JP" sz="1100" b="0" i="0" dirty="0" err="1">
-                <a:solidFill>
-                  <a:srgbClr val="000000"/>
-                </a:solidFill>
-                <a:effectLst/>
-                <a:latin typeface="-apple-system"/>
-              </a:rPr>
-              <a:t>Next.js</a:t>
-            </a:r>
-            <a:r>
-              <a:rPr lang="ja-JP" altLang="en-US" sz="1100" b="0" i="0">
-                <a:solidFill>
-                  <a:srgbClr val="000000"/>
-                </a:solidFill>
-                <a:effectLst/>
-                <a:latin typeface="-apple-system"/>
-              </a:rPr>
-              <a:t>の利用も増えてい</a:t>
-            </a:r>
-            <a:r>
-              <a:rPr lang="ja-JP" altLang="en-US" sz="1100">
-                <a:solidFill>
-                  <a:srgbClr val="000000"/>
-                </a:solidFill>
-                <a:latin typeface="-apple-system"/>
-              </a:rPr>
-              <a:t>る</a:t>
-            </a:r>
-            <a:endParaRPr lang="en" altLang="ja-JP" sz="1100" dirty="0">
+              <a:rPr lang="ja-JP" altLang="en-US" sz="1400" b="1" i="0">
+                <a:solidFill>
+                  <a:schemeClr val="bg1">
+                    <a:lumMod val="50000"/>
+                  </a:schemeClr>
+                </a:solidFill>
+                <a:effectLst/>
+                <a:latin typeface="Meiryo" panose="020B0604030504040204" pitchFamily="34" charset="-128"/>
+                <a:ea typeface="Meiryo" panose="020B0604030504040204" pitchFamily="34" charset="-128"/>
+              </a:rPr>
+              <a:t>と呼ばれる記法</a:t>
+            </a:r>
+            <a:r>
+              <a:rPr lang="ja-JP" altLang="en-US" sz="1400" b="0" i="0">
+                <a:solidFill>
+                  <a:schemeClr val="bg1">
+                    <a:lumMod val="50000"/>
+                  </a:schemeClr>
+                </a:solidFill>
+                <a:effectLst/>
+                <a:latin typeface="Meiryo" panose="020B0604030504040204" pitchFamily="34" charset="-128"/>
+                <a:ea typeface="Meiryo" panose="020B0604030504040204" pitchFamily="34" charset="-128"/>
+              </a:rPr>
+              <a:t>でコーディングを行う</a:t>
+            </a:r>
+            <a:endParaRPr lang="en-US" altLang="ja-JP" sz="1400" b="0" i="0" dirty="0">
               <a:solidFill>
-                <a:srgbClr val="000000"/>
+                <a:schemeClr val="bg1">
+                  <a:lumMod val="50000"/>
+                </a:schemeClr>
               </a:solidFill>
-            </a:endParaRPr>
-          </a:p>
-          <a:p>
-            <a:pPr>
-              <a:lnSpc>
-                <a:spcPct val="100000"/>
-              </a:lnSpc>
-            </a:pPr>
-            <a:endParaRPr lang="en-US" altLang="ja-JP" sz="1100" dirty="0">
-              <a:solidFill>
-                <a:srgbClr val="000000"/>
-              </a:solidFill>
-            </a:endParaRPr>
-          </a:p>
-          <a:p>
-            <a:pPr>
-              <a:lnSpc>
-                <a:spcPct val="100000"/>
-              </a:lnSpc>
-            </a:pPr>
-            <a:r>
-              <a:rPr lang="en-US" altLang="ja-JP" sz="1100" dirty="0">
-                <a:solidFill>
-                  <a:srgbClr val="000000"/>
-                </a:solidFill>
-              </a:rPr>
-              <a:t>2022</a:t>
-            </a:r>
-            <a:r>
-              <a:rPr lang="ja-JP" altLang="en-US" sz="1100">
-                <a:solidFill>
-                  <a:srgbClr val="000000"/>
-                </a:solidFill>
-              </a:rPr>
-              <a:t>年</a:t>
-            </a:r>
-            <a:r>
-              <a:rPr lang="en-US" altLang="ja-JP" sz="1100" dirty="0">
-                <a:solidFill>
-                  <a:srgbClr val="000000"/>
-                </a:solidFill>
-              </a:rPr>
-              <a:t>10</a:t>
-            </a:r>
-            <a:r>
-              <a:rPr lang="ja-JP" altLang="en-US" sz="1100">
-                <a:solidFill>
-                  <a:srgbClr val="000000"/>
-                </a:solidFill>
-              </a:rPr>
-              <a:t>月現在、</a:t>
-            </a:r>
-            <a:r>
-              <a:rPr lang="en-US" altLang="ja-JP" sz="1100" dirty="0" err="1">
-                <a:solidFill>
-                  <a:srgbClr val="000000"/>
-                </a:solidFill>
-              </a:rPr>
-              <a:t>javascript</a:t>
-            </a:r>
-            <a:r>
-              <a:rPr lang="ja-JP" altLang="en-US" sz="1100">
-                <a:solidFill>
-                  <a:srgbClr val="000000"/>
-                </a:solidFill>
-              </a:rPr>
-              <a:t>のフレームワークで人気上位（</a:t>
-            </a:r>
-            <a:r>
-              <a:rPr lang="en" altLang="ja-JP" sz="1100" dirty="0">
-                <a:solidFill>
-                  <a:srgbClr val="000000"/>
-                </a:solidFill>
-              </a:rPr>
-              <a:t>https://</a:t>
-            </a:r>
-            <a:r>
-              <a:rPr lang="en" altLang="ja-JP" sz="1100" dirty="0" err="1">
-                <a:solidFill>
-                  <a:srgbClr val="000000"/>
-                </a:solidFill>
-              </a:rPr>
-              <a:t>tsh.io</a:t>
-            </a:r>
-            <a:r>
-              <a:rPr lang="en" altLang="ja-JP" sz="1100" dirty="0">
-                <a:solidFill>
-                  <a:srgbClr val="000000"/>
-                </a:solidFill>
-              </a:rPr>
-              <a:t>/state-of-frontend/</a:t>
-            </a:r>
-            <a:r>
-              <a:rPr lang="ja-JP" altLang="en-US" sz="1100">
-                <a:solidFill>
-                  <a:srgbClr val="000000"/>
-                </a:solidFill>
-              </a:rPr>
-              <a:t>）</a:t>
-            </a:r>
-            <a:endParaRPr lang="en-US" altLang="ja-JP" sz="1100" dirty="0">
-              <a:solidFill>
-                <a:srgbClr val="000000"/>
-              </a:solidFill>
-            </a:endParaRPr>
-          </a:p>
-          <a:p>
-            <a:pPr>
-              <a:lnSpc>
-                <a:spcPct val="100000"/>
-              </a:lnSpc>
-            </a:pPr>
-            <a:endParaRPr kumimoji="1" lang="ja-JP" altLang="en-US" sz="1100">
-              <a:solidFill>
-                <a:srgbClr val="000000"/>
-              </a:solidFill>
+              <a:effectLst/>
+              <a:latin typeface="Meiryo" panose="020B0604030504040204" pitchFamily="34" charset="-128"/>
+              <a:ea typeface="Meiryo" panose="020B0604030504040204" pitchFamily="34" charset="-128"/>
             </a:endParaRPr>
           </a:p>
         </p:txBody>
@@ -8774,7 +8728,7 @@
         </p:blipFill>
         <p:spPr>
           <a:xfrm>
-            <a:off x="6104733" y="1965960"/>
+            <a:off x="6070866" y="1530013"/>
             <a:ext cx="5371567" cy="3350275"/>
           </a:xfrm>
           <a:prstGeom prst="rect">
@@ -8796,7 +8750,7 @@
         </p:nvSpPr>
         <p:spPr>
           <a:xfrm>
-            <a:off x="6104733" y="1541765"/>
+            <a:off x="6073422" y="1998881"/>
             <a:ext cx="4964821" cy="253916"/>
           </a:xfrm>
           <a:prstGeom prst="rect">
@@ -8811,15 +8765,33 @@
           <a:lstStyle/>
           <a:p>
             <a:r>
-              <a:rPr kumimoji="1" lang="ja-JP" altLang="en-US" sz="1050"/>
+              <a:rPr kumimoji="1" lang="ja-JP" altLang="en-US" sz="1050">
+                <a:solidFill>
+                  <a:schemeClr val="accent1">
+                    <a:lumMod val="50000"/>
+                  </a:schemeClr>
+                </a:solidFill>
+              </a:rPr>
               <a:t>過去</a:t>
             </a:r>
             <a:r>
-              <a:rPr kumimoji="1" lang="en-US" altLang="ja-JP" sz="1050" dirty="0"/>
+              <a:rPr kumimoji="1" lang="en-US" altLang="ja-JP" sz="1050" dirty="0">
+                <a:solidFill>
+                  <a:schemeClr val="accent1">
+                    <a:lumMod val="50000"/>
+                  </a:schemeClr>
+                </a:solidFill>
+              </a:rPr>
               <a:t>1</a:t>
             </a:r>
             <a:r>
-              <a:rPr kumimoji="1" lang="ja-JP" altLang="en-US" sz="1050"/>
+              <a:rPr kumimoji="1" lang="ja-JP" altLang="en-US" sz="1050">
+                <a:solidFill>
+                  <a:schemeClr val="accent1">
+                    <a:lumMod val="50000"/>
+                  </a:schemeClr>
+                </a:solidFill>
+              </a:rPr>
               <a:t>年間で、次のフレームワークのうち、どれを使い、どれが好きでしたか？</a:t>
             </a:r>
           </a:p>
@@ -8827,10 +8799,10 @@
       </p:sp>
       <p:sp>
         <p:nvSpPr>
-          <p:cNvPr id="8" name="テキスト ボックス 7">
+          <p:cNvPr id="4" name="テキスト ボックス 3">
             <a:extLst>
               <a:ext uri="{FF2B5EF4-FFF2-40B4-BE49-F238E27FC236}">
-                <a16:creationId xmlns:a16="http://schemas.microsoft.com/office/drawing/2014/main" id="{E1005578-5FEC-3AAB-FEE2-5C3B48EA354A}"/>
+                <a16:creationId xmlns:a16="http://schemas.microsoft.com/office/drawing/2014/main" id="{099C5FAE-EEAB-DC44-5278-C7FF28693A6D}"/>
               </a:ext>
             </a:extLst>
           </p:cNvPr>
@@ -8839,8 +8811,8 @@
         </p:nvSpPr>
         <p:spPr>
           <a:xfrm>
-            <a:off x="6087268" y="1172433"/>
-            <a:ext cx="5371567" cy="369332"/>
+            <a:off x="5963090" y="5028621"/>
+            <a:ext cx="5371567" cy="276999"/>
           </a:xfrm>
           <a:prstGeom prst="rect">
             <a:avLst/>
@@ -8853,9 +8825,9 @@
           </a:bodyPr>
           <a:lstStyle/>
           <a:p>
-            <a:pPr algn="l" fontAlgn="base"/>
-            <a:r>
-              <a:rPr lang="en" altLang="ja-JP" b="1" i="0" dirty="0">
+            <a:pPr fontAlgn="base"/>
+            <a:r>
+              <a:rPr lang="en" altLang="ja-JP" sz="1200" b="1" i="0" dirty="0">
                 <a:solidFill>
                   <a:srgbClr val="000000"/>
                 </a:solidFill>
@@ -8863,6 +8835,107 @@
                 <a:latin typeface="Outfit"/>
               </a:rPr>
               <a:t>State of frontend 2022</a:t>
+            </a:r>
+          </a:p>
+        </p:txBody>
+      </p:sp>
+      <p:sp>
+        <p:nvSpPr>
+          <p:cNvPr id="10" name="テキスト ボックス 9">
+            <a:extLst>
+              <a:ext uri="{FF2B5EF4-FFF2-40B4-BE49-F238E27FC236}">
+                <a16:creationId xmlns:a16="http://schemas.microsoft.com/office/drawing/2014/main" id="{E0A368FB-F523-0C8C-2ACD-2A267A389E22}"/>
+              </a:ext>
+            </a:extLst>
+          </p:cNvPr>
+          <p:cNvSpPr txBox="1"/>
+          <p:nvPr/>
+        </p:nvSpPr>
+        <p:spPr>
+          <a:xfrm>
+            <a:off x="5963089" y="5279566"/>
+            <a:ext cx="5479343" cy="415498"/>
+          </a:xfrm>
+          <a:prstGeom prst="rect">
+            <a:avLst/>
+          </a:prstGeom>
+          <a:noFill/>
+        </p:spPr>
+        <p:txBody>
+          <a:bodyPr wrap="square" rtlCol="0">
+            <a:spAutoFit/>
+          </a:bodyPr>
+          <a:lstStyle/>
+          <a:p>
+            <a:r>
+              <a:rPr kumimoji="1" lang="en-US" altLang="ja-JP" sz="1050" dirty="0"/>
+              <a:t>100</a:t>
+            </a:r>
+            <a:r>
+              <a:rPr kumimoji="1" lang="ja-JP" altLang="en-US" sz="1050"/>
+              <a:t>カ国以上のあらゆるレベルやバックグラウンドのフロントエンドプロフェッショナルに対してアンケートを実施</a:t>
+            </a:r>
+          </a:p>
+        </p:txBody>
+      </p:sp>
+      <p:sp>
+        <p:nvSpPr>
+          <p:cNvPr id="11" name="タイトル 1">
+            <a:extLst>
+              <a:ext uri="{FF2B5EF4-FFF2-40B4-BE49-F238E27FC236}">
+                <a16:creationId xmlns:a16="http://schemas.microsoft.com/office/drawing/2014/main" id="{1D45AB9C-8DB3-D929-CE46-41392C583382}"/>
+              </a:ext>
+            </a:extLst>
+          </p:cNvPr>
+          <p:cNvSpPr txBox="1">
+            <a:spLocks/>
+          </p:cNvSpPr>
+          <p:nvPr/>
+        </p:nvSpPr>
+        <p:spPr>
+          <a:xfrm>
+            <a:off x="1251678" y="318912"/>
+            <a:ext cx="10178322" cy="1492132"/>
+          </a:xfrm>
+          <a:prstGeom prst="rect">
+            <a:avLst/>
+          </a:prstGeom>
+        </p:spPr>
+        <p:txBody>
+          <a:bodyPr vert="horz" lIns="91440" tIns="45720" rIns="91440" bIns="45720" rtlCol="0" anchor="t">
+            <a:normAutofit/>
+          </a:bodyPr>
+          <a:lstStyle>
+            <a:lvl1pPr algn="l" defTabSz="914400" rtl="0" eaLnBrk="1" latinLnBrk="0" hangingPunct="1">
+              <a:lnSpc>
+                <a:spcPct val="90000"/>
+              </a:lnSpc>
+              <a:spcBef>
+                <a:spcPct val="0"/>
+              </a:spcBef>
+              <a:buNone/>
+              <a:defRPr kumimoji="1" sz="5100" kern="1200" cap="all" spc="200" baseline="0">
+                <a:solidFill>
+                  <a:schemeClr val="tx2"/>
+                </a:solidFill>
+                <a:latin typeface="+mj-lt"/>
+                <a:ea typeface="+mj-ea"/>
+                <a:cs typeface="+mj-cs"/>
+              </a:defRPr>
+            </a:lvl1pPr>
+          </a:lstStyle>
+          <a:p>
+            <a:r>
+              <a:rPr lang="en-US" altLang="ja-JP" sz="4400" dirty="0" err="1">
+                <a:latin typeface="+mj-ea"/>
+              </a:rPr>
+              <a:t>React.js</a:t>
+            </a:r>
+            <a:r>
+              <a:rPr lang="ja-JP" altLang="en-US" sz="4400">
+                <a:latin typeface="+mj-ea"/>
+              </a:rPr>
+              <a:t>とは</a:t>
             </a:r>
           </a:p>
         </p:txBody>
@@ -8913,19 +8986,26 @@
             <p:ph type="title"/>
           </p:nvPr>
         </p:nvSpPr>
-        <p:spPr/>
+        <p:spPr>
+          <a:xfrm>
+            <a:off x="1251678" y="318912"/>
+            <a:ext cx="10178322" cy="1492132"/>
+          </a:xfrm>
+        </p:spPr>
         <p:txBody>
-          <a:bodyPr/>
+          <a:bodyPr>
+            <a:normAutofit/>
+          </a:bodyPr>
           <a:lstStyle/>
           <a:p>
             <a:r>
-              <a:rPr kumimoji="1" lang="en-US" altLang="ja-JP" dirty="0" err="1">
+              <a:rPr kumimoji="1" lang="en-US" altLang="ja-JP" sz="4400" dirty="0" err="1">
                 <a:latin typeface="+mj-ea"/>
               </a:rPr>
               <a:t>React.js</a:t>
             </a:r>
             <a:r>
-              <a:rPr kumimoji="1" lang="ja-JP" altLang="en-US">
+              <a:rPr kumimoji="1" lang="ja-JP" altLang="en-US" sz="4400">
                 <a:latin typeface="+mj-ea"/>
               </a:rPr>
               <a:t>の強み</a:t>
@@ -8949,444 +9029,966 @@
             <p:ph idx="1"/>
           </p:nvPr>
         </p:nvSpPr>
-        <p:spPr/>
+        <p:spPr>
+          <a:xfrm>
+            <a:off x="1251678" y="1172181"/>
+            <a:ext cx="10178322" cy="5397951"/>
+          </a:xfrm>
+        </p:spPr>
         <p:txBody>
           <a:bodyPr>
-            <a:normAutofit fontScale="55000" lnSpcReduction="20000"/>
+            <a:noAutofit/>
           </a:bodyPr>
           <a:lstStyle/>
           <a:p>
-            <a:pPr>
+            <a:pPr marL="0" indent="0">
               <a:lnSpc>
                 <a:spcPct val="100000"/>
               </a:lnSpc>
+              <a:buNone/>
             </a:pPr>
             <a:r>
-              <a:rPr lang="ja-JP" altLang="en-US" sz="2000" b="1" i="0">
-                <a:effectLst/>
-                <a:latin typeface="Noto Sans" panose="020B0502040504020204" pitchFamily="34" charset="0"/>
+              <a:rPr lang="en-US" altLang="ja-JP" sz="1400" b="1" i="0" dirty="0">
+                <a:solidFill>
+                  <a:schemeClr val="bg1">
+                    <a:lumMod val="50000"/>
+                  </a:schemeClr>
+                </a:solidFill>
+                <a:effectLst/>
+                <a:latin typeface="+mn-ea"/>
                 <a:cs typeface="Noto Sans" panose="020B0502040504020204" pitchFamily="34" charset="0"/>
               </a:rPr>
-              <a:t>宣言的な</a:t>
-            </a:r>
-            <a:r>
-              <a:rPr lang="en" altLang="ja-JP" sz="2000" b="1" i="0" dirty="0">
-                <a:effectLst/>
-                <a:latin typeface="Noto Sans" panose="020B0502040504020204" pitchFamily="34" charset="0"/>
-                <a:ea typeface="Noto Sans" panose="020B0502040504020204" pitchFamily="34" charset="0"/>
+              <a:t>① </a:t>
+            </a:r>
+            <a:r>
+              <a:rPr lang="ja-JP" altLang="en-US" sz="1400" b="1" i="0">
+                <a:solidFill>
+                  <a:schemeClr val="bg1">
+                    <a:lumMod val="50000"/>
+                  </a:schemeClr>
+                </a:solidFill>
+                <a:effectLst/>
+                <a:latin typeface="+mn-ea"/>
                 <a:cs typeface="Noto Sans" panose="020B0502040504020204" pitchFamily="34" charset="0"/>
               </a:rPr>
-              <a:t>View</a:t>
-            </a:r>
-            <a:r>
-              <a:rPr lang="ja-JP" altLang="en" sz="2000" b="1" i="0">
-                <a:effectLst/>
-                <a:latin typeface="Noto Sans" panose="020B0502040504020204" pitchFamily="34" charset="0"/>
+              <a:t>「宣言型」</a:t>
+            </a:r>
+            <a:r>
+              <a:rPr lang="en-US" altLang="ja-JP" sz="1400" b="1" i="0" dirty="0">
+                <a:solidFill>
+                  <a:schemeClr val="bg1">
+                    <a:lumMod val="50000"/>
+                  </a:schemeClr>
+                </a:solidFill>
+                <a:effectLst/>
+                <a:latin typeface="+mn-ea"/>
                 <a:cs typeface="Noto Sans" panose="020B0502040504020204" pitchFamily="34" charset="0"/>
               </a:rPr>
-              <a:t>（</a:t>
-            </a:r>
-            <a:r>
-              <a:rPr lang="en" altLang="ja-JP" sz="2000" b="1" i="0" dirty="0">
-                <a:effectLst/>
-                <a:latin typeface="Noto Sans" panose="020B0502040504020204" pitchFamily="34" charset="0"/>
-                <a:ea typeface="Noto Sans" panose="020B0502040504020204" pitchFamily="34" charset="0"/>
+              <a:t>UI</a:t>
+            </a:r>
+            <a:r>
+              <a:rPr lang="ja-JP" altLang="en-US" sz="1400" b="1" i="0">
+                <a:solidFill>
+                  <a:schemeClr val="bg1">
+                    <a:lumMod val="50000"/>
+                  </a:schemeClr>
+                </a:solidFill>
+                <a:effectLst/>
+                <a:latin typeface="+mn-ea"/>
                 <a:cs typeface="Noto Sans" panose="020B0502040504020204" pitchFamily="34" charset="0"/>
               </a:rPr>
-              <a:t>Declarative</a:t>
-            </a:r>
-            <a:r>
-              <a:rPr lang="ja-JP" altLang="en" sz="2000" b="1" i="0">
-                <a:effectLst/>
-                <a:latin typeface="Noto Sans" panose="020B0502040504020204" pitchFamily="34" charset="0"/>
-                <a:cs typeface="Noto Sans" panose="020B0502040504020204" pitchFamily="34" charset="0"/>
-              </a:rPr>
-              <a:t>）</a:t>
-            </a:r>
-            <a:endParaRPr lang="en-US" altLang="ja-JP" sz="2000" b="1" i="0" dirty="0">
+              <a:t>を採用しておりソースコードがシンプルで理解しやすい</a:t>
+            </a:r>
+            <a:endParaRPr lang="en-US" altLang="ja-JP" sz="1400" b="1" i="0" dirty="0">
+              <a:solidFill>
+                <a:schemeClr val="bg1">
+                  <a:lumMod val="50000"/>
+                </a:schemeClr>
+              </a:solidFill>
               <a:effectLst/>
-              <a:latin typeface="Noto Sans" panose="020B0502040504020204" pitchFamily="34" charset="0"/>
-              <a:ea typeface="Noto Sans" panose="020B0502040504020204" pitchFamily="34" charset="0"/>
+              <a:latin typeface="+mn-ea"/>
               <a:cs typeface="Noto Sans" panose="020B0502040504020204" pitchFamily="34" charset="0"/>
             </a:endParaRPr>
           </a:p>
           <a:p>
-            <a:pPr>
+            <a:pPr marL="0" indent="0">
               <a:lnSpc>
                 <a:spcPct val="100000"/>
               </a:lnSpc>
+              <a:buNone/>
             </a:pPr>
             <a:r>
-              <a:rPr lang="en" altLang="ja-JP" sz="2000" b="0" i="0" dirty="0">
-                <a:effectLst/>
-                <a:latin typeface="Noto Sans" panose="020B0502040504020204" pitchFamily="34" charset="0"/>
-                <a:ea typeface="Noto Sans" panose="020B0502040504020204" pitchFamily="34" charset="0"/>
+              <a:rPr lang="ja-JP" altLang="en-US" sz="1300" b="0" i="0">
+                <a:solidFill>
+                  <a:schemeClr val="bg1">
+                    <a:lumMod val="50000"/>
+                  </a:schemeClr>
+                </a:solidFill>
+                <a:effectLst/>
+                <a:latin typeface="+mn-ea"/>
                 <a:cs typeface="Noto Sans" panose="020B0502040504020204" pitchFamily="34" charset="0"/>
               </a:rPr>
+              <a:t>「宣言的でない」</a:t>
+            </a:r>
+            <a:r>
+              <a:rPr lang="ja-JP" altLang="en-US" sz="1300" b="0">
+                <a:solidFill>
+                  <a:schemeClr val="bg1">
+                    <a:lumMod val="50000"/>
+                  </a:schemeClr>
+                </a:solidFill>
+                <a:latin typeface="+mn-ea"/>
+                <a:cs typeface="Noto Sans" panose="020B0502040504020204" pitchFamily="34" charset="0"/>
+              </a:rPr>
+              <a:t>とは、</a:t>
+            </a:r>
+            <a:r>
+              <a:rPr lang="ja-JP" altLang="en-US" sz="1300" i="0">
+                <a:solidFill>
+                  <a:schemeClr val="bg1">
+                    <a:lumMod val="50000"/>
+                  </a:schemeClr>
+                </a:solidFill>
+                <a:effectLst/>
+                <a:latin typeface="+mn-ea"/>
+              </a:rPr>
+              <a:t>完成形の</a:t>
+            </a:r>
+            <a:r>
+              <a:rPr lang="en" altLang="ja-JP" sz="1300" i="0" dirty="0">
+                <a:solidFill>
+                  <a:schemeClr val="bg1">
+                    <a:lumMod val="50000"/>
+                  </a:schemeClr>
+                </a:solidFill>
+                <a:effectLst/>
+                <a:latin typeface="+mn-ea"/>
+              </a:rPr>
               <a:t>UI</a:t>
             </a:r>
             <a:r>
-              <a:rPr lang="ja-JP" altLang="en-US" sz="2000" b="0" i="0">
-                <a:effectLst/>
-                <a:latin typeface="Noto Sans" panose="020B0502040504020204" pitchFamily="34" charset="0"/>
+              <a:rPr lang="ja-JP" altLang="en-US" sz="1300" i="0">
+                <a:solidFill>
+                  <a:schemeClr val="bg1">
+                    <a:lumMod val="50000"/>
+                  </a:schemeClr>
+                </a:solidFill>
+                <a:effectLst/>
+                <a:latin typeface="+mn-ea"/>
+              </a:rPr>
+              <a:t>と実現するためのコードが分離していて分かりづらい。（例：</a:t>
+            </a:r>
+            <a:r>
+              <a:rPr lang="en-US" altLang="ja-JP" sz="1300" i="0" dirty="0">
+                <a:solidFill>
+                  <a:schemeClr val="bg1">
+                    <a:lumMod val="50000"/>
+                  </a:schemeClr>
+                </a:solidFill>
+                <a:effectLst/>
+                <a:latin typeface="+mn-ea"/>
+              </a:rPr>
+              <a:t>HTML</a:t>
+            </a:r>
+            <a:r>
+              <a:rPr lang="ja-JP" altLang="en-US" sz="1300" i="0">
+                <a:solidFill>
+                  <a:schemeClr val="bg1">
+                    <a:lumMod val="50000"/>
+                  </a:schemeClr>
+                </a:solidFill>
+                <a:effectLst/>
+                <a:latin typeface="+mn-ea"/>
+              </a:rPr>
+              <a:t>コード</a:t>
+            </a:r>
+            <a:r>
+              <a:rPr lang="ja-JP" altLang="en-US" sz="1300">
+                <a:solidFill>
+                  <a:schemeClr val="bg1">
+                    <a:lumMod val="50000"/>
+                  </a:schemeClr>
+                </a:solidFill>
+                <a:latin typeface="+mn-ea"/>
+              </a:rPr>
+              <a:t>に存在しないタグが描画されている</a:t>
+            </a:r>
+            <a:r>
+              <a:rPr lang="ja-JP" altLang="en-US" sz="1300" i="0">
+                <a:solidFill>
+                  <a:schemeClr val="bg1">
+                    <a:lumMod val="50000"/>
+                  </a:schemeClr>
+                </a:solidFill>
+                <a:effectLst/>
+                <a:latin typeface="+mn-ea"/>
+              </a:rPr>
+              <a:t>）</a:t>
+            </a:r>
+            <a:r>
+              <a:rPr lang="ja-JP" altLang="en-US" sz="1300" b="0" i="0">
+                <a:solidFill>
+                  <a:schemeClr val="bg1">
+                    <a:lumMod val="50000"/>
+                  </a:schemeClr>
+                </a:solidFill>
+                <a:effectLst/>
+                <a:latin typeface="+mn-ea"/>
                 <a:cs typeface="Noto Sans" panose="020B0502040504020204" pitchFamily="34" charset="0"/>
               </a:rPr>
-              <a:t>の部品に対し「このような表示（見た目）になります」と宣言するように実装できる</a:t>
-            </a:r>
-            <a:endParaRPr lang="ja-JP" altLang="en" sz="2000" b="1" i="0">
-              <a:effectLst/>
-              <a:latin typeface="Noto Sans" panose="020B0502040504020204" pitchFamily="34" charset="0"/>
-              <a:cs typeface="Noto Sans" panose="020B0502040504020204" pitchFamily="34" charset="0"/>
+              <a:t>それに対し、</a:t>
+            </a:r>
+            <a:r>
+              <a:rPr lang="ja-JP" altLang="en-US" sz="1300" i="0">
+                <a:solidFill>
+                  <a:schemeClr val="bg1">
+                    <a:lumMod val="50000"/>
+                  </a:schemeClr>
+                </a:solidFill>
+                <a:effectLst/>
+                <a:latin typeface="+mn-ea"/>
+              </a:rPr>
+              <a:t>予め「完成形はこのような </a:t>
+            </a:r>
+            <a:r>
+              <a:rPr lang="en" altLang="ja-JP" sz="1300" i="0" dirty="0">
+                <a:solidFill>
+                  <a:schemeClr val="bg1">
+                    <a:lumMod val="50000"/>
+                  </a:schemeClr>
+                </a:solidFill>
+                <a:effectLst/>
+                <a:latin typeface="+mn-ea"/>
+              </a:rPr>
+              <a:t>UI</a:t>
+            </a:r>
+            <a:r>
+              <a:rPr lang="ja-JP" altLang="en-US" sz="1300" i="0">
+                <a:solidFill>
+                  <a:schemeClr val="bg1">
+                    <a:lumMod val="50000"/>
+                  </a:schemeClr>
+                </a:solidFill>
+                <a:effectLst/>
+                <a:latin typeface="+mn-ea"/>
+              </a:rPr>
+              <a:t>になります」と宣言して</a:t>
+            </a:r>
+            <a:r>
+              <a:rPr lang="ja-JP" altLang="en-US" sz="1300" b="0" i="0">
+                <a:solidFill>
+                  <a:schemeClr val="bg1">
+                    <a:lumMod val="50000"/>
+                  </a:schemeClr>
+                </a:solidFill>
+                <a:effectLst/>
+                <a:latin typeface="+mn-ea"/>
+              </a:rPr>
+              <a:t>おいて、動的な部分などは虫食い状態にしておくことで</a:t>
+            </a:r>
+            <a:r>
+              <a:rPr lang="ja-JP" altLang="en-US" sz="1300">
+                <a:solidFill>
+                  <a:schemeClr val="bg1">
+                    <a:lumMod val="50000"/>
+                  </a:schemeClr>
+                </a:solidFill>
+                <a:latin typeface="+mn-ea"/>
+              </a:rPr>
+              <a:t>記述が短くて済みそのような動きをするのかが理解しやすくなる。</a:t>
+            </a:r>
+            <a:endParaRPr lang="en-US" altLang="ja-JP" sz="1300" dirty="0">
+              <a:solidFill>
+                <a:schemeClr val="bg1">
+                  <a:lumMod val="50000"/>
+                </a:schemeClr>
+              </a:solidFill>
+              <a:latin typeface="+mn-ea"/>
             </a:endParaRPr>
           </a:p>
           <a:p>
-            <a:pPr>
+            <a:pPr marL="0" indent="0">
               <a:lnSpc>
                 <a:spcPct val="100000"/>
               </a:lnSpc>
+              <a:buNone/>
             </a:pPr>
-            <a:r>
-              <a:rPr lang="ja-JP" altLang="en-US" sz="2000" b="0" i="0">
-                <a:effectLst/>
-                <a:latin typeface="Noto Sans" panose="020B0502040504020204" pitchFamily="34" charset="0"/>
-                <a:cs typeface="Noto Sans" panose="020B0502040504020204" pitchFamily="34" charset="0"/>
-              </a:rPr>
-              <a:t>誰が見てもシンプルで理解しやすいソースコードの作成</a:t>
-            </a:r>
-            <a:endParaRPr lang="en-US" altLang="ja-JP" sz="2000" b="0" i="0" dirty="0">
-              <a:effectLst/>
-              <a:latin typeface="Noto Sans" panose="020B0502040504020204" pitchFamily="34" charset="0"/>
-              <a:ea typeface="Noto Sans" panose="020B0502040504020204" pitchFamily="34" charset="0"/>
-              <a:cs typeface="Noto Sans" panose="020B0502040504020204" pitchFamily="34" charset="0"/>
+            <a:endParaRPr lang="en-US" altLang="ja-JP" sz="1300" dirty="0">
+              <a:solidFill>
+                <a:schemeClr val="bg1">
+                  <a:lumMod val="50000"/>
+                </a:schemeClr>
+              </a:solidFill>
+              <a:latin typeface="+mn-ea"/>
             </a:endParaRPr>
           </a:p>
           <a:p>
-            <a:pPr>
+            <a:pPr marL="0" indent="0">
               <a:lnSpc>
                 <a:spcPct val="100000"/>
               </a:lnSpc>
+              <a:buNone/>
             </a:pPr>
             <a:r>
-              <a:rPr lang="ja-JP" altLang="en-US" sz="2000" b="0" i="0">
-                <a:effectLst/>
-                <a:latin typeface="Noto Sans" panose="020B0502040504020204" pitchFamily="34" charset="0"/>
+              <a:rPr lang="en-US" altLang="ja-JP" sz="1400" b="1" i="0" dirty="0">
+                <a:solidFill>
+                  <a:schemeClr val="bg1">
+                    <a:lumMod val="50000"/>
+                  </a:schemeClr>
+                </a:solidFill>
+                <a:effectLst/>
+                <a:latin typeface="+mn-ea"/>
                 <a:cs typeface="Noto Sans" panose="020B0502040504020204" pitchFamily="34" charset="0"/>
               </a:rPr>
-              <a:t>デバッグしやすい</a:t>
-            </a:r>
-            <a:endParaRPr lang="en-US" altLang="ja-JP" sz="2000" b="0" i="0" dirty="0">
+              <a:t>② </a:t>
+            </a:r>
+            <a:r>
+              <a:rPr lang="ja-JP" altLang="en-US" sz="1400" b="1" i="0">
+                <a:solidFill>
+                  <a:schemeClr val="bg1">
+                    <a:lumMod val="50000"/>
+                  </a:schemeClr>
+                </a:solidFill>
+                <a:effectLst/>
+                <a:latin typeface="+mn-ea"/>
+                <a:cs typeface="Noto Sans" panose="020B0502040504020204" pitchFamily="34" charset="0"/>
+              </a:rPr>
+              <a:t>拡張しやすく汎用性が高い</a:t>
+            </a:r>
+            <a:endParaRPr lang="en-US" altLang="ja-JP" sz="1400" b="1" i="0" dirty="0">
+              <a:solidFill>
+                <a:schemeClr val="bg1">
+                  <a:lumMod val="50000"/>
+                </a:schemeClr>
+              </a:solidFill>
               <a:effectLst/>
-              <a:latin typeface="Noto Sans" panose="020B0502040504020204" pitchFamily="34" charset="0"/>
-              <a:ea typeface="Noto Sans" panose="020B0502040504020204" pitchFamily="34" charset="0"/>
+              <a:latin typeface="+mn-ea"/>
               <a:cs typeface="Noto Sans" panose="020B0502040504020204" pitchFamily="34" charset="0"/>
             </a:endParaRPr>
           </a:p>
           <a:p>
-            <a:pPr>
+            <a:pPr marL="0" indent="0">
               <a:lnSpc>
                 <a:spcPct val="100000"/>
               </a:lnSpc>
+              <a:buNone/>
             </a:pPr>
             <a:r>
-              <a:rPr lang="ja-JP" altLang="en-US" sz="2000" b="0" i="0">
-                <a:effectLst/>
-                <a:latin typeface="Noto Sans" panose="020B0502040504020204" pitchFamily="34" charset="0"/>
+              <a:rPr lang="ja-JP" altLang="en-US" sz="1300" i="0">
+                <a:solidFill>
+                  <a:schemeClr val="bg1">
+                    <a:lumMod val="50000"/>
+                  </a:schemeClr>
+                </a:solidFill>
+                <a:effectLst/>
+                <a:latin typeface="+mn-ea"/>
                 <a:cs typeface="Noto Sans" panose="020B0502040504020204" pitchFamily="34" charset="0"/>
               </a:rPr>
-              <a:t>データをどのように配置するかを定義しておくだけで、データの変更を検知し、自動的に表示を更新する</a:t>
-            </a:r>
-            <a:endParaRPr kumimoji="1" lang="en-US" altLang="ja-JP" sz="2000" dirty="0">
-              <a:latin typeface="Noto Sans" panose="020B0502040504020204" pitchFamily="34" charset="0"/>
-              <a:ea typeface="Noto Sans" panose="020B0502040504020204" pitchFamily="34" charset="0"/>
+              <a:t>ソースコードを部品化させるコンポーネントベースの構造で管理や拡張・再利用がしやすい。</a:t>
+            </a:r>
+            <a:endParaRPr lang="en-US" altLang="ja-JP" sz="1300" i="0" dirty="0">
+              <a:solidFill>
+                <a:schemeClr val="bg1">
+                  <a:lumMod val="50000"/>
+                </a:schemeClr>
+              </a:solidFill>
+              <a:effectLst/>
+              <a:latin typeface="+mn-ea"/>
               <a:cs typeface="Noto Sans" panose="020B0502040504020204" pitchFamily="34" charset="0"/>
             </a:endParaRPr>
           </a:p>
           <a:p>
-            <a:pPr>
+            <a:pPr marL="0" indent="0">
               <a:lnSpc>
                 <a:spcPct val="100000"/>
               </a:lnSpc>
+              <a:buNone/>
             </a:pPr>
-            <a:endParaRPr lang="en-US" altLang="ja-JP" sz="2000" dirty="0">
-              <a:latin typeface="Noto Sans" panose="020B0502040504020204" pitchFamily="34" charset="0"/>
-              <a:ea typeface="Noto Sans" panose="020B0502040504020204" pitchFamily="34" charset="0"/>
+            <a:r>
+              <a:rPr lang="ja-JP" altLang="en-US" sz="1300" b="0" i="0">
+                <a:solidFill>
+                  <a:schemeClr val="bg1">
+                    <a:lumMod val="50000"/>
+                  </a:schemeClr>
+                </a:solidFill>
+                <a:effectLst/>
+                <a:latin typeface="+mn-ea"/>
+                <a:cs typeface="Noto Sans" panose="020B0502040504020204" pitchFamily="34" charset="0"/>
+              </a:rPr>
+              <a:t>既存のコンポーネントを別アプリケーションで再利用することで、開発工数</a:t>
+            </a:r>
+            <a:r>
+              <a:rPr lang="ja-JP" altLang="en-US" sz="1300">
+                <a:solidFill>
+                  <a:schemeClr val="bg1">
+                    <a:lumMod val="50000"/>
+                  </a:schemeClr>
+                </a:solidFill>
+                <a:latin typeface="+mn-ea"/>
+                <a:cs typeface="Noto Sans" panose="020B0502040504020204" pitchFamily="34" charset="0"/>
+              </a:rPr>
+              <a:t>の削減につながる</a:t>
+            </a:r>
+            <a:r>
+              <a:rPr lang="ja-JP" altLang="en-US" sz="1300" b="0" i="0">
+                <a:solidFill>
+                  <a:schemeClr val="bg1">
+                    <a:lumMod val="50000"/>
+                  </a:schemeClr>
+                </a:solidFill>
+                <a:effectLst/>
+                <a:latin typeface="+mn-ea"/>
+                <a:cs typeface="Noto Sans" panose="020B0502040504020204" pitchFamily="34" charset="0"/>
+              </a:rPr>
+              <a:t>。</a:t>
+            </a:r>
+            <a:endParaRPr lang="en-US" altLang="ja-JP" sz="1300" b="0" i="0" dirty="0">
+              <a:solidFill>
+                <a:schemeClr val="bg1">
+                  <a:lumMod val="50000"/>
+                </a:schemeClr>
+              </a:solidFill>
+              <a:effectLst/>
+              <a:latin typeface="+mn-ea"/>
               <a:cs typeface="Noto Sans" panose="020B0502040504020204" pitchFamily="34" charset="0"/>
             </a:endParaRPr>
           </a:p>
           <a:p>
-            <a:pPr>
+            <a:pPr marL="0" indent="0">
               <a:lnSpc>
                 <a:spcPct val="100000"/>
               </a:lnSpc>
+              <a:buNone/>
             </a:pPr>
-            <a:r>
-              <a:rPr lang="ja-JP" altLang="en-US" sz="2000" b="1" i="0">
-                <a:effectLst/>
-                <a:latin typeface="Noto Sans" panose="020B0502040504020204" pitchFamily="34" charset="0"/>
-                <a:cs typeface="Noto Sans" panose="020B0502040504020204" pitchFamily="34" charset="0"/>
-              </a:rPr>
-              <a:t>コンポーネントベース（</a:t>
-            </a:r>
-            <a:r>
-              <a:rPr lang="en" altLang="ja-JP" sz="2000" b="1" i="0" dirty="0">
-                <a:effectLst/>
-                <a:latin typeface="Noto Sans" panose="020B0502040504020204" pitchFamily="34" charset="0"/>
-                <a:ea typeface="Noto Sans" panose="020B0502040504020204" pitchFamily="34" charset="0"/>
-                <a:cs typeface="Noto Sans" panose="020B0502040504020204" pitchFamily="34" charset="0"/>
-              </a:rPr>
-              <a:t>Component-Based</a:t>
-            </a:r>
-            <a:r>
-              <a:rPr lang="ja-JP" altLang="en" sz="2000" b="1" i="0">
-                <a:effectLst/>
-                <a:latin typeface="Noto Sans" panose="020B0502040504020204" pitchFamily="34" charset="0"/>
-                <a:cs typeface="Noto Sans" panose="020B0502040504020204" pitchFamily="34" charset="0"/>
-              </a:rPr>
-              <a:t>）</a:t>
-            </a:r>
-          </a:p>
-          <a:p>
-            <a:pPr>
+            <a:endParaRPr lang="en-US" altLang="ja-JP" sz="1300" dirty="0">
+              <a:solidFill>
+                <a:schemeClr val="bg1">
+                  <a:lumMod val="50000"/>
+                </a:schemeClr>
+              </a:solidFill>
+              <a:latin typeface="+mn-ea"/>
+              <a:cs typeface="Noto Sans" panose="020B0502040504020204" pitchFamily="34" charset="0"/>
+            </a:endParaRPr>
+          </a:p>
+          <a:p>
+            <a:pPr marL="0" indent="0">
               <a:lnSpc>
                 <a:spcPct val="100000"/>
               </a:lnSpc>
+              <a:buNone/>
             </a:pPr>
             <a:r>
-              <a:rPr lang="en" altLang="ja-JP" sz="2000" b="0" i="0" dirty="0">
-                <a:effectLst/>
-                <a:latin typeface="Noto Sans" panose="020B0502040504020204" pitchFamily="34" charset="0"/>
-                <a:ea typeface="Noto Sans" panose="020B0502040504020204" pitchFamily="34" charset="0"/>
+              <a:rPr lang="en-US" altLang="ja-JP" sz="1400" b="1" i="0" dirty="0">
+                <a:solidFill>
+                  <a:schemeClr val="bg1">
+                    <a:lumMod val="50000"/>
+                  </a:schemeClr>
+                </a:solidFill>
+                <a:effectLst/>
+                <a:latin typeface="+mn-ea"/>
                 <a:cs typeface="Noto Sans" panose="020B0502040504020204" pitchFamily="34" charset="0"/>
               </a:rPr>
-              <a:t>React</a:t>
-            </a:r>
-            <a:r>
-              <a:rPr lang="ja-JP" altLang="en-US" sz="2000" b="0" i="0">
-                <a:effectLst/>
-                <a:latin typeface="Noto Sans" panose="020B0502040504020204" pitchFamily="34" charset="0"/>
+              <a:t>③ </a:t>
+            </a:r>
+            <a:r>
+              <a:rPr lang="ja-JP" altLang="en-US" sz="1400" b="1" i="0">
+                <a:solidFill>
+                  <a:schemeClr val="bg1">
+                    <a:lumMod val="50000"/>
+                  </a:schemeClr>
+                </a:solidFill>
+                <a:effectLst/>
+                <a:latin typeface="+mn-ea"/>
                 <a:cs typeface="Noto Sans" panose="020B0502040504020204" pitchFamily="34" charset="0"/>
               </a:rPr>
-              <a:t>では、部分ごとにコンポーネントを分けることで、カスタマイズしやすくなっています</a:t>
-            </a:r>
-            <a:endParaRPr lang="en-US" altLang="ja-JP" sz="2000" b="0" i="0" dirty="0">
+              <a:t>一度学習すれば、どこでも使える（</a:t>
+            </a:r>
+            <a:r>
+              <a:rPr lang="en" altLang="ja-JP" sz="1400" b="1" i="0" dirty="0">
+                <a:solidFill>
+                  <a:schemeClr val="bg1">
+                    <a:lumMod val="50000"/>
+                  </a:schemeClr>
+                </a:solidFill>
+                <a:effectLst/>
+                <a:latin typeface="+mn-ea"/>
+                <a:cs typeface="Noto Sans" panose="020B0502040504020204" pitchFamily="34" charset="0"/>
+              </a:rPr>
+              <a:t>Learn Once, Write Anywhere</a:t>
+            </a:r>
+            <a:r>
+              <a:rPr lang="ja-JP" altLang="en" sz="1400" b="1" i="0">
+                <a:solidFill>
+                  <a:schemeClr val="bg1">
+                    <a:lumMod val="50000"/>
+                  </a:schemeClr>
+                </a:solidFill>
+                <a:effectLst/>
+                <a:latin typeface="+mn-ea"/>
+                <a:cs typeface="Noto Sans" panose="020B0502040504020204" pitchFamily="34" charset="0"/>
+              </a:rPr>
+              <a:t>）</a:t>
+            </a:r>
+            <a:endParaRPr lang="en-US" altLang="ja-JP" sz="1400" b="1" i="0" dirty="0">
+              <a:solidFill>
+                <a:schemeClr val="bg1">
+                  <a:lumMod val="50000"/>
+                </a:schemeClr>
+              </a:solidFill>
               <a:effectLst/>
-              <a:latin typeface="Noto Sans" panose="020B0502040504020204" pitchFamily="34" charset="0"/>
-              <a:ea typeface="Noto Sans" panose="020B0502040504020204" pitchFamily="34" charset="0"/>
+              <a:latin typeface="+mn-ea"/>
               <a:cs typeface="Noto Sans" panose="020B0502040504020204" pitchFamily="34" charset="0"/>
             </a:endParaRPr>
           </a:p>
           <a:p>
-            <a:pPr>
+            <a:pPr marL="0" indent="0">
               <a:lnSpc>
                 <a:spcPct val="100000"/>
               </a:lnSpc>
+              <a:buNone/>
             </a:pPr>
             <a:r>
-              <a:rPr lang="ja-JP" altLang="en-US" sz="2000" b="0" i="0">
-                <a:effectLst/>
-                <a:latin typeface="Noto Sans" panose="020B0502040504020204" pitchFamily="34" charset="0"/>
+              <a:rPr lang="en" altLang="ja-JP" sz="1300" b="0" i="0" dirty="0">
+                <a:solidFill>
+                  <a:schemeClr val="bg1">
+                    <a:lumMod val="50000"/>
+                  </a:schemeClr>
+                </a:solidFill>
+                <a:effectLst/>
+                <a:latin typeface="Lato" panose="020F0502020204030203" pitchFamily="34" charset="0"/>
+              </a:rPr>
+              <a:t>React </a:t>
+            </a:r>
+            <a:r>
+              <a:rPr lang="ja-JP" altLang="en-US" sz="1300" b="0" i="0">
+                <a:solidFill>
+                  <a:schemeClr val="bg1">
+                    <a:lumMod val="50000"/>
+                  </a:schemeClr>
+                </a:solidFill>
+                <a:effectLst/>
+                <a:latin typeface="Lato" panose="020F0502020204030203" pitchFamily="34" charset="0"/>
+              </a:rPr>
+              <a:t>のスキルを一度習得してしまえば、ほとんど同じ記述方法で他の分野の開発にも応用できる。</a:t>
+            </a:r>
+            <a:r>
+              <a:rPr lang="ja-JP" altLang="en-US" sz="1300" b="0" i="0">
+                <a:solidFill>
+                  <a:schemeClr val="bg1">
+                    <a:lumMod val="50000"/>
+                  </a:schemeClr>
+                </a:solidFill>
+                <a:effectLst/>
+                <a:latin typeface="+mn-ea"/>
+              </a:rPr>
+              <a:t>（</a:t>
+            </a:r>
+            <a:r>
+              <a:rPr lang="ja-JP" altLang="en-US" sz="1300" b="0" i="0">
+                <a:solidFill>
+                  <a:schemeClr val="bg1">
+                    <a:lumMod val="50000"/>
+                  </a:schemeClr>
+                </a:solidFill>
+                <a:effectLst/>
+                <a:latin typeface="+mn-ea"/>
                 <a:cs typeface="Noto Sans" panose="020B0502040504020204" pitchFamily="34" charset="0"/>
               </a:rPr>
-              <a:t>変えたい部分だけを変えることができるので、格段に改修や管理、再利用がしやすくなっています。</a:t>
-            </a:r>
-            <a:endParaRPr lang="en-US" altLang="ja-JP" sz="2000" b="0" i="0" dirty="0">
-              <a:effectLst/>
-              <a:latin typeface="Noto Sans" panose="020B0502040504020204" pitchFamily="34" charset="0"/>
-              <a:ea typeface="Noto Sans" panose="020B0502040504020204" pitchFamily="34" charset="0"/>
+              <a:t>サーバー、モバイルアプリ、</a:t>
+            </a:r>
+            <a:r>
+              <a:rPr lang="en-US" altLang="ja-JP" sz="1300" b="0" i="0" dirty="0">
+                <a:solidFill>
+                  <a:schemeClr val="bg1">
+                    <a:lumMod val="50000"/>
+                  </a:schemeClr>
+                </a:solidFill>
+                <a:effectLst/>
+                <a:latin typeface="+mn-ea"/>
+                <a:cs typeface="Noto Sans" panose="020B0502040504020204" pitchFamily="34" charset="0"/>
+              </a:rPr>
+              <a:t>VR </a:t>
+            </a:r>
+            <a:r>
+              <a:rPr lang="en-US" altLang="ja-JP" sz="1300" b="0" i="0" dirty="0" err="1">
+                <a:solidFill>
+                  <a:schemeClr val="bg1">
+                    <a:lumMod val="50000"/>
+                  </a:schemeClr>
+                </a:solidFill>
+                <a:effectLst/>
+                <a:latin typeface="+mn-ea"/>
+                <a:cs typeface="Noto Sans" panose="020B0502040504020204" pitchFamily="34" charset="0"/>
+              </a:rPr>
+              <a:t>etc</a:t>
+            </a:r>
+            <a:r>
+              <a:rPr lang="ja-JP" altLang="en-US" sz="1300" b="0" i="0">
+                <a:solidFill>
+                  <a:schemeClr val="bg1">
+                    <a:lumMod val="50000"/>
+                  </a:schemeClr>
+                </a:solidFill>
+                <a:effectLst/>
+                <a:latin typeface="+mn-ea"/>
+                <a:cs typeface="Noto Sans" panose="020B0502040504020204" pitchFamily="34" charset="0"/>
+              </a:rPr>
+              <a:t>）</a:t>
+            </a:r>
+            <a:endParaRPr lang="en-US" altLang="ja-JP" sz="1300" dirty="0">
+              <a:solidFill>
+                <a:schemeClr val="bg1">
+                  <a:lumMod val="50000"/>
+                </a:schemeClr>
+              </a:solidFill>
+              <a:latin typeface="+mn-ea"/>
               <a:cs typeface="Noto Sans" panose="020B0502040504020204" pitchFamily="34" charset="0"/>
             </a:endParaRPr>
           </a:p>
           <a:p>
-            <a:pPr>
+            <a:pPr marL="0" indent="0">
               <a:lnSpc>
                 <a:spcPct val="100000"/>
               </a:lnSpc>
+              <a:buNone/>
             </a:pPr>
-            <a:r>
-              <a:rPr lang="ja-JP" altLang="en-US" sz="2000" b="0" i="0">
-                <a:effectLst/>
-                <a:latin typeface="Noto Sans" panose="020B0502040504020204" pitchFamily="34" charset="0"/>
-                <a:cs typeface="Noto Sans" panose="020B0502040504020204" pitchFamily="34" charset="0"/>
-              </a:rPr>
-              <a:t>大規模な</a:t>
-            </a:r>
-            <a:r>
-              <a:rPr lang="en" altLang="ja-JP" sz="2000" b="0" i="0" dirty="0">
-                <a:effectLst/>
-                <a:latin typeface="Noto Sans" panose="020B0502040504020204" pitchFamily="34" charset="0"/>
-                <a:ea typeface="Noto Sans" panose="020B0502040504020204" pitchFamily="34" charset="0"/>
-                <a:cs typeface="Noto Sans" panose="020B0502040504020204" pitchFamily="34" charset="0"/>
-              </a:rPr>
-              <a:t>JavaScript</a:t>
-            </a:r>
-            <a:r>
-              <a:rPr lang="ja-JP" altLang="en-US" sz="2000" b="0" i="0">
-                <a:effectLst/>
-                <a:latin typeface="Noto Sans" panose="020B0502040504020204" pitchFamily="34" charset="0"/>
-                <a:cs typeface="Noto Sans" panose="020B0502040504020204" pitchFamily="34" charset="0"/>
-              </a:rPr>
-              <a:t>コードも部品化させることで保守性を高め、既存の</a:t>
-            </a:r>
-            <a:r>
-              <a:rPr lang="en" altLang="ja-JP" sz="2000" b="0" i="0" dirty="0">
-                <a:effectLst/>
-                <a:latin typeface="Noto Sans" panose="020B0502040504020204" pitchFamily="34" charset="0"/>
-                <a:ea typeface="Noto Sans" panose="020B0502040504020204" pitchFamily="34" charset="0"/>
-                <a:cs typeface="Noto Sans" panose="020B0502040504020204" pitchFamily="34" charset="0"/>
-              </a:rPr>
-              <a:t>React</a:t>
-            </a:r>
-            <a:r>
-              <a:rPr lang="ja-JP" altLang="en-US" sz="2000" b="0" i="0">
-                <a:effectLst/>
-                <a:latin typeface="Noto Sans" panose="020B0502040504020204" pitchFamily="34" charset="0"/>
-                <a:cs typeface="Noto Sans" panose="020B0502040504020204" pitchFamily="34" charset="0"/>
-              </a:rPr>
-              <a:t>コンポーネントを再利用することで、開発工数を減らすことができます。</a:t>
-            </a:r>
-            <a:endParaRPr kumimoji="1" lang="en-US" altLang="ja-JP" sz="2000" dirty="0">
-              <a:latin typeface="Noto Sans" panose="020B0502040504020204" pitchFamily="34" charset="0"/>
-              <a:ea typeface="Noto Sans" panose="020B0502040504020204" pitchFamily="34" charset="0"/>
+            <a:endParaRPr lang="en-US" altLang="ja-JP" sz="1300" b="0" i="0" dirty="0">
+              <a:solidFill>
+                <a:schemeClr val="bg1">
+                  <a:lumMod val="50000"/>
+                </a:schemeClr>
+              </a:solidFill>
+              <a:effectLst/>
+              <a:latin typeface="+mn-ea"/>
               <a:cs typeface="Noto Sans" panose="020B0502040504020204" pitchFamily="34" charset="0"/>
             </a:endParaRPr>
           </a:p>
           <a:p>
-            <a:pPr>
+            <a:pPr marL="0" indent="0">
               <a:lnSpc>
                 <a:spcPct val="100000"/>
               </a:lnSpc>
+              <a:buNone/>
             </a:pPr>
-            <a:endParaRPr lang="en-US" altLang="ja-JP" sz="2000" dirty="0">
-              <a:latin typeface="Noto Sans" panose="020B0502040504020204" pitchFamily="34" charset="0"/>
-              <a:ea typeface="Noto Sans" panose="020B0502040504020204" pitchFamily="34" charset="0"/>
+            <a:r>
+              <a:rPr lang="en-US" altLang="ja-JP" sz="1400" b="1" dirty="0">
+                <a:solidFill>
+                  <a:schemeClr val="bg1">
+                    <a:lumMod val="50000"/>
+                  </a:schemeClr>
+                </a:solidFill>
+                <a:latin typeface="+mn-ea"/>
+                <a:cs typeface="Noto Sans" panose="020B0502040504020204" pitchFamily="34" charset="0"/>
+              </a:rPr>
+              <a:t>④ </a:t>
+            </a:r>
+            <a:r>
+              <a:rPr lang="ja-JP" altLang="en-US" sz="1400" b="1" i="0">
+                <a:solidFill>
+                  <a:schemeClr val="bg1">
+                    <a:lumMod val="50000"/>
+                  </a:schemeClr>
+                </a:solidFill>
+                <a:effectLst/>
+                <a:latin typeface="+mn-ea"/>
+                <a:cs typeface="Noto Sans" panose="020B0502040504020204" pitchFamily="34" charset="0"/>
+              </a:rPr>
+              <a:t>仮装</a:t>
+            </a:r>
+            <a:r>
+              <a:rPr lang="en-US" altLang="ja-JP" sz="1400" b="1" i="0" dirty="0">
+                <a:solidFill>
+                  <a:schemeClr val="bg1">
+                    <a:lumMod val="50000"/>
+                  </a:schemeClr>
+                </a:solidFill>
+                <a:effectLst/>
+                <a:latin typeface="+mn-ea"/>
+                <a:cs typeface="Noto Sans" panose="020B0502040504020204" pitchFamily="34" charset="0"/>
+              </a:rPr>
+              <a:t>DOM</a:t>
+            </a:r>
+            <a:r>
+              <a:rPr lang="ja-JP" altLang="en-US" sz="1400" b="1" i="0">
+                <a:solidFill>
+                  <a:schemeClr val="bg1">
+                    <a:lumMod val="50000"/>
+                  </a:schemeClr>
+                </a:solidFill>
+                <a:effectLst/>
+                <a:latin typeface="+mn-ea"/>
+                <a:cs typeface="Noto Sans" panose="020B0502040504020204" pitchFamily="34" charset="0"/>
+              </a:rPr>
+              <a:t>で処理が高速</a:t>
+            </a:r>
+            <a:endParaRPr lang="en-US" altLang="ja-JP" sz="1400" b="1" i="0" dirty="0">
+              <a:solidFill>
+                <a:schemeClr val="bg1">
+                  <a:lumMod val="50000"/>
+                </a:schemeClr>
+              </a:solidFill>
+              <a:effectLst/>
+              <a:latin typeface="+mn-ea"/>
               <a:cs typeface="Noto Sans" panose="020B0502040504020204" pitchFamily="34" charset="0"/>
             </a:endParaRPr>
           </a:p>
           <a:p>
-            <a:pPr>
+            <a:pPr marL="0" indent="0">
               <a:lnSpc>
                 <a:spcPct val="100000"/>
               </a:lnSpc>
+              <a:buNone/>
             </a:pPr>
             <a:r>
-              <a:rPr lang="ja-JP" altLang="en-US" sz="2000" b="1" i="0">
-                <a:effectLst/>
-                <a:latin typeface="Noto Sans" panose="020B0502040504020204" pitchFamily="34" charset="0"/>
-                <a:cs typeface="Noto Sans" panose="020B0502040504020204" pitchFamily="34" charset="0"/>
-              </a:rPr>
-              <a:t>一度学習すれば、どこでも使える（</a:t>
-            </a:r>
-            <a:r>
-              <a:rPr lang="en" altLang="ja-JP" sz="2000" b="1" i="0" dirty="0">
-                <a:effectLst/>
-                <a:latin typeface="Noto Sans" panose="020B0502040504020204" pitchFamily="34" charset="0"/>
-                <a:ea typeface="Noto Sans" panose="020B0502040504020204" pitchFamily="34" charset="0"/>
-                <a:cs typeface="Noto Sans" panose="020B0502040504020204" pitchFamily="34" charset="0"/>
-              </a:rPr>
-              <a:t>Learn Once, Write Anywhere</a:t>
-            </a:r>
-            <a:r>
-              <a:rPr lang="ja-JP" altLang="en" sz="2000" b="1" i="0">
-                <a:effectLst/>
-                <a:latin typeface="Noto Sans" panose="020B0502040504020204" pitchFamily="34" charset="0"/>
-                <a:cs typeface="Noto Sans" panose="020B0502040504020204" pitchFamily="34" charset="0"/>
-              </a:rPr>
-              <a:t>）</a:t>
-            </a:r>
-            <a:endParaRPr lang="en-US" altLang="ja-JP" sz="2000" b="1" i="0" dirty="0">
+              <a:rPr lang="en" altLang="ja-JP" sz="1300" b="0" i="0" dirty="0">
+                <a:solidFill>
+                  <a:schemeClr val="bg1">
+                    <a:lumMod val="50000"/>
+                  </a:schemeClr>
+                </a:solidFill>
+                <a:effectLst/>
+                <a:latin typeface="+mn-ea"/>
+              </a:rPr>
+              <a:t>DOM</a:t>
+            </a:r>
+            <a:r>
+              <a:rPr lang="ja-JP" altLang="en-US" sz="1300" b="0" i="0">
+                <a:solidFill>
+                  <a:schemeClr val="bg1">
+                    <a:lumMod val="50000"/>
+                  </a:schemeClr>
+                </a:solidFill>
+                <a:effectLst/>
+                <a:latin typeface="+mn-ea"/>
+              </a:rPr>
+              <a:t>構造をメモリに保存しておく仮装</a:t>
+            </a:r>
+            <a:r>
+              <a:rPr lang="en-US" altLang="ja-JP" sz="1300" b="0" i="0" dirty="0">
+                <a:solidFill>
+                  <a:schemeClr val="bg1">
+                    <a:lumMod val="50000"/>
+                  </a:schemeClr>
+                </a:solidFill>
+                <a:effectLst/>
+                <a:latin typeface="+mn-ea"/>
+              </a:rPr>
+              <a:t>DOM</a:t>
+            </a:r>
+            <a:r>
+              <a:rPr lang="ja-JP" altLang="en-US" sz="1300">
+                <a:solidFill>
+                  <a:schemeClr val="bg1">
+                    <a:lumMod val="50000"/>
+                  </a:schemeClr>
+                </a:solidFill>
+                <a:latin typeface="+mn-ea"/>
+              </a:rPr>
+              <a:t>を構築することで</a:t>
+            </a:r>
+            <a:r>
+              <a:rPr lang="ja-JP" altLang="en-US" sz="1300" b="0" i="0">
+                <a:solidFill>
+                  <a:schemeClr val="bg1">
+                    <a:lumMod val="50000"/>
+                  </a:schemeClr>
+                </a:solidFill>
+                <a:effectLst/>
+                <a:latin typeface="+mn-ea"/>
+              </a:rPr>
+              <a:t>、</a:t>
+            </a:r>
+            <a:r>
+              <a:rPr lang="en" altLang="ja-JP" sz="1300" b="0" i="0" dirty="0">
+                <a:solidFill>
+                  <a:schemeClr val="bg1">
+                    <a:lumMod val="50000"/>
+                  </a:schemeClr>
+                </a:solidFill>
+                <a:effectLst/>
+                <a:latin typeface="+mn-ea"/>
+              </a:rPr>
+              <a:t>Web</a:t>
+            </a:r>
+            <a:r>
+              <a:rPr lang="ja-JP" altLang="en-US" sz="1300" b="0" i="0">
+                <a:solidFill>
+                  <a:schemeClr val="bg1">
+                    <a:lumMod val="50000"/>
+                  </a:schemeClr>
+                </a:solidFill>
+                <a:effectLst/>
+                <a:latin typeface="+mn-ea"/>
+              </a:rPr>
+              <a:t>ページが更新された際に差分のみ検知して反映。</a:t>
+            </a:r>
+            <a:endParaRPr lang="en-US" altLang="ja-JP" sz="1300" b="0" i="0" dirty="0">
+              <a:solidFill>
+                <a:schemeClr val="bg1">
+                  <a:lumMod val="50000"/>
+                </a:schemeClr>
+              </a:solidFill>
               <a:effectLst/>
-              <a:latin typeface="Noto Sans" panose="020B0502040504020204" pitchFamily="34" charset="0"/>
-              <a:ea typeface="Noto Sans" panose="020B0502040504020204" pitchFamily="34" charset="0"/>
-              <a:cs typeface="Noto Sans" panose="020B0502040504020204" pitchFamily="34" charset="0"/>
+              <a:latin typeface="+mn-ea"/>
             </a:endParaRPr>
           </a:p>
           <a:p>
-            <a:pPr>
+            <a:pPr marL="0" indent="0">
               <a:lnSpc>
                 <a:spcPct val="100000"/>
               </a:lnSpc>
+              <a:buNone/>
             </a:pPr>
-            <a:br>
-              <a:rPr lang="en" altLang="ja-JP" sz="2000" dirty="0">
-                <a:latin typeface="Noto Sans" panose="020B0502040504020204" pitchFamily="34" charset="0"/>
-                <a:ea typeface="Noto Sans" panose="020B0502040504020204" pitchFamily="34" charset="0"/>
-                <a:cs typeface="Noto Sans" panose="020B0502040504020204" pitchFamily="34" charset="0"/>
-              </a:rPr>
-            </a:br>
-            <a:r>
-              <a:rPr lang="en" altLang="ja-JP" sz="2000" b="0" i="0" dirty="0">
-                <a:effectLst/>
-                <a:latin typeface="Noto Sans" panose="020B0502040504020204" pitchFamily="34" charset="0"/>
-                <a:ea typeface="Noto Sans" panose="020B0502040504020204" pitchFamily="34" charset="0"/>
-                <a:cs typeface="Noto Sans" panose="020B0502040504020204" pitchFamily="34" charset="0"/>
-              </a:rPr>
-              <a:t>React</a:t>
-            </a:r>
-            <a:r>
-              <a:rPr lang="ja-JP" altLang="en-US" sz="2000" b="0" i="0">
-                <a:effectLst/>
-                <a:latin typeface="Noto Sans" panose="020B0502040504020204" pitchFamily="34" charset="0"/>
-                <a:cs typeface="Noto Sans" panose="020B0502040504020204" pitchFamily="34" charset="0"/>
-              </a:rPr>
-              <a:t>は、開発の途中から利用されることを想定して作られています。そのため、新しい機能を追加する場合でも、既存のソースコードを書き換えることなく、開発ができます。どんな</a:t>
-            </a:r>
-            <a:r>
-              <a:rPr lang="en" altLang="ja-JP" sz="2000" b="0" i="0" dirty="0">
-                <a:effectLst/>
-                <a:latin typeface="Noto Sans" panose="020B0502040504020204" pitchFamily="34" charset="0"/>
-                <a:ea typeface="Noto Sans" panose="020B0502040504020204" pitchFamily="34" charset="0"/>
-                <a:cs typeface="Noto Sans" panose="020B0502040504020204" pitchFamily="34" charset="0"/>
-              </a:rPr>
-              <a:t>Web</a:t>
-            </a:r>
-            <a:r>
-              <a:rPr lang="ja-JP" altLang="en-US" sz="2000" b="0" i="0">
-                <a:effectLst/>
-                <a:latin typeface="Noto Sans" panose="020B0502040504020204" pitchFamily="34" charset="0"/>
-                <a:cs typeface="Noto Sans" panose="020B0502040504020204" pitchFamily="34" charset="0"/>
-              </a:rPr>
-              <a:t>アプリにもすぐに導入できる手軽さも、大きな特徴のひとつです。</a:t>
-            </a:r>
-            <a:endParaRPr lang="en-US" altLang="ja-JP" sz="2000" b="0" i="0" dirty="0">
+            <a:endParaRPr lang="en-US" altLang="ja-JP" sz="1000" b="0" i="0" dirty="0">
+              <a:solidFill>
+                <a:schemeClr val="bg1">
+                  <a:lumMod val="50000"/>
+                </a:schemeClr>
+              </a:solidFill>
               <a:effectLst/>
-              <a:latin typeface="Noto Sans" panose="020B0502040504020204" pitchFamily="34" charset="0"/>
-              <a:ea typeface="Noto Sans" panose="020B0502040504020204" pitchFamily="34" charset="0"/>
-              <a:cs typeface="Noto Sans" panose="020B0502040504020204" pitchFamily="34" charset="0"/>
+              <a:latin typeface="+mn-ea"/>
             </a:endParaRPr>
           </a:p>
           <a:p>
-            <a:pPr>
+            <a:pPr marL="0" indent="0">
               <a:lnSpc>
                 <a:spcPct val="100000"/>
               </a:lnSpc>
+              <a:buNone/>
             </a:pPr>
             <a:r>
-              <a:rPr lang="ja-JP" altLang="en-US" sz="2000">
-                <a:latin typeface="Noto Sans" panose="020B0502040504020204" pitchFamily="34" charset="0"/>
-                <a:cs typeface="Noto Sans" panose="020B0502040504020204" pitchFamily="34" charset="0"/>
-              </a:rPr>
-              <a:t>どういう意味？</a:t>
-            </a:r>
-            <a:endParaRPr lang="ja-JP" altLang="en" sz="2000" b="1" i="0">
-              <a:effectLst/>
-              <a:latin typeface="Noto Sans" panose="020B0502040504020204" pitchFamily="34" charset="0"/>
-              <a:cs typeface="Noto Sans" panose="020B0502040504020204" pitchFamily="34" charset="0"/>
-            </a:endParaRPr>
-          </a:p>
-          <a:p>
-            <a:pPr>
+              <a:rPr lang="en-US" altLang="ja-JP" sz="1400" b="1" dirty="0">
+                <a:solidFill>
+                  <a:schemeClr val="bg1">
+                    <a:lumMod val="50000"/>
+                  </a:schemeClr>
+                </a:solidFill>
+                <a:latin typeface="+mn-ea"/>
+              </a:rPr>
+              <a:t>⑤ </a:t>
+            </a:r>
+            <a:r>
+              <a:rPr lang="ja-JP" altLang="en-US" sz="1400" b="1" i="0">
+                <a:solidFill>
+                  <a:schemeClr val="bg1">
+                    <a:lumMod val="50000"/>
+                  </a:schemeClr>
+                </a:solidFill>
+                <a:effectLst/>
+                <a:latin typeface="+mn-ea"/>
+              </a:rPr>
+              <a:t>最先端のユーザーインターフェースを簡単に作れる</a:t>
+            </a:r>
+          </a:p>
+          <a:p>
+            <a:pPr marL="0" indent="0">
               <a:lnSpc>
                 <a:spcPct val="100000"/>
               </a:lnSpc>
+              <a:buNone/>
             </a:pPr>
-            <a:endParaRPr kumimoji="1" lang="ja-JP" altLang="en-US" sz="2000">
-              <a:latin typeface="Noto Sans" panose="020B0502040504020204" pitchFamily="34" charset="0"/>
+            <a:r>
+              <a:rPr lang="ja-JP" altLang="en-US" sz="1300" b="0" i="0">
+                <a:solidFill>
+                  <a:schemeClr val="bg1">
+                    <a:lumMod val="50000"/>
+                  </a:schemeClr>
+                </a:solidFill>
+                <a:effectLst/>
+                <a:latin typeface="+mn-ea"/>
+              </a:rPr>
+              <a:t>世界中で多くの技術者やデザイナーがコンポーネントやプラグインの作成に取り組んでおり、より便利に</a:t>
+            </a:r>
+            <a:r>
+              <a:rPr lang="en" altLang="ja-JP" sz="1300" b="0" i="0" dirty="0">
+                <a:solidFill>
+                  <a:schemeClr val="bg1">
+                    <a:lumMod val="50000"/>
+                  </a:schemeClr>
+                </a:solidFill>
+                <a:effectLst/>
+                <a:latin typeface="+mn-ea"/>
+              </a:rPr>
+              <a:t>React</a:t>
+            </a:r>
+            <a:r>
+              <a:rPr lang="ja-JP" altLang="en-US" sz="1300" b="0" i="0">
+                <a:solidFill>
+                  <a:schemeClr val="bg1">
+                    <a:lumMod val="50000"/>
+                  </a:schemeClr>
+                </a:solidFill>
+                <a:effectLst/>
+                <a:latin typeface="+mn-ea"/>
+              </a:rPr>
+              <a:t>を使うための環境が整っているため、</a:t>
+            </a:r>
+            <a:r>
+              <a:rPr lang="en" altLang="ja-JP" sz="1300" b="0" i="0" dirty="0">
+                <a:solidFill>
+                  <a:schemeClr val="bg1">
+                    <a:lumMod val="50000"/>
+                  </a:schemeClr>
+                </a:solidFill>
+                <a:effectLst/>
+                <a:latin typeface="+mn-ea"/>
+              </a:rPr>
+              <a:t>Web</a:t>
+            </a:r>
+            <a:r>
+              <a:rPr lang="ja-JP" altLang="en-US" sz="1300" b="0" i="0">
+                <a:solidFill>
+                  <a:schemeClr val="bg1">
+                    <a:lumMod val="50000"/>
+                  </a:schemeClr>
+                </a:solidFill>
+                <a:effectLst/>
+                <a:latin typeface="+mn-ea"/>
+              </a:rPr>
+              <a:t>ページのデザイン経験が少ない人でも、</a:t>
+            </a:r>
+            <a:r>
+              <a:rPr lang="en" altLang="ja-JP" sz="1300" b="0" i="0" dirty="0">
+                <a:solidFill>
+                  <a:schemeClr val="bg1">
+                    <a:lumMod val="50000"/>
+                  </a:schemeClr>
+                </a:solidFill>
+                <a:effectLst/>
+                <a:latin typeface="+mn-ea"/>
+              </a:rPr>
+              <a:t>React</a:t>
+            </a:r>
+            <a:r>
+              <a:rPr lang="ja-JP" altLang="en-US" sz="1300" b="0" i="0">
+                <a:solidFill>
+                  <a:schemeClr val="bg1">
+                    <a:lumMod val="50000"/>
+                  </a:schemeClr>
+                </a:solidFill>
+                <a:effectLst/>
+                <a:latin typeface="+mn-ea"/>
+              </a:rPr>
+              <a:t>を使えば簡単に最先端のユーザーインターフェースを作ることができる。</a:t>
+            </a:r>
+            <a:endParaRPr kumimoji="1" lang="ja-JP" altLang="en-US" sz="1300">
+              <a:solidFill>
+                <a:schemeClr val="bg1">
+                  <a:lumMod val="50000"/>
+                </a:schemeClr>
+              </a:solidFill>
+              <a:latin typeface="+mn-ea"/>
               <a:cs typeface="Noto Sans" panose="020B0502040504020204" pitchFamily="34" charset="0"/>
             </a:endParaRPr>
           </a:p>
           <a:p>
-            <a:endParaRPr kumimoji="1" lang="ja-JP" altLang="en-US">
-              <a:latin typeface="Noto Sans" panose="020B0502040504020204" pitchFamily="34" charset="0"/>
+            <a:endParaRPr kumimoji="1" lang="ja-JP" altLang="en-US" sz="1400">
+              <a:solidFill>
+                <a:schemeClr val="bg1">
+                  <a:lumMod val="50000"/>
+                </a:schemeClr>
+              </a:solidFill>
+              <a:latin typeface="+mn-ea"/>
               <a:cs typeface="Noto Sans" panose="020B0502040504020204" pitchFamily="34" charset="0"/>
             </a:endParaRPr>
           </a:p>
@@ -9424,10 +10026,10 @@
       </p:grpSpPr>
       <p:sp>
         <p:nvSpPr>
-          <p:cNvPr id="2" name="タイトル 1">
+          <p:cNvPr id="6" name="タイトル 1">
             <a:extLst>
               <a:ext uri="{FF2B5EF4-FFF2-40B4-BE49-F238E27FC236}">
-                <a16:creationId xmlns:a16="http://schemas.microsoft.com/office/drawing/2014/main" id="{7388204B-4355-DB7E-A2DA-2937C558ED5B}"/>
+                <a16:creationId xmlns:a16="http://schemas.microsoft.com/office/drawing/2014/main" id="{5A4C6B24-61E5-4B63-4570-FD206C4645C7}"/>
               </a:ext>
             </a:extLst>
           </p:cNvPr>
@@ -9438,19 +10040,26 @@
             <p:ph type="title"/>
           </p:nvPr>
         </p:nvSpPr>
-        <p:spPr/>
+        <p:spPr>
+          <a:xfrm>
+            <a:off x="1251678" y="318912"/>
+            <a:ext cx="10178322" cy="1492132"/>
+          </a:xfrm>
+        </p:spPr>
         <p:txBody>
-          <a:bodyPr/>
+          <a:bodyPr>
+            <a:normAutofit/>
+          </a:bodyPr>
           <a:lstStyle/>
           <a:p>
             <a:r>
-              <a:rPr kumimoji="1" lang="en-US" altLang="ja-JP" dirty="0" err="1">
+              <a:rPr kumimoji="1" lang="en-US" altLang="ja-JP" sz="4400" dirty="0" err="1">
                 <a:latin typeface="+mj-ea"/>
               </a:rPr>
               <a:t>React.js</a:t>
             </a:r>
             <a:r>
-              <a:rPr kumimoji="1" lang="ja-JP" altLang="en-US">
+              <a:rPr kumimoji="1" lang="ja-JP" altLang="en-US" sz="4400">
                 <a:latin typeface="+mj-ea"/>
               </a:rPr>
               <a:t>の弱み</a:t>
@@ -9460,26 +10069,635 @@
       </p:sp>
       <p:sp>
         <p:nvSpPr>
-          <p:cNvPr id="3" name="コンテンツ プレースホルダー 2">
+          <p:cNvPr id="8" name="コンテンツ プレースホルダー 2">
             <a:extLst>
               <a:ext uri="{FF2B5EF4-FFF2-40B4-BE49-F238E27FC236}">
-                <a16:creationId xmlns:a16="http://schemas.microsoft.com/office/drawing/2014/main" id="{CC2DDF97-845D-2367-5313-057D2E7091A1}"/>
+                <a16:creationId xmlns:a16="http://schemas.microsoft.com/office/drawing/2014/main" id="{8228D579-E8AA-96D6-B38A-4275B75F01DB}"/>
               </a:ext>
             </a:extLst>
           </p:cNvPr>
-          <p:cNvSpPr>
-            <a:spLocks noGrp="1"/>
+          <p:cNvSpPr txBox="1">
+            <a:spLocks/>
           </p:cNvSpPr>
-          <p:nvPr>
-            <p:ph idx="1"/>
-          </p:nvPr>
+          <p:nvPr/>
         </p:nvSpPr>
-        <p:spPr/>
+        <p:spPr>
+          <a:xfrm>
+            <a:off x="1251678" y="1172181"/>
+            <a:ext cx="10178322" cy="5397951"/>
+          </a:xfrm>
+          <a:prstGeom prst="rect">
+            <a:avLst/>
+          </a:prstGeom>
+        </p:spPr>
         <p:txBody>
-          <a:bodyPr/>
-          <a:lstStyle/>
-          <a:p>
-            <a:endParaRPr kumimoji="1" lang="ja-JP" altLang="en-US"/>
+          <a:bodyPr vert="horz" lIns="91440" tIns="45720" rIns="91440" bIns="45720" rtlCol="0">
+            <a:noAutofit/>
+          </a:bodyPr>
+          <a:lstStyle>
+            <a:lvl1pPr marL="228600" indent="-228600" algn="l" defTabSz="914400" rtl="0" eaLnBrk="1" latinLnBrk="0" hangingPunct="1">
+              <a:lnSpc>
+                <a:spcPct val="110000"/>
+              </a:lnSpc>
+              <a:spcBef>
+                <a:spcPts val="700"/>
+              </a:spcBef>
+              <a:buClr>
+                <a:schemeClr val="tx2"/>
+              </a:buClr>
+              <a:buFont typeface="Arial" panose="020B0604020202020204" pitchFamily="34" charset="0"/>
+              <a:buChar char="•"/>
+              <a:defRPr kumimoji="1" sz="2000" kern="1200">
+                <a:solidFill>
+                  <a:schemeClr val="tx1">
+                    <a:lumMod val="65000"/>
+                    <a:lumOff val="35000"/>
+                  </a:schemeClr>
+                </a:solidFill>
+                <a:latin typeface="+mn-lt"/>
+                <a:ea typeface="+mn-ea"/>
+                <a:cs typeface="+mn-cs"/>
+              </a:defRPr>
+            </a:lvl1pPr>
+            <a:lvl2pPr marL="685800" indent="-228600" algn="l" defTabSz="914400" rtl="0" eaLnBrk="1" latinLnBrk="0" hangingPunct="1">
+              <a:lnSpc>
+                <a:spcPct val="110000"/>
+              </a:lnSpc>
+              <a:spcBef>
+                <a:spcPts val="700"/>
+              </a:spcBef>
+              <a:buClr>
+                <a:schemeClr val="tx2"/>
+              </a:buClr>
+              <a:buFont typeface="Gill Sans MT" panose="020B0502020104020203" pitchFamily="34" charset="0"/>
+              <a:buChar char="–"/>
+              <a:defRPr kumimoji="1" sz="1800" kern="1200">
+                <a:solidFill>
+                  <a:schemeClr val="tx1">
+                    <a:lumMod val="65000"/>
+                    <a:lumOff val="35000"/>
+                  </a:schemeClr>
+                </a:solidFill>
+                <a:latin typeface="+mn-lt"/>
+                <a:ea typeface="+mn-ea"/>
+                <a:cs typeface="+mn-cs"/>
+              </a:defRPr>
+            </a:lvl2pPr>
+            <a:lvl3pPr marL="1143000" indent="-228600" algn="l" defTabSz="914400" rtl="0" eaLnBrk="1" latinLnBrk="0" hangingPunct="1">
+              <a:lnSpc>
+                <a:spcPct val="110000"/>
+              </a:lnSpc>
+              <a:spcBef>
+                <a:spcPts val="700"/>
+              </a:spcBef>
+              <a:buClr>
+                <a:schemeClr val="tx2"/>
+              </a:buClr>
+              <a:buFont typeface="Arial" panose="020B0604020202020204" pitchFamily="34" charset="0"/>
+              <a:buChar char="•"/>
+              <a:defRPr kumimoji="1" sz="1600" kern="1200">
+                <a:solidFill>
+                  <a:schemeClr val="tx1">
+                    <a:lumMod val="65000"/>
+                    <a:lumOff val="35000"/>
+                  </a:schemeClr>
+                </a:solidFill>
+                <a:latin typeface="+mn-lt"/>
+                <a:ea typeface="+mn-ea"/>
+                <a:cs typeface="+mn-cs"/>
+              </a:defRPr>
+            </a:lvl3pPr>
+            <a:lvl4pPr marL="1600200" indent="-228600" algn="l" defTabSz="914400" rtl="0" eaLnBrk="1" latinLnBrk="0" hangingPunct="1">
+              <a:lnSpc>
+                <a:spcPct val="110000"/>
+              </a:lnSpc>
+              <a:spcBef>
+                <a:spcPts val="700"/>
+              </a:spcBef>
+              <a:buClr>
+                <a:schemeClr val="tx2"/>
+              </a:buClr>
+              <a:buFont typeface="Gill Sans MT" panose="020B0502020104020203" pitchFamily="34" charset="0"/>
+              <a:buChar char="–"/>
+              <a:defRPr kumimoji="1" sz="1400" kern="1200">
+                <a:solidFill>
+                  <a:schemeClr val="tx1">
+                    <a:lumMod val="65000"/>
+                    <a:lumOff val="35000"/>
+                  </a:schemeClr>
+                </a:solidFill>
+                <a:latin typeface="+mn-lt"/>
+                <a:ea typeface="+mn-ea"/>
+                <a:cs typeface="+mn-cs"/>
+              </a:defRPr>
+            </a:lvl4pPr>
+            <a:lvl5pPr marL="2057400" indent="-228600" algn="l" defTabSz="914400" rtl="0" eaLnBrk="1" latinLnBrk="0" hangingPunct="1">
+              <a:lnSpc>
+                <a:spcPct val="110000"/>
+              </a:lnSpc>
+              <a:spcBef>
+                <a:spcPts val="700"/>
+              </a:spcBef>
+              <a:buClr>
+                <a:schemeClr val="tx2"/>
+              </a:buClr>
+              <a:buFont typeface="Arial" panose="020B0604020202020204" pitchFamily="34" charset="0"/>
+              <a:buChar char="•"/>
+              <a:defRPr kumimoji="1" sz="1400" kern="1200">
+                <a:solidFill>
+                  <a:schemeClr val="tx1">
+                    <a:lumMod val="65000"/>
+                    <a:lumOff val="35000"/>
+                  </a:schemeClr>
+                </a:solidFill>
+                <a:latin typeface="+mn-lt"/>
+                <a:ea typeface="+mn-ea"/>
+                <a:cs typeface="+mn-cs"/>
+              </a:defRPr>
+            </a:lvl5pPr>
+            <a:lvl6pPr marL="2514600" indent="-228600" algn="l" defTabSz="914400" rtl="0" eaLnBrk="1" latinLnBrk="0" hangingPunct="1">
+              <a:lnSpc>
+                <a:spcPct val="110000"/>
+              </a:lnSpc>
+              <a:spcBef>
+                <a:spcPts val="700"/>
+              </a:spcBef>
+              <a:buClr>
+                <a:schemeClr val="tx2"/>
+              </a:buClr>
+              <a:buFont typeface="Gill Sans MT" panose="020B0502020104020203" pitchFamily="34" charset="0"/>
+              <a:buChar char="–"/>
+              <a:defRPr kumimoji="1" sz="1400" kern="1200">
+                <a:solidFill>
+                  <a:schemeClr val="tx1">
+                    <a:lumMod val="65000"/>
+                    <a:lumOff val="35000"/>
+                  </a:schemeClr>
+                </a:solidFill>
+                <a:latin typeface="+mn-lt"/>
+                <a:ea typeface="+mn-ea"/>
+                <a:cs typeface="+mn-cs"/>
+              </a:defRPr>
+            </a:lvl6pPr>
+            <a:lvl7pPr marL="2971800" indent="-228600" algn="l" defTabSz="914400" rtl="0" eaLnBrk="1" latinLnBrk="0" hangingPunct="1">
+              <a:lnSpc>
+                <a:spcPct val="110000"/>
+              </a:lnSpc>
+              <a:spcBef>
+                <a:spcPts val="700"/>
+              </a:spcBef>
+              <a:buClr>
+                <a:schemeClr val="tx2"/>
+              </a:buClr>
+              <a:buFont typeface="Arial" panose="020B0604020202020204" pitchFamily="34" charset="0"/>
+              <a:buChar char="•"/>
+              <a:defRPr kumimoji="1" sz="1400" kern="1200">
+                <a:solidFill>
+                  <a:schemeClr val="tx1">
+                    <a:lumMod val="65000"/>
+                    <a:lumOff val="35000"/>
+                  </a:schemeClr>
+                </a:solidFill>
+                <a:latin typeface="+mn-lt"/>
+                <a:ea typeface="+mn-ea"/>
+                <a:cs typeface="+mn-cs"/>
+              </a:defRPr>
+            </a:lvl7pPr>
+            <a:lvl8pPr marL="3429000" indent="-228600" algn="l" defTabSz="914400" rtl="0" eaLnBrk="1" latinLnBrk="0" hangingPunct="1">
+              <a:lnSpc>
+                <a:spcPct val="110000"/>
+              </a:lnSpc>
+              <a:spcBef>
+                <a:spcPts val="700"/>
+              </a:spcBef>
+              <a:buClr>
+                <a:schemeClr val="tx2"/>
+              </a:buClr>
+              <a:buFont typeface="Gill Sans MT" panose="020B0502020104020203" pitchFamily="34" charset="0"/>
+              <a:buChar char="–"/>
+              <a:defRPr kumimoji="1" sz="1400" kern="1200" baseline="0">
+                <a:solidFill>
+                  <a:schemeClr val="tx1">
+                    <a:lumMod val="65000"/>
+                    <a:lumOff val="35000"/>
+                  </a:schemeClr>
+                </a:solidFill>
+                <a:latin typeface="+mn-lt"/>
+                <a:ea typeface="+mn-ea"/>
+                <a:cs typeface="+mn-cs"/>
+              </a:defRPr>
+            </a:lvl8pPr>
+            <a:lvl9pPr marL="3886200" indent="-228600" algn="l" defTabSz="914400" rtl="0" eaLnBrk="1" latinLnBrk="0" hangingPunct="1">
+              <a:lnSpc>
+                <a:spcPct val="110000"/>
+              </a:lnSpc>
+              <a:spcBef>
+                <a:spcPts val="700"/>
+              </a:spcBef>
+              <a:buClr>
+                <a:schemeClr val="tx2"/>
+              </a:buClr>
+              <a:buFont typeface="Arial" panose="020B0604020202020204" pitchFamily="34" charset="0"/>
+              <a:buChar char="•"/>
+              <a:defRPr kumimoji="1" sz="1400" kern="1200" baseline="0">
+                <a:solidFill>
+                  <a:schemeClr val="tx1">
+                    <a:lumMod val="65000"/>
+                    <a:lumOff val="35000"/>
+                  </a:schemeClr>
+                </a:solidFill>
+                <a:latin typeface="+mn-lt"/>
+                <a:ea typeface="+mn-ea"/>
+                <a:cs typeface="+mn-cs"/>
+              </a:defRPr>
+            </a:lvl9pPr>
+          </a:lstStyle>
+          <a:p>
+            <a:pPr marL="0" indent="0">
+              <a:buNone/>
+            </a:pPr>
+            <a:r>
+              <a:rPr lang="en-US" altLang="ja-JP" sz="1400" b="1" i="0" dirty="0">
+                <a:solidFill>
+                  <a:schemeClr val="bg1">
+                    <a:lumMod val="50000"/>
+                  </a:schemeClr>
+                </a:solidFill>
+                <a:effectLst/>
+                <a:latin typeface="+mn-ea"/>
+              </a:rPr>
+              <a:t>① </a:t>
+            </a:r>
+            <a:r>
+              <a:rPr lang="ja-JP" altLang="en-US" sz="1400" b="1" i="0">
+                <a:solidFill>
+                  <a:schemeClr val="bg1">
+                    <a:lumMod val="50000"/>
+                  </a:schemeClr>
+                </a:solidFill>
+                <a:effectLst/>
+                <a:latin typeface="+mn-ea"/>
+              </a:rPr>
+              <a:t>仮想</a:t>
+            </a:r>
+            <a:r>
+              <a:rPr lang="en" altLang="ja-JP" sz="1400" b="1" i="0" dirty="0">
+                <a:solidFill>
+                  <a:schemeClr val="bg1">
+                    <a:lumMod val="50000"/>
+                  </a:schemeClr>
+                </a:solidFill>
+                <a:effectLst/>
+                <a:latin typeface="+mn-ea"/>
+              </a:rPr>
+              <a:t>DOM</a:t>
+            </a:r>
+            <a:r>
+              <a:rPr lang="ja-JP" altLang="en-US" sz="1400" b="1" i="0">
+                <a:solidFill>
+                  <a:schemeClr val="bg1">
+                    <a:lumMod val="50000"/>
+                  </a:schemeClr>
+                </a:solidFill>
+                <a:effectLst/>
+                <a:latin typeface="+mn-ea"/>
+              </a:rPr>
+              <a:t>では</a:t>
+            </a:r>
+            <a:r>
+              <a:rPr lang="en" altLang="ja-JP" sz="1400" b="1" i="0" dirty="0">
+                <a:solidFill>
+                  <a:schemeClr val="bg1">
+                    <a:lumMod val="50000"/>
+                  </a:schemeClr>
+                </a:solidFill>
+                <a:effectLst/>
+                <a:latin typeface="+mn-ea"/>
+              </a:rPr>
+              <a:t>DOM</a:t>
+            </a:r>
+            <a:r>
+              <a:rPr lang="ja-JP" altLang="en-US" sz="1400" b="1" i="0">
+                <a:solidFill>
+                  <a:schemeClr val="bg1">
+                    <a:lumMod val="50000"/>
+                  </a:schemeClr>
+                </a:solidFill>
+                <a:effectLst/>
+                <a:latin typeface="+mn-ea"/>
+              </a:rPr>
+              <a:t>構造をメモリ上に保持する関係から、その分だけメモリを多く消費する</a:t>
+            </a:r>
+            <a:endParaRPr lang="en-US" altLang="ja-JP" sz="1400" b="1" i="0" dirty="0">
+              <a:solidFill>
+                <a:schemeClr val="bg1">
+                  <a:lumMod val="50000"/>
+                </a:schemeClr>
+              </a:solidFill>
+              <a:effectLst/>
+              <a:latin typeface="+mn-ea"/>
+            </a:endParaRPr>
+          </a:p>
+          <a:p>
+            <a:pPr marL="0" indent="0">
+              <a:buNone/>
+            </a:pPr>
+            <a:endParaRPr lang="en-US" altLang="ja-JP" sz="1400" b="1" i="0" dirty="0">
+              <a:solidFill>
+                <a:schemeClr val="bg1">
+                  <a:lumMod val="50000"/>
+                </a:schemeClr>
+              </a:solidFill>
+              <a:effectLst/>
+              <a:latin typeface="+mn-ea"/>
+            </a:endParaRPr>
+          </a:p>
+          <a:p>
+            <a:pPr marL="0" indent="0">
+              <a:buNone/>
+            </a:pPr>
+            <a:r>
+              <a:rPr lang="en-US" altLang="ja-JP" sz="1400" b="1" i="0" dirty="0">
+                <a:solidFill>
+                  <a:schemeClr val="bg1">
+                    <a:lumMod val="50000"/>
+                  </a:schemeClr>
+                </a:solidFill>
+                <a:effectLst/>
+                <a:latin typeface="+mn-ea"/>
+              </a:rPr>
+              <a:t>② </a:t>
+            </a:r>
+            <a:r>
+              <a:rPr lang="ja-JP" altLang="en-US" sz="1400" b="1" i="0">
+                <a:solidFill>
+                  <a:schemeClr val="bg1">
+                    <a:lumMod val="50000"/>
+                  </a:schemeClr>
+                </a:solidFill>
+                <a:effectLst/>
+                <a:latin typeface="+mn-ea"/>
+              </a:rPr>
+              <a:t>サーバーサイド中心のサービスからの移行は難しい</a:t>
+            </a:r>
+            <a:endParaRPr lang="en-US" altLang="ja-JP" sz="1400" b="1" i="0" dirty="0">
+              <a:solidFill>
+                <a:schemeClr val="bg1">
+                  <a:lumMod val="50000"/>
+                </a:schemeClr>
+              </a:solidFill>
+              <a:effectLst/>
+              <a:latin typeface="+mn-ea"/>
+            </a:endParaRPr>
+          </a:p>
+          <a:p>
+            <a:pPr marL="0" indent="0">
+              <a:buNone/>
+            </a:pPr>
+            <a:endParaRPr lang="en-US" altLang="ja-JP" sz="1400" b="1" i="0" dirty="0">
+              <a:solidFill>
+                <a:schemeClr val="bg1">
+                  <a:lumMod val="50000"/>
+                </a:schemeClr>
+              </a:solidFill>
+              <a:effectLst/>
+              <a:latin typeface="+mn-ea"/>
+            </a:endParaRPr>
+          </a:p>
+          <a:p>
+            <a:pPr marL="0" indent="0">
+              <a:buNone/>
+            </a:pPr>
+            <a:r>
+              <a:rPr lang="en-US" altLang="ja-JP" sz="1400" b="1" dirty="0">
+                <a:solidFill>
+                  <a:schemeClr val="bg1">
+                    <a:lumMod val="50000"/>
+                  </a:schemeClr>
+                </a:solidFill>
+                <a:latin typeface="+mn-ea"/>
+              </a:rPr>
+              <a:t>③ </a:t>
+            </a:r>
+            <a:r>
+              <a:rPr lang="ja-JP" altLang="en-US" sz="1400" b="1">
+                <a:solidFill>
+                  <a:schemeClr val="bg1">
+                    <a:lumMod val="50000"/>
+                  </a:schemeClr>
+                </a:solidFill>
+                <a:latin typeface="+mn-ea"/>
+              </a:rPr>
+              <a:t>機能的なアプリケーションをつくるためには他のライブラリやツールの知識が必要（</a:t>
+            </a:r>
+            <a:r>
+              <a:rPr lang="en-US" altLang="ja-JP" sz="1400" b="1" i="0" dirty="0">
+                <a:solidFill>
+                  <a:schemeClr val="bg1">
+                    <a:lumMod val="50000"/>
+                  </a:schemeClr>
+                </a:solidFill>
+                <a:effectLst/>
+                <a:latin typeface="+mn-ea"/>
+              </a:rPr>
+              <a:t> UI</a:t>
+            </a:r>
+            <a:r>
+              <a:rPr lang="ja-JP" altLang="en-US" sz="1400" b="1">
+                <a:solidFill>
+                  <a:schemeClr val="bg1">
+                    <a:lumMod val="50000"/>
+                  </a:schemeClr>
+                </a:solidFill>
+                <a:latin typeface="+mn-ea"/>
+              </a:rPr>
+              <a:t>をつくることに特化しているため）</a:t>
+            </a:r>
+            <a:endParaRPr lang="en-US" altLang="ja-JP" sz="1400" b="1" dirty="0">
+              <a:solidFill>
+                <a:schemeClr val="bg1">
+                  <a:lumMod val="50000"/>
+                </a:schemeClr>
+              </a:solidFill>
+              <a:latin typeface="+mn-ea"/>
+            </a:endParaRPr>
+          </a:p>
+          <a:p>
+            <a:pPr marL="0" indent="0">
+              <a:buNone/>
+            </a:pPr>
+            <a:endParaRPr lang="en-US" altLang="ja-JP" sz="1400" b="1" i="0" dirty="0">
+              <a:solidFill>
+                <a:schemeClr val="bg1">
+                  <a:lumMod val="50000"/>
+                </a:schemeClr>
+              </a:solidFill>
+              <a:effectLst/>
+              <a:latin typeface="+mn-ea"/>
+            </a:endParaRPr>
+          </a:p>
+          <a:p>
+            <a:pPr marL="0" indent="0">
+              <a:buNone/>
+            </a:pPr>
+            <a:r>
+              <a:rPr lang="en-US" altLang="ja-JP" sz="1400" b="1" dirty="0">
+                <a:solidFill>
+                  <a:schemeClr val="bg1">
+                    <a:lumMod val="50000"/>
+                  </a:schemeClr>
+                </a:solidFill>
+                <a:latin typeface="+mn-ea"/>
+              </a:rPr>
+              <a:t>④</a:t>
+            </a:r>
+            <a:r>
+              <a:rPr lang="en-US" altLang="ja-JP" sz="1400" b="1" i="0" dirty="0">
+                <a:solidFill>
+                  <a:schemeClr val="bg1">
+                    <a:lumMod val="50000"/>
+                  </a:schemeClr>
+                </a:solidFill>
+                <a:effectLst/>
+                <a:latin typeface="+mn-ea"/>
+              </a:rPr>
+              <a:t> </a:t>
+            </a:r>
+            <a:r>
+              <a:rPr lang="ja-JP" altLang="en-US" sz="1400" b="1" i="0">
+                <a:solidFill>
+                  <a:schemeClr val="bg1">
+                    <a:lumMod val="50000"/>
+                  </a:schemeClr>
+                </a:solidFill>
+                <a:effectLst/>
+                <a:latin typeface="+mn-ea"/>
+              </a:rPr>
+              <a:t>ドキュメント</a:t>
+            </a:r>
+            <a:r>
+              <a:rPr lang="ja-JP" altLang="en-US" sz="1400" b="1">
+                <a:solidFill>
+                  <a:schemeClr val="bg1">
+                    <a:lumMod val="50000"/>
+                  </a:schemeClr>
+                </a:solidFill>
+                <a:latin typeface="+mn-ea"/>
+              </a:rPr>
+              <a:t>が不足している</a:t>
+            </a:r>
+            <a:endParaRPr lang="en-US" altLang="ja-JP" sz="1400" b="1" dirty="0">
+              <a:solidFill>
+                <a:schemeClr val="bg1">
+                  <a:lumMod val="50000"/>
+                </a:schemeClr>
+              </a:solidFill>
+              <a:latin typeface="+mn-ea"/>
+            </a:endParaRPr>
+          </a:p>
+          <a:p>
+            <a:pPr marL="0" indent="0">
+              <a:lnSpc>
+                <a:spcPct val="100000"/>
+              </a:lnSpc>
+              <a:buNone/>
+            </a:pPr>
+            <a:r>
+              <a:rPr lang="en" altLang="ja-JP" sz="1300" i="0" dirty="0">
+                <a:solidFill>
+                  <a:schemeClr val="bg1">
+                    <a:lumMod val="50000"/>
+                  </a:schemeClr>
+                </a:solidFill>
+                <a:effectLst/>
+                <a:latin typeface="+mn-ea"/>
+              </a:rPr>
+              <a:t>React</a:t>
+            </a:r>
+            <a:r>
+              <a:rPr lang="ja-JP" altLang="en-US" sz="1300" i="0">
+                <a:solidFill>
+                  <a:schemeClr val="bg1">
+                    <a:lumMod val="50000"/>
+                  </a:schemeClr>
+                </a:solidFill>
+                <a:effectLst/>
+                <a:latin typeface="+mn-ea"/>
+              </a:rPr>
+              <a:t>の更新と成長が速すぎる為、適切な公式ドキュメントの作成が追いついておらず不足している。</a:t>
+            </a:r>
+            <a:endParaRPr lang="en-US" altLang="ja-JP" sz="1300" dirty="0">
+              <a:solidFill>
+                <a:schemeClr val="bg1">
+                  <a:lumMod val="50000"/>
+                </a:schemeClr>
+              </a:solidFill>
+              <a:latin typeface="+mn-ea"/>
+            </a:endParaRPr>
+          </a:p>
+          <a:p>
+            <a:pPr marL="0" indent="0">
+              <a:lnSpc>
+                <a:spcPct val="100000"/>
+              </a:lnSpc>
+              <a:buNone/>
+            </a:pPr>
+            <a:r>
+              <a:rPr lang="ja-JP" altLang="en-US" sz="1300" i="0">
+                <a:solidFill>
+                  <a:schemeClr val="bg1">
+                    <a:lumMod val="50000"/>
+                  </a:schemeClr>
+                </a:solidFill>
+                <a:effectLst/>
+                <a:latin typeface="+mn-ea"/>
+              </a:rPr>
+              <a:t>オープンソースのため開発者が独自のサポートドキュメントを作成できるが、その分内容の薄いドキュメントで埋もれることもあり見つけるのが大変（</a:t>
+            </a:r>
+            <a:r>
+              <a:rPr lang="en-US" altLang="ja-JP" sz="1300" i="0" dirty="0">
+                <a:solidFill>
+                  <a:schemeClr val="bg1">
+                    <a:lumMod val="50000"/>
+                  </a:schemeClr>
+                </a:solidFill>
+                <a:effectLst/>
+                <a:latin typeface="+mn-ea"/>
+              </a:rPr>
+              <a:t>= </a:t>
+            </a:r>
+            <a:r>
+              <a:rPr lang="ja-JP" altLang="en-US" sz="1300" i="0">
+                <a:solidFill>
+                  <a:schemeClr val="bg1">
+                    <a:lumMod val="50000"/>
+                  </a:schemeClr>
+                </a:solidFill>
+                <a:effectLst/>
+                <a:latin typeface="+mn-ea"/>
+              </a:rPr>
+              <a:t>初心者の学習には難易度が高いかも）</a:t>
+            </a:r>
+            <a:endParaRPr lang="ja-JP" altLang="en-US" sz="1400" i="0">
+              <a:solidFill>
+                <a:schemeClr val="bg1">
+                  <a:lumMod val="50000"/>
+                </a:schemeClr>
+              </a:solidFill>
+              <a:effectLst/>
+              <a:latin typeface="+mn-ea"/>
+            </a:endParaRPr>
+          </a:p>
+          <a:p>
+            <a:endParaRPr lang="ja-JP" altLang="en-US" sz="1400">
+              <a:solidFill>
+                <a:schemeClr val="bg1">
+                  <a:lumMod val="50000"/>
+                </a:schemeClr>
+              </a:solidFill>
+              <a:latin typeface="+mn-ea"/>
+              <a:cs typeface="Noto Sans" panose="020B0502040504020204" pitchFamily="34" charset="0"/>
+            </a:endParaRPr>
           </a:p>
         </p:txBody>
       </p:sp>
@@ -9513,64 +10731,465 @@
           <a:chExt cx="0" cy="0"/>
         </a:xfrm>
       </p:grpSpPr>
-      <p:sp>
-        <p:nvSpPr>
-          <p:cNvPr id="2" name="タイトル 1">
+      <p:graphicFrame>
+        <p:nvGraphicFramePr>
+          <p:cNvPr id="4" name="表 4">
             <a:extLst>
               <a:ext uri="{FF2B5EF4-FFF2-40B4-BE49-F238E27FC236}">
-                <a16:creationId xmlns:a16="http://schemas.microsoft.com/office/drawing/2014/main" id="{BA19D268-BDA0-032C-FC57-9A8002605CE7}"/>
+                <a16:creationId xmlns:a16="http://schemas.microsoft.com/office/drawing/2014/main" id="{7FE1939C-795E-98CC-6813-8679FBCA7811}"/>
               </a:ext>
             </a:extLst>
           </p:cNvPr>
-          <p:cNvSpPr>
-            <a:spLocks noGrp="1"/>
-          </p:cNvSpPr>
+          <p:cNvGraphicFramePr>
+            <a:graphicFrameLocks noGrp="1"/>
+          </p:cNvGraphicFramePr>
           <p:nvPr>
-            <p:ph type="title"/>
+            <p:extLst>
+              <p:ext uri="{D42A27DB-BD31-4B8C-83A1-F6EECF244321}">
+                <p14:modId xmlns:p14="http://schemas.microsoft.com/office/powerpoint/2010/main" val="2068292071"/>
+              </p:ext>
+            </p:extLst>
           </p:nvPr>
-        </p:nvSpPr>
-        <p:spPr/>
-        <p:txBody>
-          <a:bodyPr/>
-          <a:lstStyle/>
-          <a:p>
-            <a:r>
-              <a:rPr kumimoji="1" lang="ja-JP" altLang="en-US"/>
-              <a:t>他のライブラリとの違い</a:t>
-            </a:r>
-          </a:p>
-        </p:txBody>
-      </p:sp>
+        </p:nvGraphicFramePr>
+        <p:xfrm>
+          <a:off x="1411970" y="1185862"/>
+          <a:ext cx="9528352" cy="5057775"/>
+        </p:xfrm>
+        <a:graphic>
+          <a:graphicData uri="http://schemas.openxmlformats.org/drawingml/2006/table">
+            <a:tbl>
+              <a:tblPr firstRow="1" bandRow="1">
+                <a:tableStyleId>{0660B408-B3CF-4A94-85FC-2B1E0A45F4A2}</a:tableStyleId>
+              </a:tblPr>
+              <a:tblGrid>
+                <a:gridCol w="3688234">
+                  <a:extLst>
+                    <a:ext uri="{9D8B030D-6E8A-4147-A177-3AD203B41FA5}">
+                      <a16:colId xmlns:a16="http://schemas.microsoft.com/office/drawing/2014/main" val="1779653068"/>
+                    </a:ext>
+                  </a:extLst>
+                </a:gridCol>
+                <a:gridCol w="2920059">
+                  <a:extLst>
+                    <a:ext uri="{9D8B030D-6E8A-4147-A177-3AD203B41FA5}">
+                      <a16:colId xmlns:a16="http://schemas.microsoft.com/office/drawing/2014/main" val="3499496358"/>
+                    </a:ext>
+                  </a:extLst>
+                </a:gridCol>
+                <a:gridCol w="2920059">
+                  <a:extLst>
+                    <a:ext uri="{9D8B030D-6E8A-4147-A177-3AD203B41FA5}">
+                      <a16:colId xmlns:a16="http://schemas.microsoft.com/office/drawing/2014/main" val="2782475514"/>
+                    </a:ext>
+                  </a:extLst>
+                </a:gridCol>
+              </a:tblGrid>
+              <a:tr h="731384">
+                <a:tc>
+                  <a:txBody>
+                    <a:bodyPr/>
+                    <a:lstStyle/>
+                    <a:p>
+                      <a:pPr algn="ctr"/>
+                      <a:r>
+                        <a:rPr kumimoji="1" lang="ja-JP" altLang="en-US"/>
+                        <a:t>比較項目</a:t>
+                      </a:r>
+                    </a:p>
+                  </a:txBody>
+                  <a:tcPr anchor="ctr"/>
+                </a:tc>
+                <a:tc>
+                  <a:txBody>
+                    <a:bodyPr/>
+                    <a:lstStyle/>
+                    <a:p>
+                      <a:pPr algn="ctr"/>
+                      <a:r>
+                        <a:rPr kumimoji="1" lang="en-US" altLang="ja-JP" dirty="0" err="1"/>
+                        <a:t>React.js</a:t>
+                      </a:r>
+                      <a:endParaRPr kumimoji="1" lang="ja-JP" altLang="en-US"/>
+                    </a:p>
+                  </a:txBody>
+                  <a:tcPr anchor="ctr"/>
+                </a:tc>
+                <a:tc>
+                  <a:txBody>
+                    <a:bodyPr/>
+                    <a:lstStyle/>
+                    <a:p>
+                      <a:pPr algn="ctr"/>
+                      <a:r>
+                        <a:rPr kumimoji="1" lang="en-US" altLang="ja-JP" dirty="0" err="1"/>
+                        <a:t>Vue.js</a:t>
+                      </a:r>
+                      <a:endParaRPr kumimoji="1" lang="ja-JP" altLang="en-US"/>
+                    </a:p>
+                  </a:txBody>
+                  <a:tcPr anchor="ctr"/>
+                </a:tc>
+                <a:extLst>
+                  <a:ext uri="{0D108BD9-81ED-4DB2-BD59-A6C34878D82A}">
+                    <a16:rowId xmlns:a16="http://schemas.microsoft.com/office/drawing/2014/main" val="785005440"/>
+                  </a:ext>
+                </a:extLst>
+              </a:tr>
+              <a:tr h="731384">
+                <a:tc>
+                  <a:txBody>
+                    <a:bodyPr/>
+                    <a:lstStyle/>
+                    <a:p>
+                      <a:pPr algn="ctr"/>
+                      <a:r>
+                        <a:rPr kumimoji="1" lang="ja-JP" altLang="en-US"/>
+                        <a:t>宣言型</a:t>
+                      </a:r>
+                    </a:p>
+                  </a:txBody>
+                  <a:tcPr anchor="ctr"/>
+                </a:tc>
+                <a:tc>
+                  <a:txBody>
+                    <a:bodyPr/>
+                    <a:lstStyle/>
+                    <a:p>
+                      <a:pPr algn="ctr"/>
+                      <a:r>
+                        <a:rPr kumimoji="1" lang="ja-JP" altLang="en-US"/>
+                        <a:t>◯</a:t>
+                      </a:r>
+                    </a:p>
+                  </a:txBody>
+                  <a:tcPr anchor="ctr"/>
+                </a:tc>
+                <a:tc>
+                  <a:txBody>
+                    <a:bodyPr/>
+                    <a:lstStyle/>
+                    <a:p>
+                      <a:pPr algn="ctr"/>
+                      <a:r>
+                        <a:rPr kumimoji="1" lang="ja-JP" altLang="en-US"/>
+                        <a:t>◯</a:t>
+                      </a:r>
+                    </a:p>
+                  </a:txBody>
+                  <a:tcPr anchor="ctr"/>
+                </a:tc>
+                <a:extLst>
+                  <a:ext uri="{0D108BD9-81ED-4DB2-BD59-A6C34878D82A}">
+                    <a16:rowId xmlns:a16="http://schemas.microsoft.com/office/drawing/2014/main" val="2823630625"/>
+                  </a:ext>
+                </a:extLst>
+              </a:tr>
+              <a:tr h="769235">
+                <a:tc>
+                  <a:txBody>
+                    <a:bodyPr/>
+                    <a:lstStyle/>
+                    <a:p>
+                      <a:pPr algn="ctr"/>
+                      <a:r>
+                        <a:rPr kumimoji="1" lang="ja-JP" altLang="en-US"/>
+                        <a:t>コンポーネントベース</a:t>
+                      </a:r>
+                    </a:p>
+                  </a:txBody>
+                  <a:tcPr anchor="ctr"/>
+                </a:tc>
+                <a:tc>
+                  <a:txBody>
+                    <a:bodyPr/>
+                    <a:lstStyle/>
+                    <a:p>
+                      <a:pPr algn="ctr"/>
+                      <a:r>
+                        <a:rPr kumimoji="1" lang="ja-JP" altLang="en-US"/>
+                        <a:t>◯</a:t>
+                      </a:r>
+                    </a:p>
+                  </a:txBody>
+                  <a:tcPr anchor="ctr"/>
+                </a:tc>
+                <a:tc>
+                  <a:txBody>
+                    <a:bodyPr/>
+                    <a:lstStyle/>
+                    <a:p>
+                      <a:pPr algn="ctr"/>
+                      <a:r>
+                        <a:rPr kumimoji="1" lang="ja-JP" altLang="en-US"/>
+                        <a:t>◯</a:t>
+                      </a:r>
+                    </a:p>
+                  </a:txBody>
+                  <a:tcPr anchor="ctr"/>
+                </a:tc>
+                <a:extLst>
+                  <a:ext uri="{0D108BD9-81ED-4DB2-BD59-A6C34878D82A}">
+                    <a16:rowId xmlns:a16="http://schemas.microsoft.com/office/drawing/2014/main" val="1603772256"/>
+                  </a:ext>
+                </a:extLst>
+              </a:tr>
+              <a:tr h="631620">
+                <a:tc>
+                  <a:txBody>
+                    <a:bodyPr/>
+                    <a:lstStyle/>
+                    <a:p>
+                      <a:pPr algn="ctr"/>
+                      <a:r>
+                        <a:rPr kumimoji="1" lang="ja-JP" altLang="en-US"/>
+                        <a:t>応用性（どこでも使える）</a:t>
+                      </a:r>
+                    </a:p>
+                  </a:txBody>
+                  <a:tcPr anchor="ctr"/>
+                </a:tc>
+                <a:tc>
+                  <a:txBody>
+                    <a:bodyPr/>
+                    <a:lstStyle/>
+                    <a:p>
+                      <a:pPr algn="ctr"/>
+                      <a:r>
+                        <a:rPr kumimoji="1" lang="ja-JP" altLang="en-US"/>
+                        <a:t>◯</a:t>
+                      </a:r>
+                    </a:p>
+                  </a:txBody>
+                  <a:tcPr anchor="ctr"/>
+                </a:tc>
+                <a:tc>
+                  <a:txBody>
+                    <a:bodyPr/>
+                    <a:lstStyle/>
+                    <a:p>
+                      <a:pPr algn="ctr"/>
+                      <a:endParaRPr kumimoji="1" lang="ja-JP" altLang="en-US"/>
+                    </a:p>
+                  </a:txBody>
+                  <a:tcPr anchor="ctr"/>
+                </a:tc>
+                <a:extLst>
+                  <a:ext uri="{0D108BD9-81ED-4DB2-BD59-A6C34878D82A}">
+                    <a16:rowId xmlns:a16="http://schemas.microsoft.com/office/drawing/2014/main" val="3200131601"/>
+                  </a:ext>
+                </a:extLst>
+              </a:tr>
+              <a:tr h="731384">
+                <a:tc>
+                  <a:txBody>
+                    <a:bodyPr/>
+                    <a:lstStyle/>
+                    <a:p>
+                      <a:pPr algn="ctr"/>
+                      <a:r>
+                        <a:rPr kumimoji="1" lang="ja-JP" altLang="en-US"/>
+                        <a:t>仮装</a:t>
+                      </a:r>
+                      <a:r>
+                        <a:rPr kumimoji="1" lang="en-US" altLang="ja-JP" dirty="0"/>
+                        <a:t>DOM</a:t>
+                      </a:r>
+                      <a:endParaRPr kumimoji="1" lang="ja-JP" altLang="en-US"/>
+                    </a:p>
+                  </a:txBody>
+                  <a:tcPr anchor="ctr"/>
+                </a:tc>
+                <a:tc>
+                  <a:txBody>
+                    <a:bodyPr/>
+                    <a:lstStyle/>
+                    <a:p>
+                      <a:pPr algn="ctr"/>
+                      <a:r>
+                        <a:rPr kumimoji="1" lang="ja-JP" altLang="en-US"/>
+                        <a:t>◯</a:t>
+                      </a:r>
+                    </a:p>
+                  </a:txBody>
+                  <a:tcPr anchor="ctr"/>
+                </a:tc>
+                <a:tc>
+                  <a:txBody>
+                    <a:bodyPr/>
+                    <a:lstStyle/>
+                    <a:p>
+                      <a:pPr algn="ctr"/>
+                      <a:endParaRPr kumimoji="1" lang="ja-JP" altLang="en-US"/>
+                    </a:p>
+                  </a:txBody>
+                  <a:tcPr anchor="ctr"/>
+                </a:tc>
+                <a:extLst>
+                  <a:ext uri="{0D108BD9-81ED-4DB2-BD59-A6C34878D82A}">
+                    <a16:rowId xmlns:a16="http://schemas.microsoft.com/office/drawing/2014/main" val="15646720"/>
+                  </a:ext>
+                </a:extLst>
+              </a:tr>
+              <a:tr h="731384">
+                <a:tc>
+                  <a:txBody>
+                    <a:bodyPr/>
+                    <a:lstStyle/>
+                    <a:p>
+                      <a:pPr algn="ctr"/>
+                      <a:r>
+                        <a:rPr kumimoji="1" lang="ja-JP" altLang="en-US"/>
+                        <a:t>モジュールの充実性</a:t>
+                      </a:r>
+                    </a:p>
+                  </a:txBody>
+                  <a:tcPr anchor="ctr"/>
+                </a:tc>
+                <a:tc>
+                  <a:txBody>
+                    <a:bodyPr/>
+                    <a:lstStyle/>
+                    <a:p>
+                      <a:pPr algn="ctr"/>
+                      <a:r>
+                        <a:rPr kumimoji="1" lang="ja-JP" altLang="en-US"/>
+                        <a:t>◯</a:t>
+                      </a:r>
+                    </a:p>
+                  </a:txBody>
+                  <a:tcPr anchor="ctr"/>
+                </a:tc>
+                <a:tc>
+                  <a:txBody>
+                    <a:bodyPr/>
+                    <a:lstStyle/>
+                    <a:p>
+                      <a:pPr algn="ctr"/>
+                      <a:endParaRPr kumimoji="1" lang="ja-JP" altLang="en-US"/>
+                    </a:p>
+                  </a:txBody>
+                  <a:tcPr anchor="ctr"/>
+                </a:tc>
+                <a:extLst>
+                  <a:ext uri="{0D108BD9-81ED-4DB2-BD59-A6C34878D82A}">
+                    <a16:rowId xmlns:a16="http://schemas.microsoft.com/office/drawing/2014/main" val="2797073059"/>
+                  </a:ext>
+                </a:extLst>
+              </a:tr>
+              <a:tr h="731384">
+                <a:tc>
+                  <a:txBody>
+                    <a:bodyPr/>
+                    <a:lstStyle/>
+                    <a:p>
+                      <a:pPr algn="ctr"/>
+                      <a:r>
+                        <a:rPr kumimoji="1" lang="ja-JP" altLang="en-US"/>
+                        <a:t>学習しやすさ</a:t>
+                      </a:r>
+                    </a:p>
+                  </a:txBody>
+                  <a:tcPr anchor="ctr"/>
+                </a:tc>
+                <a:tc>
+                  <a:txBody>
+                    <a:bodyPr/>
+                    <a:lstStyle/>
+                    <a:p>
+                      <a:pPr algn="ctr"/>
+                      <a:r>
+                        <a:rPr kumimoji="1" lang="ja-JP" altLang="en-US"/>
+                        <a:t>△</a:t>
+                      </a:r>
+                      <a:endParaRPr kumimoji="1" lang="en-US" altLang="ja-JP" dirty="0"/>
+                    </a:p>
+                    <a:p>
+                      <a:pPr algn="ctr"/>
+                      <a:r>
+                        <a:rPr kumimoji="1" lang="ja-JP" altLang="en-US" sz="1100"/>
+                        <a:t>初心者には向かない</a:t>
+                      </a:r>
+                    </a:p>
+                  </a:txBody>
+                  <a:tcPr anchor="ctr"/>
+                </a:tc>
+                <a:tc>
+                  <a:txBody>
+                    <a:bodyPr/>
+                    <a:lstStyle/>
+                    <a:p>
+                      <a:pPr algn="ctr"/>
+                      <a:r>
+                        <a:rPr kumimoji="1" lang="ja-JP" altLang="en-US"/>
+                        <a:t>◯</a:t>
+                      </a:r>
+                    </a:p>
+                  </a:txBody>
+                  <a:tcPr anchor="ctr"/>
+                </a:tc>
+                <a:extLst>
+                  <a:ext uri="{0D108BD9-81ED-4DB2-BD59-A6C34878D82A}">
+                    <a16:rowId xmlns:a16="http://schemas.microsoft.com/office/drawing/2014/main" val="3708942346"/>
+                  </a:ext>
+                </a:extLst>
+              </a:tr>
+            </a:tbl>
+          </a:graphicData>
+        </a:graphic>
+      </p:graphicFrame>
       <p:sp>
         <p:nvSpPr>
-          <p:cNvPr id="3" name="コンテンツ プレースホルダー 2">
+          <p:cNvPr id="9" name="タイトル 1">
             <a:extLst>
               <a:ext uri="{FF2B5EF4-FFF2-40B4-BE49-F238E27FC236}">
-                <a16:creationId xmlns:a16="http://schemas.microsoft.com/office/drawing/2014/main" id="{2346114B-3BB9-072C-58CD-44EC78BCD234}"/>
+                <a16:creationId xmlns:a16="http://schemas.microsoft.com/office/drawing/2014/main" id="{1EA9E60A-FD29-DF83-12D6-35099872EF94}"/>
               </a:ext>
             </a:extLst>
           </p:cNvPr>
-          <p:cNvSpPr>
-            <a:spLocks noGrp="1"/>
+          <p:cNvSpPr txBox="1">
+            <a:spLocks/>
           </p:cNvSpPr>
-          <p:nvPr>
-            <p:ph idx="1"/>
-          </p:nvPr>
+          <p:nvPr/>
         </p:nvSpPr>
-        <p:spPr/>
+        <p:spPr>
+          <a:xfrm>
+            <a:off x="1251678" y="318912"/>
+            <a:ext cx="10178322" cy="1492132"/>
+          </a:xfrm>
+          <a:prstGeom prst="rect">
+            <a:avLst/>
+          </a:prstGeom>
+        </p:spPr>
         <p:txBody>
-          <a:bodyPr/>
-          <a:lstStyle/>
-          <a:p>
-            <a:r>
-              <a:rPr kumimoji="1" lang="en-US" altLang="ja-JP" dirty="0">
-                <a:latin typeface="+mn-ea"/>
-              </a:rPr>
-              <a:t>VUE VS REACT</a:t>
-            </a:r>
-            <a:endParaRPr kumimoji="1" lang="ja-JP" altLang="en-US">
-              <a:latin typeface="+mn-ea"/>
-            </a:endParaRPr>
+          <a:bodyPr vert="horz" lIns="91440" tIns="45720" rIns="91440" bIns="45720" rtlCol="0" anchor="t">
+            <a:normAutofit/>
+          </a:bodyPr>
+          <a:lstStyle>
+            <a:lvl1pPr algn="l" defTabSz="914400" rtl="0" eaLnBrk="1" latinLnBrk="0" hangingPunct="1">
+              <a:lnSpc>
+                <a:spcPct val="90000"/>
+              </a:lnSpc>
+              <a:spcBef>
+                <a:spcPct val="0"/>
+              </a:spcBef>
+              <a:buNone/>
+              <a:defRPr kumimoji="1" sz="5100" kern="1200" cap="all" spc="200" baseline="0">
+                <a:solidFill>
+                  <a:schemeClr val="tx2"/>
+                </a:solidFill>
+                <a:latin typeface="+mj-lt"/>
+                <a:ea typeface="+mj-ea"/>
+                <a:cs typeface="+mj-cs"/>
+              </a:defRPr>
+            </a:lvl1pPr>
+          </a:lstStyle>
+          <a:p>
+            <a:r>
+              <a:rPr lang="ja-JP" altLang="en-US" sz="4400">
+                <a:latin typeface="+mj-ea"/>
+              </a:rPr>
+              <a:t>他のライブラリとの違い</a:t>
+            </a:r>
           </a:p>
         </p:txBody>
       </p:sp>
@@ -9606,35 +11225,6 @@
       </p:grpSpPr>
       <p:sp>
         <p:nvSpPr>
-          <p:cNvPr id="2" name="タイトル 1">
-            <a:extLst>
-              <a:ext uri="{FF2B5EF4-FFF2-40B4-BE49-F238E27FC236}">
-                <a16:creationId xmlns:a16="http://schemas.microsoft.com/office/drawing/2014/main" id="{28547328-BD73-F1EA-B1ED-8BC99846303B}"/>
-              </a:ext>
-            </a:extLst>
-          </p:cNvPr>
-          <p:cNvSpPr>
-            <a:spLocks noGrp="1"/>
-          </p:cNvSpPr>
-          <p:nvPr>
-            <p:ph type="title"/>
-          </p:nvPr>
-        </p:nvSpPr>
-        <p:spPr/>
-        <p:txBody>
-          <a:bodyPr/>
-          <a:lstStyle/>
-          <a:p>
-            <a:r>
-              <a:rPr lang="ja-JP" altLang="en-US"/>
-              <a:t>適している案件</a:t>
-            </a:r>
-            <a:endParaRPr kumimoji="1" lang="ja-JP" altLang="en-US"/>
-          </a:p>
-        </p:txBody>
-      </p:sp>
-      <p:sp>
-        <p:nvSpPr>
           <p:cNvPr id="3" name="コンテンツ プレースホルダー 2">
             <a:extLst>
               <a:ext uri="{FF2B5EF4-FFF2-40B4-BE49-F238E27FC236}">
@@ -9649,131 +11239,73 @@
             <p:ph idx="1"/>
           </p:nvPr>
         </p:nvSpPr>
-        <p:spPr/>
+        <p:spPr>
+          <a:xfrm>
+            <a:off x="1251678" y="963263"/>
+            <a:ext cx="10178322" cy="3594452"/>
+          </a:xfrm>
+        </p:spPr>
         <p:txBody>
           <a:bodyPr>
-            <a:normAutofit lnSpcReduction="10000"/>
+            <a:normAutofit/>
           </a:bodyPr>
           <a:lstStyle/>
           <a:p>
             <a:r>
-              <a:rPr lang="en" altLang="ja-JP" dirty="0">
+              <a:rPr lang="en-US" altLang="ja-JP" sz="1400" i="0" dirty="0">
+                <a:solidFill>
+                  <a:schemeClr val="bg1">
+                    <a:lumMod val="50000"/>
+                  </a:schemeClr>
+                </a:solidFill>
+                <a:effectLst/>
                 <a:latin typeface="+mn-ea"/>
               </a:rPr>
               <a:t>Web</a:t>
             </a:r>
             <a:r>
-              <a:rPr lang="ja-JP" altLang="en-US">
+              <a:rPr lang="ja-JP" altLang="en-US" sz="1400" i="0">
+                <a:solidFill>
+                  <a:schemeClr val="bg1">
+                    <a:lumMod val="50000"/>
+                  </a:schemeClr>
+                </a:solidFill>
+                <a:effectLst/>
                 <a:latin typeface="+mn-ea"/>
               </a:rPr>
-              <a:t>サイトよりもアプリケーション開発に使われることのほうが多いため、</a:t>
-            </a:r>
-            <a:r>
-              <a:rPr lang="ja-JP" altLang="en-US" b="1">
+              <a:t>サイト（とくに</a:t>
+            </a:r>
+            <a:r>
+              <a:rPr lang="en-US" altLang="ja-JP" sz="1400" i="0" dirty="0">
+                <a:solidFill>
+                  <a:schemeClr val="bg1">
+                    <a:lumMod val="50000"/>
+                  </a:schemeClr>
+                </a:solidFill>
+                <a:effectLst/>
                 <a:latin typeface="+mn-ea"/>
               </a:rPr>
-              <a:t>何かに特化した</a:t>
-            </a:r>
-            <a:r>
-              <a:rPr lang="en" altLang="ja-JP" b="1" dirty="0">
+              <a:t>SPA</a:t>
+            </a:r>
+            <a:r>
+              <a:rPr lang="ja-JP" altLang="en-US" sz="1400" i="0">
+                <a:solidFill>
+                  <a:schemeClr val="bg1">
+                    <a:lumMod val="50000"/>
+                  </a:schemeClr>
+                </a:solidFill>
+                <a:effectLst/>
                 <a:latin typeface="+mn-ea"/>
               </a:rPr>
-              <a:t>Web</a:t>
-            </a:r>
-            <a:r>
-              <a:rPr lang="ja-JP" altLang="en-US" b="1">
-                <a:latin typeface="+mn-ea"/>
-              </a:rPr>
-              <a:t>サイトやアプリケーションの開発</a:t>
-            </a:r>
-            <a:r>
-              <a:rPr lang="ja-JP" altLang="en-US">
-                <a:latin typeface="+mn-ea"/>
-              </a:rPr>
-              <a:t>に向いている</a:t>
-            </a:r>
-            <a:endParaRPr lang="en-US" altLang="ja-JP" dirty="0">
-              <a:latin typeface="+mn-ea"/>
-            </a:endParaRPr>
-          </a:p>
-          <a:p>
-            <a:r>
-              <a:rPr lang="en" altLang="ja-JP" dirty="0">
-                <a:latin typeface="+mn-ea"/>
-              </a:rPr>
-              <a:t>VR</a:t>
-            </a:r>
-            <a:r>
-              <a:rPr lang="ja-JP" altLang="en-US">
-                <a:latin typeface="+mn-ea"/>
-              </a:rPr>
-              <a:t>開発もできるので</a:t>
-            </a:r>
-            <a:r>
-              <a:rPr lang="en" altLang="ja-JP" dirty="0">
-                <a:latin typeface="+mn-ea"/>
-              </a:rPr>
-              <a:t>Web</a:t>
-            </a:r>
-            <a:r>
-              <a:rPr lang="ja-JP" altLang="en-US">
-                <a:latin typeface="+mn-ea"/>
-              </a:rPr>
-              <a:t>ベースの</a:t>
-            </a:r>
-            <a:r>
-              <a:rPr lang="en" altLang="ja-JP" dirty="0">
-                <a:latin typeface="+mn-ea"/>
-              </a:rPr>
-              <a:t>VR</a:t>
-            </a:r>
-            <a:r>
-              <a:rPr lang="ja-JP" altLang="en-US">
-                <a:latin typeface="+mn-ea"/>
-              </a:rPr>
-              <a:t>開発</a:t>
-            </a:r>
-            <a:endParaRPr lang="en-US" altLang="ja-JP" dirty="0">
-              <a:latin typeface="+mn-ea"/>
-            </a:endParaRPr>
-          </a:p>
-          <a:p>
-            <a:endParaRPr kumimoji="1" lang="en-US" altLang="ja-JP" dirty="0">
-              <a:latin typeface="+mn-ea"/>
-            </a:endParaRPr>
-          </a:p>
-          <a:p>
-            <a:r>
-              <a:rPr lang="ja-JP" altLang="en-US">
-                <a:latin typeface="+mn-ea"/>
-              </a:rPr>
-              <a:t>リッチな</a:t>
-            </a:r>
-            <a:r>
-              <a:rPr lang="en" altLang="ja-JP" dirty="0">
-                <a:latin typeface="+mn-ea"/>
-              </a:rPr>
-              <a:t>UI/UX</a:t>
-            </a:r>
-            <a:r>
-              <a:rPr lang="ja-JP" altLang="en-US">
-                <a:latin typeface="+mn-ea"/>
-              </a:rPr>
-              <a:t>を提供する</a:t>
-            </a:r>
-            <a:r>
-              <a:rPr lang="en" altLang="ja-JP" dirty="0">
-                <a:latin typeface="+mn-ea"/>
-              </a:rPr>
-              <a:t>Web</a:t>
-            </a:r>
-            <a:r>
-              <a:rPr lang="ja-JP" altLang="en-US">
-                <a:latin typeface="+mn-ea"/>
-              </a:rPr>
-              <a:t>アプリ制作</a:t>
-            </a:r>
-            <a:endParaRPr lang="en-US" altLang="ja-JP" dirty="0">
+              <a:t>）開発</a:t>
+            </a:r>
+            <a:endParaRPr lang="en-US" altLang="ja-JP" sz="1400" i="0" dirty="0">
+              <a:solidFill>
+                <a:schemeClr val="bg1">
+                  <a:lumMod val="50000"/>
+                </a:schemeClr>
+              </a:solidFill>
+              <a:effectLst/>
               <a:latin typeface="+mn-ea"/>
             </a:endParaRPr>
           </a:p>
@@ -9782,47 +11314,1046 @@
               <a:buNone/>
             </a:pPr>
             <a:r>
-              <a:rPr lang="ja-JP" altLang="en-US">
+              <a:rPr lang="ja-JP" altLang="en-US" sz="1400">
+                <a:solidFill>
+                  <a:schemeClr val="bg1">
+                    <a:lumMod val="50000"/>
+                  </a:schemeClr>
+                </a:solidFill>
                 <a:latin typeface="+mn-ea"/>
               </a:rPr>
-              <a:t>　ユーザーインターフェース用を謳うだけあって、用意されたボイラープレートに少し手を加えるだけであっという間にリッチな</a:t>
-            </a:r>
-            <a:r>
-              <a:rPr lang="en" altLang="ja-JP" dirty="0">
+              <a:t>　 →</a:t>
+            </a:r>
+            <a:r>
+              <a:rPr lang="en-US" altLang="ja-JP" sz="1400" dirty="0">
+                <a:solidFill>
+                  <a:schemeClr val="bg1">
+                    <a:lumMod val="50000"/>
+                  </a:schemeClr>
+                </a:solidFill>
                 <a:latin typeface="+mn-ea"/>
               </a:rPr>
-              <a:t>UI</a:t>
-            </a:r>
-            <a:r>
-              <a:rPr lang="ja-JP" altLang="en-US">
+              <a:t> </a:t>
+            </a:r>
+            <a:r>
+              <a:rPr lang="ja-JP" altLang="en-US" sz="1400" i="0">
+                <a:solidFill>
+                  <a:schemeClr val="bg1">
+                    <a:lumMod val="50000"/>
+                  </a:schemeClr>
+                </a:solidFill>
+                <a:effectLst/>
                 <a:latin typeface="+mn-ea"/>
               </a:rPr>
-              <a:t>を持つページが出来上がります。</a:t>
-            </a:r>
-          </a:p>
-          <a:p>
-            <a:r>
-              <a:rPr lang="ja-JP" altLang="en-US">
+              <a:t>仮装</a:t>
+            </a:r>
+            <a:r>
+              <a:rPr lang="en-US" altLang="ja-JP" sz="1400" i="0" dirty="0">
+                <a:solidFill>
+                  <a:schemeClr val="bg1">
+                    <a:lumMod val="50000"/>
+                  </a:schemeClr>
+                </a:solidFill>
+                <a:effectLst/>
                 <a:latin typeface="+mn-ea"/>
               </a:rPr>
-              <a:t>大人数によるチーム開発</a:t>
-            </a:r>
-          </a:p>
-          <a:p>
-            <a:r>
-              <a:rPr lang="ja-JP" altLang="en-US">
+              <a:t>DOM</a:t>
+            </a:r>
+            <a:r>
+              <a:rPr lang="ja-JP" altLang="en-US" sz="1400" i="0">
+                <a:solidFill>
+                  <a:schemeClr val="bg1">
+                    <a:lumMod val="50000"/>
+                  </a:schemeClr>
+                </a:solidFill>
+                <a:effectLst/>
                 <a:latin typeface="+mn-ea"/>
               </a:rPr>
-              <a:t>クロスプラットフォーム開発</a:t>
-            </a:r>
+              <a:t>で高速描画</a:t>
+            </a:r>
+            <a:endParaRPr lang="en-US" altLang="ja-JP" sz="1400" i="0" dirty="0">
+              <a:solidFill>
+                <a:schemeClr val="bg1">
+                  <a:lumMod val="50000"/>
+                </a:schemeClr>
+              </a:solidFill>
+              <a:effectLst/>
+              <a:latin typeface="+mn-ea"/>
+            </a:endParaRPr>
+          </a:p>
+          <a:p>
+            <a:r>
+              <a:rPr lang="en-US" altLang="ja-JP" sz="1400" i="0" dirty="0">
+                <a:solidFill>
+                  <a:schemeClr val="bg1">
+                    <a:lumMod val="50000"/>
+                  </a:schemeClr>
+                </a:solidFill>
+                <a:effectLst/>
+                <a:latin typeface="+mn-ea"/>
+              </a:rPr>
+              <a:t>Web</a:t>
+            </a:r>
+            <a:r>
+              <a:rPr lang="ja-JP" altLang="en-US" sz="1400" i="0">
+                <a:solidFill>
+                  <a:schemeClr val="bg1">
+                    <a:lumMod val="50000"/>
+                  </a:schemeClr>
+                </a:solidFill>
+                <a:effectLst/>
+                <a:latin typeface="+mn-ea"/>
+              </a:rPr>
+              <a:t>アプリ開発</a:t>
+            </a:r>
+            <a:endParaRPr lang="en-US" altLang="ja-JP" sz="1400" i="0" dirty="0">
+              <a:solidFill>
+                <a:schemeClr val="bg1">
+                  <a:lumMod val="50000"/>
+                </a:schemeClr>
+              </a:solidFill>
+              <a:effectLst/>
+              <a:latin typeface="+mn-ea"/>
+            </a:endParaRPr>
           </a:p>
           <a:p>
             <a:pPr marL="0" indent="0">
               <a:buNone/>
             </a:pPr>
-            <a:endParaRPr kumimoji="1" lang="ja-JP" altLang="en-US">
+            <a:r>
+              <a:rPr lang="ja-JP" altLang="en-US" sz="1400">
+                <a:solidFill>
+                  <a:schemeClr val="bg1">
+                    <a:lumMod val="50000"/>
+                  </a:schemeClr>
+                </a:solidFill>
+                <a:latin typeface="+mn-ea"/>
+              </a:rPr>
+              <a:t>　 →</a:t>
+            </a:r>
+            <a:r>
+              <a:rPr lang="ja-JP" altLang="en-US" sz="1400" i="0">
+                <a:solidFill>
+                  <a:schemeClr val="bg1">
+                    <a:lumMod val="50000"/>
+                  </a:schemeClr>
+                </a:solidFill>
+                <a:effectLst/>
+                <a:latin typeface="+mn-ea"/>
+              </a:rPr>
+              <a:t>仮装</a:t>
+            </a:r>
+            <a:r>
+              <a:rPr lang="en-US" altLang="ja-JP" sz="1400" i="0" dirty="0">
+                <a:solidFill>
+                  <a:schemeClr val="bg1">
+                    <a:lumMod val="50000"/>
+                  </a:schemeClr>
+                </a:solidFill>
+                <a:effectLst/>
+                <a:latin typeface="+mn-ea"/>
+              </a:rPr>
+              <a:t>DOM</a:t>
+            </a:r>
+            <a:r>
+              <a:rPr lang="ja-JP" altLang="en-US" sz="1400" i="0">
+                <a:solidFill>
+                  <a:schemeClr val="bg1">
+                    <a:lumMod val="50000"/>
+                  </a:schemeClr>
+                </a:solidFill>
+                <a:effectLst/>
+                <a:latin typeface="+mn-ea"/>
+              </a:rPr>
+              <a:t>で高速描画</a:t>
+            </a:r>
+            <a:r>
+              <a:rPr lang="en-US" altLang="ja-JP" sz="1400" i="0" dirty="0">
+                <a:solidFill>
+                  <a:schemeClr val="bg1">
+                    <a:lumMod val="50000"/>
+                  </a:schemeClr>
+                </a:solidFill>
+                <a:effectLst/>
+                <a:latin typeface="+mn-ea"/>
+              </a:rPr>
+              <a:t> + </a:t>
+            </a:r>
+            <a:r>
+              <a:rPr lang="ja-JP" altLang="en-US" sz="1400" i="0">
+                <a:solidFill>
+                  <a:schemeClr val="bg1">
+                    <a:lumMod val="50000"/>
+                  </a:schemeClr>
+                </a:solidFill>
+                <a:effectLst/>
+                <a:latin typeface="+mn-ea"/>
+              </a:rPr>
+              <a:t>サーバーのやりとりを最小に</a:t>
+            </a:r>
+            <a:endParaRPr lang="en-US" altLang="ja-JP" sz="1400" i="0" dirty="0">
+              <a:solidFill>
+                <a:schemeClr val="bg1">
+                  <a:lumMod val="50000"/>
+                </a:schemeClr>
+              </a:solidFill>
+              <a:effectLst/>
               <a:latin typeface="+mn-ea"/>
             </a:endParaRPr>
+          </a:p>
+          <a:p>
+            <a:r>
+              <a:rPr lang="ja-JP" altLang="en-US" sz="1400" i="0">
+                <a:solidFill>
+                  <a:schemeClr val="bg1">
+                    <a:lumMod val="50000"/>
+                  </a:schemeClr>
+                </a:solidFill>
+                <a:effectLst/>
+                <a:latin typeface="+mn-ea"/>
+              </a:rPr>
+              <a:t>ネイティブアプリ開発</a:t>
+            </a:r>
+            <a:r>
+              <a:rPr lang="ja-JP" altLang="en-US" sz="1400">
+                <a:solidFill>
+                  <a:schemeClr val="bg1">
+                    <a:lumMod val="50000"/>
+                  </a:schemeClr>
+                </a:solidFill>
+                <a:latin typeface="+mn-ea"/>
+              </a:rPr>
+              <a:t>（</a:t>
+            </a:r>
+            <a:r>
+              <a:rPr lang="ja-JP" altLang="en-US" sz="1400" i="0">
+                <a:solidFill>
+                  <a:schemeClr val="bg1">
+                    <a:lumMod val="50000"/>
+                  </a:schemeClr>
+                </a:solidFill>
+                <a:effectLst/>
+                <a:latin typeface="+mn-ea"/>
+              </a:rPr>
+              <a:t>複雑でない、 仕様が</a:t>
+            </a:r>
+            <a:r>
+              <a:rPr lang="en-US" altLang="ja-JP" sz="1400" i="0" dirty="0">
+                <a:solidFill>
+                  <a:schemeClr val="bg1">
+                    <a:lumMod val="50000"/>
+                  </a:schemeClr>
+                </a:solidFill>
+                <a:effectLst/>
+                <a:latin typeface="+mn-ea"/>
+              </a:rPr>
+              <a:t>web</a:t>
+            </a:r>
+            <a:r>
+              <a:rPr lang="ja-JP" altLang="en-US" sz="1400" i="0">
+                <a:solidFill>
+                  <a:schemeClr val="bg1">
+                    <a:lumMod val="50000"/>
+                  </a:schemeClr>
+                </a:solidFill>
+                <a:effectLst/>
+                <a:latin typeface="+mn-ea"/>
+              </a:rPr>
+              <a:t>アプリに似ているもの</a:t>
+            </a:r>
+            <a:r>
+              <a:rPr lang="en" altLang="ja-JP" sz="1400" i="0" dirty="0">
+                <a:solidFill>
+                  <a:schemeClr val="bg1">
+                    <a:lumMod val="50000"/>
+                  </a:schemeClr>
+                </a:solidFill>
+                <a:effectLst/>
+                <a:latin typeface="+mn-ea"/>
+              </a:rPr>
+              <a:t> </a:t>
+            </a:r>
+            <a:r>
+              <a:rPr lang="ja-JP" altLang="en-US" sz="1400">
+                <a:solidFill>
+                  <a:schemeClr val="bg1">
+                    <a:lumMod val="50000"/>
+                  </a:schemeClr>
+                </a:solidFill>
+                <a:latin typeface="+mn-ea"/>
+              </a:rPr>
+              <a:t>）</a:t>
+            </a:r>
+            <a:endParaRPr lang="en-US" altLang="ja-JP" sz="1400" i="0" dirty="0">
+              <a:solidFill>
+                <a:schemeClr val="bg1">
+                  <a:lumMod val="50000"/>
+                </a:schemeClr>
+              </a:solidFill>
+              <a:effectLst/>
+              <a:latin typeface="+mn-ea"/>
+            </a:endParaRPr>
+          </a:p>
+          <a:p>
+            <a:pPr marL="0" indent="0">
+              <a:buNone/>
+            </a:pPr>
+            <a:r>
+              <a:rPr lang="ja-JP" altLang="en-US" sz="1400">
+                <a:solidFill>
+                  <a:schemeClr val="bg1">
+                    <a:lumMod val="50000"/>
+                  </a:schemeClr>
+                </a:solidFill>
+                <a:latin typeface="+mn-ea"/>
+              </a:rPr>
+              <a:t>　 →</a:t>
+            </a:r>
+            <a:r>
+              <a:rPr lang="en" altLang="ja-JP" sz="1400" i="0" dirty="0" err="1">
+                <a:solidFill>
+                  <a:schemeClr val="bg1">
+                    <a:lumMod val="50000"/>
+                  </a:schemeClr>
+                </a:solidFill>
+                <a:effectLst/>
+                <a:latin typeface="+mn-ea"/>
+              </a:rPr>
+              <a:t>iPnohe</a:t>
+            </a:r>
+            <a:r>
+              <a:rPr lang="ja-JP" altLang="en-US" sz="1400" i="0">
+                <a:solidFill>
+                  <a:schemeClr val="bg1">
+                    <a:lumMod val="50000"/>
+                  </a:schemeClr>
+                </a:solidFill>
+                <a:effectLst/>
+                <a:latin typeface="+mn-ea"/>
+              </a:rPr>
+              <a:t>と</a:t>
+            </a:r>
+            <a:r>
+              <a:rPr lang="en" altLang="ja-JP" sz="1400" i="0" dirty="0">
+                <a:solidFill>
+                  <a:schemeClr val="bg1">
+                    <a:lumMod val="50000"/>
+                  </a:schemeClr>
+                </a:solidFill>
+                <a:effectLst/>
+                <a:latin typeface="+mn-ea"/>
+              </a:rPr>
+              <a:t>Android</a:t>
+            </a:r>
+            <a:r>
+              <a:rPr lang="ja-JP" altLang="en-US" sz="1400" i="0">
+                <a:solidFill>
+                  <a:schemeClr val="bg1">
+                    <a:lumMod val="50000"/>
+                  </a:schemeClr>
+                </a:solidFill>
+                <a:effectLst/>
+                <a:latin typeface="+mn-ea"/>
+              </a:rPr>
+              <a:t>両方に対応したアプリが作れる</a:t>
+            </a:r>
+            <a:endParaRPr lang="en-US" altLang="ja-JP" sz="1400" i="0" dirty="0">
+              <a:solidFill>
+                <a:schemeClr val="bg1">
+                  <a:lumMod val="50000"/>
+                </a:schemeClr>
+              </a:solidFill>
+              <a:effectLst/>
+              <a:latin typeface="+mn-ea"/>
+            </a:endParaRPr>
+          </a:p>
+          <a:p>
+            <a:r>
+              <a:rPr lang="en-US" altLang="ja-JP" sz="1400" dirty="0">
+                <a:solidFill>
+                  <a:schemeClr val="bg1">
+                    <a:lumMod val="50000"/>
+                  </a:schemeClr>
+                </a:solidFill>
+                <a:latin typeface="+mn-ea"/>
+              </a:rPr>
+              <a:t>VR</a:t>
+            </a:r>
+            <a:r>
+              <a:rPr lang="ja-JP" altLang="en-US" sz="1400">
+                <a:solidFill>
+                  <a:schemeClr val="bg1">
+                    <a:lumMod val="50000"/>
+                  </a:schemeClr>
+                </a:solidFill>
+                <a:latin typeface="+mn-ea"/>
+              </a:rPr>
+              <a:t>コンテンツ開発</a:t>
+            </a:r>
+            <a:endParaRPr lang="en-US" altLang="ja-JP" sz="1400" i="0" dirty="0">
+              <a:solidFill>
+                <a:schemeClr val="bg1">
+                  <a:lumMod val="50000"/>
+                </a:schemeClr>
+              </a:solidFill>
+              <a:effectLst/>
+              <a:latin typeface="+mn-ea"/>
+            </a:endParaRPr>
+          </a:p>
+          <a:p>
+            <a:pPr marL="0" indent="0">
+              <a:buNone/>
+            </a:pPr>
+            <a:r>
+              <a:rPr lang="ja-JP" altLang="en-US" sz="1400">
+                <a:solidFill>
+                  <a:schemeClr val="bg1">
+                    <a:lumMod val="50000"/>
+                  </a:schemeClr>
+                </a:solidFill>
+                <a:latin typeface="+mn-ea"/>
+              </a:rPr>
+              <a:t>　 →</a:t>
+            </a:r>
+            <a:r>
+              <a:rPr lang="en-US" altLang="ja-JP" sz="1400" dirty="0">
+                <a:solidFill>
+                  <a:schemeClr val="bg1">
+                    <a:lumMod val="50000"/>
+                  </a:schemeClr>
+                </a:solidFill>
+                <a:latin typeface="+mn-ea"/>
+              </a:rPr>
+              <a:t> </a:t>
+            </a:r>
+            <a:r>
+              <a:rPr lang="en" altLang="ja-JP" sz="1400" i="0" dirty="0">
+                <a:solidFill>
+                  <a:schemeClr val="bg1">
+                    <a:lumMod val="50000"/>
+                  </a:schemeClr>
+                </a:solidFill>
+                <a:effectLst/>
+                <a:latin typeface="+mn-ea"/>
+              </a:rPr>
+              <a:t> VR</a:t>
+            </a:r>
+            <a:r>
+              <a:rPr lang="ja-JP" altLang="en-US" sz="1400" i="0">
+                <a:solidFill>
+                  <a:schemeClr val="bg1">
+                    <a:lumMod val="50000"/>
+                  </a:schemeClr>
+                </a:solidFill>
+                <a:effectLst/>
+                <a:latin typeface="+mn-ea"/>
+              </a:rPr>
+              <a:t>コンテンツを開発できるフレームワーク</a:t>
+            </a:r>
+            <a:r>
+              <a:rPr lang="en-US" altLang="ja-JP" sz="1400" i="0" dirty="0">
+                <a:solidFill>
+                  <a:schemeClr val="bg1">
+                    <a:lumMod val="50000"/>
+                  </a:schemeClr>
+                </a:solidFill>
+                <a:effectLst/>
+                <a:latin typeface="+mn-ea"/>
+              </a:rPr>
+              <a:t> React360</a:t>
+            </a:r>
+            <a:r>
+              <a:rPr lang="ja-JP" altLang="en-US" sz="1400" i="0">
+                <a:solidFill>
+                  <a:schemeClr val="bg1">
+                    <a:lumMod val="50000"/>
+                  </a:schemeClr>
+                </a:solidFill>
+                <a:effectLst/>
+                <a:latin typeface="+mn-ea"/>
+              </a:rPr>
+              <a:t>を活用</a:t>
+            </a:r>
+            <a:endParaRPr lang="en-US" altLang="ja-JP" sz="1400" dirty="0">
+              <a:solidFill>
+                <a:schemeClr val="bg1">
+                  <a:lumMod val="50000"/>
+                </a:schemeClr>
+              </a:solidFill>
+              <a:latin typeface="+mn-ea"/>
+            </a:endParaRPr>
+          </a:p>
+          <a:p>
+            <a:r>
+              <a:rPr lang="ja-JP" altLang="en-US" sz="1400" i="0">
+                <a:solidFill>
+                  <a:schemeClr val="bg1">
+                    <a:lumMod val="50000"/>
+                  </a:schemeClr>
+                </a:solidFill>
+                <a:effectLst/>
+                <a:latin typeface="+mn-ea"/>
+              </a:rPr>
+              <a:t>中</a:t>
+            </a:r>
+            <a:r>
+              <a:rPr lang="en-US" altLang="ja-JP" sz="1400" i="0" dirty="0">
+                <a:solidFill>
+                  <a:schemeClr val="bg1">
+                    <a:lumMod val="50000"/>
+                  </a:schemeClr>
+                </a:solidFill>
+                <a:effectLst/>
+                <a:latin typeface="+mn-ea"/>
+              </a:rPr>
+              <a:t>〜</a:t>
+            </a:r>
+            <a:r>
+              <a:rPr lang="ja-JP" altLang="en-US" sz="1400" i="0">
+                <a:solidFill>
+                  <a:schemeClr val="bg1">
+                    <a:lumMod val="50000"/>
+                  </a:schemeClr>
+                </a:solidFill>
+                <a:effectLst/>
+                <a:latin typeface="+mn-ea"/>
+              </a:rPr>
+              <a:t>大規模なアプリケーション</a:t>
+            </a:r>
+            <a:endParaRPr lang="en-US" altLang="ja-JP" sz="1400" i="0" dirty="0">
+              <a:solidFill>
+                <a:schemeClr val="bg1">
+                  <a:lumMod val="50000"/>
+                </a:schemeClr>
+              </a:solidFill>
+              <a:effectLst/>
+              <a:latin typeface="+mn-ea"/>
+            </a:endParaRPr>
+          </a:p>
+          <a:p>
+            <a:pPr marL="0" indent="0">
+              <a:buNone/>
+            </a:pPr>
+            <a:r>
+              <a:rPr lang="ja-JP" altLang="en-US" sz="1400">
+                <a:solidFill>
+                  <a:schemeClr val="bg1">
+                    <a:lumMod val="50000"/>
+                  </a:schemeClr>
+                </a:solidFill>
+                <a:latin typeface="+mn-ea"/>
+              </a:rPr>
+              <a:t>　 →</a:t>
+            </a:r>
+            <a:r>
+              <a:rPr lang="ja-JP" altLang="en-US" sz="1400" i="0">
+                <a:solidFill>
+                  <a:schemeClr val="bg1">
+                    <a:lumMod val="50000"/>
+                  </a:schemeClr>
+                </a:solidFill>
+                <a:effectLst/>
+                <a:latin typeface="+mn-ea"/>
+              </a:rPr>
+              <a:t>コンポーネントベースで管理しやすい設計</a:t>
+            </a:r>
+            <a:endParaRPr lang="ja-JP" altLang="en-US" sz="1400">
+              <a:solidFill>
+                <a:schemeClr val="bg1">
+                  <a:lumMod val="50000"/>
+                </a:schemeClr>
+              </a:solidFill>
+              <a:latin typeface="+mn-ea"/>
+            </a:endParaRPr>
+          </a:p>
+          <a:p>
+            <a:pPr marL="0" indent="0">
+              <a:buNone/>
+            </a:pPr>
+            <a:endParaRPr kumimoji="1" lang="ja-JP" altLang="en-US" sz="1400">
+              <a:solidFill>
+                <a:schemeClr val="bg1">
+                  <a:lumMod val="50000"/>
+                </a:schemeClr>
+              </a:solidFill>
+              <a:latin typeface="+mn-ea"/>
+            </a:endParaRPr>
+          </a:p>
+        </p:txBody>
+      </p:sp>
+      <p:sp>
+        <p:nvSpPr>
+          <p:cNvPr id="5" name="コンテンツ プレースホルダー 2">
+            <a:extLst>
+              <a:ext uri="{FF2B5EF4-FFF2-40B4-BE49-F238E27FC236}">
+                <a16:creationId xmlns:a16="http://schemas.microsoft.com/office/drawing/2014/main" id="{21C6AA40-82D0-13CB-8EE5-626B722B7484}"/>
+              </a:ext>
+            </a:extLst>
+          </p:cNvPr>
+          <p:cNvSpPr txBox="1">
+            <a:spLocks/>
+          </p:cNvSpPr>
+          <p:nvPr/>
+        </p:nvSpPr>
+        <p:spPr>
+          <a:xfrm>
+            <a:off x="1155722" y="5157264"/>
+            <a:ext cx="10178322" cy="1596144"/>
+          </a:xfrm>
+          <a:prstGeom prst="rect">
+            <a:avLst/>
+          </a:prstGeom>
+        </p:spPr>
+        <p:txBody>
+          <a:bodyPr vert="horz" lIns="91440" tIns="45720" rIns="91440" bIns="45720" rtlCol="0">
+            <a:normAutofit/>
+          </a:bodyPr>
+          <a:lstStyle>
+            <a:lvl1pPr marL="228600" indent="-228600" algn="l" defTabSz="914400" rtl="0" eaLnBrk="1" latinLnBrk="0" hangingPunct="1">
+              <a:lnSpc>
+                <a:spcPct val="110000"/>
+              </a:lnSpc>
+              <a:spcBef>
+                <a:spcPts val="700"/>
+              </a:spcBef>
+              <a:buClr>
+                <a:schemeClr val="tx2"/>
+              </a:buClr>
+              <a:buFont typeface="Arial" panose="020B0604020202020204" pitchFamily="34" charset="0"/>
+              <a:buChar char="•"/>
+              <a:defRPr kumimoji="1" sz="2000" kern="1200">
+                <a:solidFill>
+                  <a:schemeClr val="tx1">
+                    <a:lumMod val="65000"/>
+                    <a:lumOff val="35000"/>
+                  </a:schemeClr>
+                </a:solidFill>
+                <a:latin typeface="+mn-lt"/>
+                <a:ea typeface="+mn-ea"/>
+                <a:cs typeface="+mn-cs"/>
+              </a:defRPr>
+            </a:lvl1pPr>
+            <a:lvl2pPr marL="685800" indent="-228600" algn="l" defTabSz="914400" rtl="0" eaLnBrk="1" latinLnBrk="0" hangingPunct="1">
+              <a:lnSpc>
+                <a:spcPct val="110000"/>
+              </a:lnSpc>
+              <a:spcBef>
+                <a:spcPts val="700"/>
+              </a:spcBef>
+              <a:buClr>
+                <a:schemeClr val="tx2"/>
+              </a:buClr>
+              <a:buFont typeface="Gill Sans MT" panose="020B0502020104020203" pitchFamily="34" charset="0"/>
+              <a:buChar char="–"/>
+              <a:defRPr kumimoji="1" sz="1800" kern="1200">
+                <a:solidFill>
+                  <a:schemeClr val="tx1">
+                    <a:lumMod val="65000"/>
+                    <a:lumOff val="35000"/>
+                  </a:schemeClr>
+                </a:solidFill>
+                <a:latin typeface="+mn-lt"/>
+                <a:ea typeface="+mn-ea"/>
+                <a:cs typeface="+mn-cs"/>
+              </a:defRPr>
+            </a:lvl2pPr>
+            <a:lvl3pPr marL="1143000" indent="-228600" algn="l" defTabSz="914400" rtl="0" eaLnBrk="1" latinLnBrk="0" hangingPunct="1">
+              <a:lnSpc>
+                <a:spcPct val="110000"/>
+              </a:lnSpc>
+              <a:spcBef>
+                <a:spcPts val="700"/>
+              </a:spcBef>
+              <a:buClr>
+                <a:schemeClr val="tx2"/>
+              </a:buClr>
+              <a:buFont typeface="Arial" panose="020B0604020202020204" pitchFamily="34" charset="0"/>
+              <a:buChar char="•"/>
+              <a:defRPr kumimoji="1" sz="1600" kern="1200">
+                <a:solidFill>
+                  <a:schemeClr val="tx1">
+                    <a:lumMod val="65000"/>
+                    <a:lumOff val="35000"/>
+                  </a:schemeClr>
+                </a:solidFill>
+                <a:latin typeface="+mn-lt"/>
+                <a:ea typeface="+mn-ea"/>
+                <a:cs typeface="+mn-cs"/>
+              </a:defRPr>
+            </a:lvl3pPr>
+            <a:lvl4pPr marL="1600200" indent="-228600" algn="l" defTabSz="914400" rtl="0" eaLnBrk="1" latinLnBrk="0" hangingPunct="1">
+              <a:lnSpc>
+                <a:spcPct val="110000"/>
+              </a:lnSpc>
+              <a:spcBef>
+                <a:spcPts val="700"/>
+              </a:spcBef>
+              <a:buClr>
+                <a:schemeClr val="tx2"/>
+              </a:buClr>
+              <a:buFont typeface="Gill Sans MT" panose="020B0502020104020203" pitchFamily="34" charset="0"/>
+              <a:buChar char="–"/>
+              <a:defRPr kumimoji="1" sz="1400" kern="1200">
+                <a:solidFill>
+                  <a:schemeClr val="tx1">
+                    <a:lumMod val="65000"/>
+                    <a:lumOff val="35000"/>
+                  </a:schemeClr>
+                </a:solidFill>
+                <a:latin typeface="+mn-lt"/>
+                <a:ea typeface="+mn-ea"/>
+                <a:cs typeface="+mn-cs"/>
+              </a:defRPr>
+            </a:lvl4pPr>
+            <a:lvl5pPr marL="2057400" indent="-228600" algn="l" defTabSz="914400" rtl="0" eaLnBrk="1" latinLnBrk="0" hangingPunct="1">
+              <a:lnSpc>
+                <a:spcPct val="110000"/>
+              </a:lnSpc>
+              <a:spcBef>
+                <a:spcPts val="700"/>
+              </a:spcBef>
+              <a:buClr>
+                <a:schemeClr val="tx2"/>
+              </a:buClr>
+              <a:buFont typeface="Arial" panose="020B0604020202020204" pitchFamily="34" charset="0"/>
+              <a:buChar char="•"/>
+              <a:defRPr kumimoji="1" sz="1400" kern="1200">
+                <a:solidFill>
+                  <a:schemeClr val="tx1">
+                    <a:lumMod val="65000"/>
+                    <a:lumOff val="35000"/>
+                  </a:schemeClr>
+                </a:solidFill>
+                <a:latin typeface="+mn-lt"/>
+                <a:ea typeface="+mn-ea"/>
+                <a:cs typeface="+mn-cs"/>
+              </a:defRPr>
+            </a:lvl5pPr>
+            <a:lvl6pPr marL="2514600" indent="-228600" algn="l" defTabSz="914400" rtl="0" eaLnBrk="1" latinLnBrk="0" hangingPunct="1">
+              <a:lnSpc>
+                <a:spcPct val="110000"/>
+              </a:lnSpc>
+              <a:spcBef>
+                <a:spcPts val="700"/>
+              </a:spcBef>
+              <a:buClr>
+                <a:schemeClr val="tx2"/>
+              </a:buClr>
+              <a:buFont typeface="Gill Sans MT" panose="020B0502020104020203" pitchFamily="34" charset="0"/>
+              <a:buChar char="–"/>
+              <a:defRPr kumimoji="1" sz="1400" kern="1200">
+                <a:solidFill>
+                  <a:schemeClr val="tx1">
+                    <a:lumMod val="65000"/>
+                    <a:lumOff val="35000"/>
+                  </a:schemeClr>
+                </a:solidFill>
+                <a:latin typeface="+mn-lt"/>
+                <a:ea typeface="+mn-ea"/>
+                <a:cs typeface="+mn-cs"/>
+              </a:defRPr>
+            </a:lvl6pPr>
+            <a:lvl7pPr marL="2971800" indent="-228600" algn="l" defTabSz="914400" rtl="0" eaLnBrk="1" latinLnBrk="0" hangingPunct="1">
+              <a:lnSpc>
+                <a:spcPct val="110000"/>
+              </a:lnSpc>
+              <a:spcBef>
+                <a:spcPts val="700"/>
+              </a:spcBef>
+              <a:buClr>
+                <a:schemeClr val="tx2"/>
+              </a:buClr>
+              <a:buFont typeface="Arial" panose="020B0604020202020204" pitchFamily="34" charset="0"/>
+              <a:buChar char="•"/>
+              <a:defRPr kumimoji="1" sz="1400" kern="1200">
+                <a:solidFill>
+                  <a:schemeClr val="tx1">
+                    <a:lumMod val="65000"/>
+                    <a:lumOff val="35000"/>
+                  </a:schemeClr>
+                </a:solidFill>
+                <a:latin typeface="+mn-lt"/>
+                <a:ea typeface="+mn-ea"/>
+                <a:cs typeface="+mn-cs"/>
+              </a:defRPr>
+            </a:lvl7pPr>
+            <a:lvl8pPr marL="3429000" indent="-228600" algn="l" defTabSz="914400" rtl="0" eaLnBrk="1" latinLnBrk="0" hangingPunct="1">
+              <a:lnSpc>
+                <a:spcPct val="110000"/>
+              </a:lnSpc>
+              <a:spcBef>
+                <a:spcPts val="700"/>
+              </a:spcBef>
+              <a:buClr>
+                <a:schemeClr val="tx2"/>
+              </a:buClr>
+              <a:buFont typeface="Gill Sans MT" panose="020B0502020104020203" pitchFamily="34" charset="0"/>
+              <a:buChar char="–"/>
+              <a:defRPr kumimoji="1" sz="1400" kern="1200" baseline="0">
+                <a:solidFill>
+                  <a:schemeClr val="tx1">
+                    <a:lumMod val="65000"/>
+                    <a:lumOff val="35000"/>
+                  </a:schemeClr>
+                </a:solidFill>
+                <a:latin typeface="+mn-lt"/>
+                <a:ea typeface="+mn-ea"/>
+                <a:cs typeface="+mn-cs"/>
+              </a:defRPr>
+            </a:lvl8pPr>
+            <a:lvl9pPr marL="3886200" indent="-228600" algn="l" defTabSz="914400" rtl="0" eaLnBrk="1" latinLnBrk="0" hangingPunct="1">
+              <a:lnSpc>
+                <a:spcPct val="110000"/>
+              </a:lnSpc>
+              <a:spcBef>
+                <a:spcPts val="700"/>
+              </a:spcBef>
+              <a:buClr>
+                <a:schemeClr val="tx2"/>
+              </a:buClr>
+              <a:buFont typeface="Arial" panose="020B0604020202020204" pitchFamily="34" charset="0"/>
+              <a:buChar char="•"/>
+              <a:defRPr kumimoji="1" sz="1400" kern="1200" baseline="0">
+                <a:solidFill>
+                  <a:schemeClr val="tx1">
+                    <a:lumMod val="65000"/>
+                    <a:lumOff val="35000"/>
+                  </a:schemeClr>
+                </a:solidFill>
+                <a:latin typeface="+mn-lt"/>
+                <a:ea typeface="+mn-ea"/>
+                <a:cs typeface="+mn-cs"/>
+              </a:defRPr>
+            </a:lvl9pPr>
+          </a:lstStyle>
+          <a:p>
+            <a:r>
+              <a:rPr lang="ja-JP" altLang="en-US" sz="1400">
+                <a:solidFill>
+                  <a:schemeClr val="bg1">
+                    <a:lumMod val="50000"/>
+                  </a:schemeClr>
+                </a:solidFill>
+                <a:latin typeface="+mn-ea"/>
+              </a:rPr>
+              <a:t>データの書き換えが頻繁なアプリ（ゲームなど）</a:t>
+            </a:r>
+            <a:endParaRPr lang="en-US" altLang="ja-JP" sz="1400" dirty="0">
+              <a:solidFill>
+                <a:schemeClr val="bg1">
+                  <a:lumMod val="50000"/>
+                </a:schemeClr>
+              </a:solidFill>
+              <a:latin typeface="+mn-ea"/>
+            </a:endParaRPr>
+          </a:p>
+          <a:p>
+            <a:pPr marL="0" indent="0">
+              <a:buNone/>
+            </a:pPr>
+            <a:r>
+              <a:rPr lang="ja-JP" altLang="en-US" sz="1400">
+                <a:solidFill>
+                  <a:schemeClr val="bg1">
+                    <a:lumMod val="50000"/>
+                  </a:schemeClr>
+                </a:solidFill>
+                <a:latin typeface="+mn-ea"/>
+              </a:rPr>
+              <a:t>　 → </a:t>
+            </a:r>
+            <a:r>
+              <a:rPr lang="ja-JP" altLang="en-US" sz="1400" i="0">
+                <a:solidFill>
+                  <a:schemeClr val="bg1">
+                    <a:lumMod val="50000"/>
+                  </a:schemeClr>
+                </a:solidFill>
+                <a:effectLst/>
+                <a:latin typeface="+mn-ea"/>
+              </a:rPr>
+              <a:t>キャッシュするデータ量が大きくなってしまい、メモリを大きく圧迫してしまう恐れ</a:t>
+            </a:r>
+            <a:endParaRPr lang="en-US" altLang="ja-JP" sz="1400" i="0" dirty="0">
+              <a:solidFill>
+                <a:schemeClr val="bg1">
+                  <a:lumMod val="50000"/>
+                </a:schemeClr>
+              </a:solidFill>
+              <a:effectLst/>
+              <a:latin typeface="+mn-ea"/>
+            </a:endParaRPr>
+          </a:p>
+          <a:p>
+            <a:r>
+              <a:rPr lang="ja-JP" altLang="en-US" sz="1400" i="0">
+                <a:solidFill>
+                  <a:schemeClr val="bg1">
+                    <a:lumMod val="50000"/>
+                  </a:schemeClr>
+                </a:solidFill>
+                <a:effectLst/>
+                <a:latin typeface="+mn-ea"/>
+              </a:rPr>
+              <a:t>簡単なページや、大半が静的コンテンツ</a:t>
+            </a:r>
+            <a:endParaRPr lang="en-US" altLang="ja-JP" sz="1400" i="0" dirty="0">
+              <a:solidFill>
+                <a:schemeClr val="bg1">
+                  <a:lumMod val="50000"/>
+                </a:schemeClr>
+              </a:solidFill>
+              <a:effectLst/>
+              <a:latin typeface="+mn-ea"/>
+            </a:endParaRPr>
+          </a:p>
+          <a:p>
+            <a:pPr marL="0" indent="0">
+              <a:buNone/>
+            </a:pPr>
+            <a:r>
+              <a:rPr lang="ja-JP" altLang="en-US" sz="1400">
+                <a:solidFill>
+                  <a:schemeClr val="bg1">
+                    <a:lumMod val="50000"/>
+                  </a:schemeClr>
+                </a:solidFill>
+                <a:latin typeface="+mn-ea"/>
+              </a:rPr>
+              <a:t>　 </a:t>
+            </a:r>
+            <a:r>
+              <a:rPr lang="ja-JP" altLang="en-US" sz="1400" i="0">
+                <a:solidFill>
+                  <a:schemeClr val="bg1">
+                    <a:lumMod val="50000"/>
+                  </a:schemeClr>
+                </a:solidFill>
+                <a:effectLst/>
+                <a:latin typeface="+mn-ea"/>
+              </a:rPr>
+              <a:t>→ 十分に機能を発揮できずかえって記述量が多くなってしまう</a:t>
+            </a:r>
+            <a:endParaRPr lang="ja-JP" altLang="en-US" sz="1400">
+              <a:solidFill>
+                <a:schemeClr val="bg1">
+                  <a:lumMod val="50000"/>
+                </a:schemeClr>
+              </a:solidFill>
+              <a:latin typeface="+mn-ea"/>
+            </a:endParaRPr>
+          </a:p>
+        </p:txBody>
+      </p:sp>
+      <p:sp>
+        <p:nvSpPr>
+          <p:cNvPr id="6" name="タイトル 1">
+            <a:extLst>
+              <a:ext uri="{FF2B5EF4-FFF2-40B4-BE49-F238E27FC236}">
+                <a16:creationId xmlns:a16="http://schemas.microsoft.com/office/drawing/2014/main" id="{DECBA338-383E-D67A-381A-F335C8A57D45}"/>
+              </a:ext>
+            </a:extLst>
+          </p:cNvPr>
+          <p:cNvSpPr txBox="1">
+            <a:spLocks/>
+          </p:cNvSpPr>
+          <p:nvPr/>
+        </p:nvSpPr>
+        <p:spPr>
+          <a:xfrm>
+            <a:off x="1251678" y="318912"/>
+            <a:ext cx="10178322" cy="1492132"/>
+          </a:xfrm>
+          <a:prstGeom prst="rect">
+            <a:avLst/>
+          </a:prstGeom>
+        </p:spPr>
+        <p:txBody>
+          <a:bodyPr vert="horz" lIns="91440" tIns="45720" rIns="91440" bIns="45720" rtlCol="0" anchor="t">
+            <a:normAutofit/>
+          </a:bodyPr>
+          <a:lstStyle>
+            <a:lvl1pPr algn="l" defTabSz="914400" rtl="0" eaLnBrk="1" latinLnBrk="0" hangingPunct="1">
+              <a:lnSpc>
+                <a:spcPct val="90000"/>
+              </a:lnSpc>
+              <a:spcBef>
+                <a:spcPct val="0"/>
+              </a:spcBef>
+              <a:buNone/>
+              <a:defRPr kumimoji="1" sz="5100" kern="1200" cap="all" spc="200" baseline="0">
+                <a:solidFill>
+                  <a:schemeClr val="tx2"/>
+                </a:solidFill>
+                <a:latin typeface="+mj-lt"/>
+                <a:ea typeface="+mj-ea"/>
+                <a:cs typeface="+mj-cs"/>
+              </a:defRPr>
+            </a:lvl1pPr>
+          </a:lstStyle>
+          <a:p>
+            <a:r>
+              <a:rPr lang="ja-JP" altLang="en-US" sz="4400">
+                <a:latin typeface="+mj-ea"/>
+              </a:rPr>
+              <a:t>適している案件</a:t>
+            </a:r>
+          </a:p>
+        </p:txBody>
+      </p:sp>
+      <p:sp>
+        <p:nvSpPr>
+          <p:cNvPr id="9" name="タイトル 1">
+            <a:extLst>
+              <a:ext uri="{FF2B5EF4-FFF2-40B4-BE49-F238E27FC236}">
+                <a16:creationId xmlns:a16="http://schemas.microsoft.com/office/drawing/2014/main" id="{84B3E78A-F0D9-3C1C-01DF-1C57CF7D7048}"/>
+              </a:ext>
+            </a:extLst>
+          </p:cNvPr>
+          <p:cNvSpPr txBox="1">
+            <a:spLocks/>
+          </p:cNvSpPr>
+          <p:nvPr/>
+        </p:nvSpPr>
+        <p:spPr>
+          <a:xfrm>
+            <a:off x="1257300" y="4439774"/>
+            <a:ext cx="10178321" cy="1492132"/>
+          </a:xfrm>
+          <a:prstGeom prst="rect">
+            <a:avLst/>
+          </a:prstGeom>
+        </p:spPr>
+        <p:txBody>
+          <a:bodyPr vert="horz" lIns="91440" tIns="45720" rIns="91440" bIns="45720" rtlCol="0" anchor="t">
+            <a:normAutofit/>
+          </a:bodyPr>
+          <a:lstStyle>
+            <a:lvl1pPr algn="l" defTabSz="914400" rtl="0" eaLnBrk="1" latinLnBrk="0" hangingPunct="1">
+              <a:lnSpc>
+                <a:spcPct val="90000"/>
+              </a:lnSpc>
+              <a:spcBef>
+                <a:spcPct val="0"/>
+              </a:spcBef>
+              <a:buNone/>
+              <a:defRPr kumimoji="1" sz="5100" kern="1200" cap="all" spc="200" baseline="0">
+                <a:solidFill>
+                  <a:schemeClr val="tx2"/>
+                </a:solidFill>
+                <a:latin typeface="+mj-lt"/>
+                <a:ea typeface="+mj-ea"/>
+                <a:cs typeface="+mj-cs"/>
+              </a:defRPr>
+            </a:lvl1pPr>
+          </a:lstStyle>
+          <a:p>
+            <a:r>
+              <a:rPr lang="ja-JP" altLang="en-US" sz="4400">
+                <a:latin typeface="+mj-ea"/>
+              </a:rPr>
+              <a:t>適していない案件</a:t>
+            </a:r>
           </a:p>
         </p:txBody>
       </p:sp>
@@ -9861,7 +12392,7 @@
           <p:cNvPr id="2" name="タイトル 1">
             <a:extLst>
               <a:ext uri="{FF2B5EF4-FFF2-40B4-BE49-F238E27FC236}">
-                <a16:creationId xmlns:a16="http://schemas.microsoft.com/office/drawing/2014/main" id="{EF6E4788-2124-95F9-28C5-25BC91B74BD9}"/>
+                <a16:creationId xmlns:a16="http://schemas.microsoft.com/office/drawing/2014/main" id="{B3BD619A-631D-DA53-2228-ACC39BA2613B}"/>
               </a:ext>
             </a:extLst>
           </p:cNvPr>
@@ -9879,15 +12410,7 @@
           <a:p>
             <a:r>
               <a:rPr kumimoji="1" lang="ja-JP" altLang="en-US"/>
-              <a:t>活用するメリット</a:t>
-            </a:r>
-            <a:r>
-              <a:rPr kumimoji="1" lang="en-US" altLang="ja-JP" dirty="0"/>
-              <a:t> </a:t>
-            </a:r>
-            <a:r>
-              <a:rPr kumimoji="1" lang="ja-JP" altLang="en-US"/>
-              <a:t>＝強みかな？</a:t>
+              <a:t>設計書で表現すること</a:t>
             </a:r>
           </a:p>
         </p:txBody>
@@ -9897,7 +12420,7 @@
           <p:cNvPr id="3" name="コンテンツ プレースホルダー 2">
             <a:extLst>
               <a:ext uri="{FF2B5EF4-FFF2-40B4-BE49-F238E27FC236}">
-                <a16:creationId xmlns:a16="http://schemas.microsoft.com/office/drawing/2014/main" id="{D273CDD1-ACD7-4D6E-3C13-344109654F69}"/>
+                <a16:creationId xmlns:a16="http://schemas.microsoft.com/office/drawing/2014/main" id="{14EAB1BF-BEEB-E454-858E-70659255FAC4}"/>
               </a:ext>
             </a:extLst>
           </p:cNvPr>
@@ -9910,799 +12433,84 @@
         </p:nvSpPr>
         <p:spPr/>
         <p:txBody>
-          <a:bodyPr>
-            <a:normAutofit fontScale="55000" lnSpcReduction="20000"/>
-          </a:bodyPr>
+          <a:bodyPr/>
           <a:lstStyle/>
           <a:p>
             <a:r>
-              <a:rPr lang="ja-JP" altLang="en-US" b="1" i="0">
-                <a:solidFill>
-                  <a:srgbClr val="00AA71"/>
-                </a:solidFill>
-                <a:effectLst/>
-                <a:latin typeface="+mn-ea"/>
-              </a:rPr>
-              <a:t>パフォーマンスが良い・サクサク動く（仮想</a:t>
-            </a:r>
-            <a:r>
-              <a:rPr lang="en" altLang="ja-JP" b="1" i="0" dirty="0">
-                <a:solidFill>
-                  <a:srgbClr val="00AA71"/>
-                </a:solidFill>
-                <a:effectLst/>
-                <a:latin typeface="+mn-ea"/>
-              </a:rPr>
-              <a:t>DOM</a:t>
-            </a:r>
-            <a:r>
-              <a:rPr lang="ja-JP" altLang="en-US" b="1" i="0">
-                <a:solidFill>
-                  <a:srgbClr val="00AA71"/>
-                </a:solidFill>
-                <a:effectLst/>
-                <a:latin typeface="+mn-ea"/>
-              </a:rPr>
-              <a:t>が高速）</a:t>
-            </a:r>
-            <a:endParaRPr lang="en-US" altLang="ja-JP" b="1" i="0" dirty="0">
+              <a:rPr lang="en" altLang="ja-JP" b="0" i="0" dirty="0">
+                <a:solidFill>
+                  <a:srgbClr val="333333"/>
+                </a:solidFill>
+                <a:effectLst/>
+                <a:latin typeface="YakuHanJPs"/>
+              </a:rPr>
+              <a:t>Item</a:t>
+            </a:r>
+            <a:r>
+              <a:rPr lang="ja-JP" altLang="en-US" b="0" i="0">
+                <a:solidFill>
+                  <a:srgbClr val="333333"/>
+                </a:solidFill>
+                <a:effectLst/>
+                <a:latin typeface="YakuHanJPs"/>
+              </a:rPr>
+              <a:t>が</a:t>
+            </a:r>
+            <a:r>
+              <a:rPr lang="en-US" altLang="ja-JP" b="0" i="0" dirty="0">
+                <a:solidFill>
+                  <a:srgbClr val="333333"/>
+                </a:solidFill>
+                <a:effectLst/>
+                <a:latin typeface="YakuHanJPs"/>
+              </a:rPr>
+              <a:t>100</a:t>
+            </a:r>
+            <a:r>
+              <a:rPr lang="ja-JP" altLang="en-US" b="0" i="0">
+                <a:solidFill>
+                  <a:srgbClr val="333333"/>
+                </a:solidFill>
+                <a:effectLst/>
+                <a:latin typeface="YakuHanJPs"/>
+              </a:rPr>
+              <a:t>あって、</a:t>
+            </a:r>
+            <a:r>
+              <a:rPr lang="en-US" altLang="ja-JP" b="0" i="0" dirty="0">
+                <a:solidFill>
+                  <a:srgbClr val="333333"/>
+                </a:solidFill>
+                <a:effectLst/>
+                <a:latin typeface="YakuHanJPs"/>
+              </a:rPr>
+              <a:t>1</a:t>
+            </a:r>
+            <a:r>
+              <a:rPr lang="ja-JP" altLang="en-US">
+                <a:solidFill>
+                  <a:srgbClr val="333333"/>
+                </a:solidFill>
+                <a:latin typeface="YakuHanJPs"/>
+              </a:rPr>
+              <a:t>つだけ変更したときに全て読み込みなおされないか</a:t>
+            </a:r>
+            <a:endParaRPr lang="en-US" altLang="ja-JP" dirty="0">
               <a:solidFill>
-                <a:srgbClr val="00AA71"/>
+                <a:srgbClr val="333333"/>
               </a:solidFill>
-              <a:effectLst/>
-              <a:latin typeface="+mn-ea"/>
+              <a:latin typeface="YakuHanJPs"/>
             </a:endParaRPr>
           </a:p>
           <a:p>
-            <a:r>
-              <a:rPr lang="ja-JP" altLang="en-US" b="0" i="0">
-                <a:solidFill>
-                  <a:srgbClr val="000000"/>
-                </a:solidFill>
-                <a:effectLst/>
-                <a:latin typeface="+mn-ea"/>
-              </a:rPr>
-              <a:t>仮想</a:t>
-            </a:r>
-            <a:r>
-              <a:rPr lang="en" altLang="ja-JP" b="0" i="0" dirty="0">
-                <a:solidFill>
-                  <a:srgbClr val="000000"/>
-                </a:solidFill>
-                <a:effectLst/>
-                <a:latin typeface="+mn-ea"/>
-              </a:rPr>
-              <a:t>DOM</a:t>
-            </a:r>
-            <a:r>
-              <a:rPr lang="ja-JP" altLang="en-US" b="0" i="0">
-                <a:solidFill>
-                  <a:srgbClr val="000000"/>
-                </a:solidFill>
-                <a:effectLst/>
-                <a:latin typeface="+mn-ea"/>
-              </a:rPr>
-              <a:t>（</a:t>
-            </a:r>
-            <a:r>
-              <a:rPr lang="en" altLang="ja-JP" b="0" i="0" dirty="0">
-                <a:solidFill>
-                  <a:srgbClr val="000000"/>
-                </a:solidFill>
-                <a:effectLst/>
-                <a:latin typeface="+mn-ea"/>
-              </a:rPr>
-              <a:t> React </a:t>
-            </a:r>
-            <a:r>
-              <a:rPr lang="ja-JP" altLang="en-US" b="0" i="0">
-                <a:solidFill>
-                  <a:srgbClr val="000000"/>
-                </a:solidFill>
-                <a:effectLst/>
-                <a:latin typeface="+mn-ea"/>
-              </a:rPr>
-              <a:t>内部に持っている </a:t>
-            </a:r>
-            <a:r>
-              <a:rPr lang="en" altLang="ja-JP" b="0" i="0" dirty="0">
-                <a:solidFill>
-                  <a:srgbClr val="000000"/>
-                </a:solidFill>
-                <a:effectLst/>
-                <a:latin typeface="+mn-ea"/>
-              </a:rPr>
-              <a:t>DOM</a:t>
-            </a:r>
-            <a:r>
-              <a:rPr lang="ja-JP" altLang="en-US" b="0" i="0">
-                <a:solidFill>
-                  <a:srgbClr val="000000"/>
-                </a:solidFill>
-                <a:effectLst/>
-                <a:latin typeface="+mn-ea"/>
-              </a:rPr>
-              <a:t>）というレンダリング機構が備わっており、この仮想 </a:t>
-            </a:r>
-            <a:r>
-              <a:rPr lang="en" altLang="ja-JP" b="0" i="0" dirty="0">
-                <a:solidFill>
-                  <a:srgbClr val="000000"/>
-                </a:solidFill>
-                <a:effectLst/>
-                <a:latin typeface="+mn-ea"/>
-              </a:rPr>
-              <a:t>DOM </a:t>
-            </a:r>
-            <a:r>
-              <a:rPr lang="ja-JP" altLang="en-US" b="0" i="0">
-                <a:solidFill>
-                  <a:srgbClr val="000000"/>
-                </a:solidFill>
-                <a:effectLst/>
-                <a:latin typeface="+mn-ea"/>
-              </a:rPr>
-              <a:t>と実際の </a:t>
-            </a:r>
-            <a:r>
-              <a:rPr lang="en" altLang="ja-JP" b="0" i="0" dirty="0">
-                <a:solidFill>
-                  <a:srgbClr val="000000"/>
-                </a:solidFill>
-                <a:effectLst/>
-                <a:latin typeface="+mn-ea"/>
-              </a:rPr>
-              <a:t>HTML </a:t>
-            </a:r>
-            <a:r>
-              <a:rPr lang="ja-JP" altLang="en-US" b="0" i="0">
-                <a:solidFill>
-                  <a:srgbClr val="000000"/>
-                </a:solidFill>
-                <a:effectLst/>
-                <a:latin typeface="+mn-ea"/>
-              </a:rPr>
-              <a:t>上の </a:t>
-            </a:r>
-            <a:r>
-              <a:rPr lang="en" altLang="ja-JP" b="0" i="0" dirty="0">
-                <a:solidFill>
-                  <a:srgbClr val="000000"/>
-                </a:solidFill>
-                <a:effectLst/>
-                <a:latin typeface="+mn-ea"/>
-              </a:rPr>
-              <a:t>DOM </a:t>
-            </a:r>
-            <a:r>
-              <a:rPr lang="ja-JP" altLang="en-US" b="0" i="0">
-                <a:solidFill>
-                  <a:srgbClr val="000000"/>
-                </a:solidFill>
-                <a:effectLst/>
-                <a:latin typeface="+mn-ea"/>
-              </a:rPr>
-              <a:t>を比較したときに出てくる違いだけが、毎回 </a:t>
-            </a:r>
-            <a:r>
-              <a:rPr lang="en" altLang="ja-JP" b="0" i="0" dirty="0">
-                <a:solidFill>
-                  <a:srgbClr val="000000"/>
-                </a:solidFill>
-                <a:effectLst/>
-                <a:latin typeface="+mn-ea"/>
-              </a:rPr>
-              <a:t>HTML </a:t>
-            </a:r>
-            <a:r>
-              <a:rPr lang="ja-JP" altLang="en-US" b="0" i="0">
-                <a:solidFill>
-                  <a:srgbClr val="000000"/>
-                </a:solidFill>
-                <a:effectLst/>
-                <a:latin typeface="+mn-ea"/>
-              </a:rPr>
-              <a:t>上に再適用される。必要な部分しか更新されないため非常に高速に動作する。</a:t>
-            </a:r>
-            <a:endParaRPr lang="ja-JP" altLang="en-US" b="1" i="0">
-              <a:solidFill>
-                <a:srgbClr val="00AA71"/>
-              </a:solidFill>
-              <a:effectLst/>
-              <a:latin typeface="+mn-ea"/>
-            </a:endParaRPr>
-          </a:p>
-          <a:p>
-            <a:r>
-              <a:rPr lang="en" altLang="ja-JP" b="1" i="0" dirty="0">
-                <a:solidFill>
-                  <a:srgbClr val="00AA71"/>
-                </a:solidFill>
-                <a:effectLst/>
-                <a:latin typeface="+mn-ea"/>
-              </a:rPr>
-              <a:t>SPA</a:t>
-            </a:r>
-            <a:r>
-              <a:rPr lang="ja-JP" altLang="en" b="1" i="0">
-                <a:solidFill>
-                  <a:srgbClr val="00AA71"/>
-                </a:solidFill>
-                <a:effectLst/>
-                <a:latin typeface="+mn-ea"/>
-              </a:rPr>
-              <a:t>（</a:t>
-            </a:r>
-            <a:r>
-              <a:rPr lang="en" altLang="ja-JP" b="1" i="0" dirty="0">
-                <a:solidFill>
-                  <a:srgbClr val="00AA71"/>
-                </a:solidFill>
-                <a:effectLst/>
-                <a:latin typeface="+mn-ea"/>
-              </a:rPr>
-              <a:t>Single Page Application</a:t>
-            </a:r>
-            <a:r>
-              <a:rPr lang="ja-JP" altLang="en" b="1" i="0">
-                <a:solidFill>
-                  <a:srgbClr val="00AA71"/>
-                </a:solidFill>
-                <a:effectLst/>
-                <a:latin typeface="+mn-ea"/>
-              </a:rPr>
-              <a:t>）</a:t>
-            </a:r>
-            <a:r>
-              <a:rPr lang="ja-JP" altLang="en-US" b="1" i="0">
-                <a:solidFill>
-                  <a:srgbClr val="00AA71"/>
-                </a:solidFill>
-                <a:effectLst/>
-                <a:latin typeface="+mn-ea"/>
-              </a:rPr>
-              <a:t>が作りやすい</a:t>
-            </a:r>
-            <a:endParaRPr lang="en-US" altLang="ja-JP" b="1" i="0" dirty="0">
-              <a:solidFill>
-                <a:srgbClr val="00AA71"/>
-              </a:solidFill>
-              <a:effectLst/>
-              <a:latin typeface="+mn-ea"/>
-            </a:endParaRPr>
-          </a:p>
-          <a:p>
-            <a:r>
-              <a:rPr lang="en" altLang="ja-JP" b="0" i="0" dirty="0">
-                <a:solidFill>
-                  <a:srgbClr val="000000"/>
-                </a:solidFill>
-                <a:effectLst/>
-                <a:latin typeface="+mn-ea"/>
-              </a:rPr>
-              <a:t>SPA</a:t>
-            </a:r>
-            <a:r>
-              <a:rPr lang="ja-JP" altLang="en-US" b="0" i="0">
-                <a:solidFill>
-                  <a:srgbClr val="000000"/>
-                </a:solidFill>
-                <a:effectLst/>
-                <a:latin typeface="+mn-ea"/>
-              </a:rPr>
-              <a:t>の良さは、ページすべてを毎回読み込む必要がなく、効率的かつ高速で動かすことができる。しかし、その反面、開発する際には、</a:t>
-            </a:r>
-            <a:r>
-              <a:rPr lang="en" altLang="ja-JP" b="0" i="0" dirty="0">
-                <a:solidFill>
-                  <a:srgbClr val="000000"/>
-                </a:solidFill>
-                <a:effectLst/>
-                <a:latin typeface="+mn-ea"/>
-              </a:rPr>
-              <a:t>JavaScript</a:t>
-            </a:r>
-            <a:r>
-              <a:rPr lang="ja-JP" altLang="en-US" b="0" i="0">
-                <a:solidFill>
-                  <a:srgbClr val="000000"/>
-                </a:solidFill>
-                <a:effectLst/>
-                <a:latin typeface="+mn-ea"/>
-              </a:rPr>
-              <a:t>を多用しなければならない。</a:t>
-            </a:r>
-            <a:r>
-              <a:rPr lang="en" altLang="ja-JP" b="0" i="0" dirty="0">
-                <a:solidFill>
-                  <a:srgbClr val="000000"/>
-                </a:solidFill>
-                <a:effectLst/>
-                <a:latin typeface="+mn-ea"/>
-              </a:rPr>
-              <a:t> React</a:t>
-            </a:r>
-            <a:r>
-              <a:rPr lang="ja-JP" altLang="en-US" b="0" i="0">
-                <a:solidFill>
-                  <a:srgbClr val="000000"/>
-                </a:solidFill>
-                <a:effectLst/>
-                <a:latin typeface="+mn-ea"/>
-              </a:rPr>
-              <a:t>であれば</a:t>
-            </a:r>
-            <a:r>
-              <a:rPr lang="en-US" altLang="ja-JP" b="0" i="0" dirty="0">
-                <a:solidFill>
-                  <a:srgbClr val="000000"/>
-                </a:solidFill>
-                <a:effectLst/>
-                <a:latin typeface="+mn-ea"/>
-              </a:rPr>
-              <a:t>3</a:t>
-            </a:r>
-            <a:r>
-              <a:rPr lang="ja-JP" altLang="en-US" b="0" i="0">
-                <a:solidFill>
-                  <a:srgbClr val="000000"/>
-                </a:solidFill>
-                <a:effectLst/>
-                <a:latin typeface="+mn-ea"/>
-              </a:rPr>
-              <a:t>つの特徴を活かして</a:t>
-            </a:r>
-            <a:r>
-              <a:rPr lang="en" altLang="ja-JP" b="0" i="0" dirty="0">
-                <a:solidFill>
-                  <a:srgbClr val="000000"/>
-                </a:solidFill>
-                <a:effectLst/>
-                <a:latin typeface="+mn-ea"/>
-              </a:rPr>
-              <a:t>SPA</a:t>
-            </a:r>
-            <a:r>
-              <a:rPr lang="ja-JP" altLang="en-US" b="0" i="0">
-                <a:solidFill>
-                  <a:srgbClr val="000000"/>
-                </a:solidFill>
-                <a:effectLst/>
-                <a:latin typeface="+mn-ea"/>
-              </a:rPr>
-              <a:t>に必要な高速な動作速度を完全に再現できるので、非常に相性のいいライブラリ</a:t>
-            </a:r>
-            <a:endParaRPr lang="ja-JP" altLang="en-US" b="1" i="0">
-              <a:solidFill>
-                <a:srgbClr val="00AA71"/>
-              </a:solidFill>
-              <a:effectLst/>
-              <a:latin typeface="+mn-ea"/>
-            </a:endParaRPr>
-          </a:p>
-          <a:p>
-            <a:r>
-              <a:rPr lang="en" altLang="ja-JP" b="1" i="0" dirty="0">
-                <a:solidFill>
-                  <a:srgbClr val="00AA71"/>
-                </a:solidFill>
-                <a:effectLst/>
-                <a:latin typeface="+mn-ea"/>
-              </a:rPr>
-              <a:t>React</a:t>
-            </a:r>
-            <a:r>
-              <a:rPr lang="ja-JP" altLang="en-US" b="1" i="0">
-                <a:solidFill>
-                  <a:srgbClr val="00AA71"/>
-                </a:solidFill>
-                <a:effectLst/>
-                <a:latin typeface="+mn-ea"/>
-              </a:rPr>
-              <a:t>をマスターすれば、</a:t>
-            </a:r>
-            <a:r>
-              <a:rPr lang="en" altLang="ja-JP" b="1" i="0" dirty="0">
-                <a:solidFill>
-                  <a:srgbClr val="00AA71"/>
-                </a:solidFill>
-                <a:effectLst/>
-                <a:latin typeface="+mn-ea"/>
-              </a:rPr>
-              <a:t>React Native</a:t>
-            </a:r>
-            <a:r>
-              <a:rPr lang="ja-JP" altLang="en-US" b="1" i="0">
-                <a:solidFill>
-                  <a:srgbClr val="00AA71"/>
-                </a:solidFill>
-                <a:effectLst/>
-                <a:latin typeface="+mn-ea"/>
-              </a:rPr>
-              <a:t>でスマホアプリが作れる</a:t>
-            </a:r>
-            <a:endParaRPr lang="en-US" altLang="ja-JP" b="1" i="0" dirty="0">
-              <a:solidFill>
-                <a:srgbClr val="00AA71"/>
-              </a:solidFill>
-              <a:effectLst/>
-              <a:latin typeface="+mn-ea"/>
-            </a:endParaRPr>
-          </a:p>
-          <a:p>
-            <a:r>
-              <a:rPr lang="ja-JP" altLang="en-US" b="0" i="0">
-                <a:solidFill>
-                  <a:srgbClr val="000000"/>
-                </a:solidFill>
-                <a:effectLst/>
-                <a:latin typeface="+mn-ea"/>
-              </a:rPr>
-              <a:t>これまでスマホアプリの開発は、</a:t>
-            </a:r>
-            <a:r>
-              <a:rPr lang="en" altLang="ja-JP" b="0" i="0" dirty="0">
-                <a:solidFill>
-                  <a:srgbClr val="000000"/>
-                </a:solidFill>
-                <a:effectLst/>
-                <a:latin typeface="+mn-ea"/>
-              </a:rPr>
-              <a:t>iPhone</a:t>
-            </a:r>
-            <a:r>
-              <a:rPr lang="ja-JP" altLang="en-US" b="0" i="0">
-                <a:solidFill>
-                  <a:srgbClr val="000000"/>
-                </a:solidFill>
-                <a:effectLst/>
-                <a:latin typeface="+mn-ea"/>
-              </a:rPr>
-              <a:t>アプリと</a:t>
-            </a:r>
-            <a:r>
-              <a:rPr lang="en-US" altLang="ja-JP" b="0" i="0" dirty="0">
-                <a:solidFill>
-                  <a:srgbClr val="000000"/>
-                </a:solidFill>
-                <a:effectLst/>
-                <a:latin typeface="+mn-ea"/>
-              </a:rPr>
-              <a:t>Android</a:t>
-            </a:r>
-            <a:r>
-              <a:rPr lang="ja-JP" altLang="en-US" b="0" i="0">
-                <a:solidFill>
-                  <a:srgbClr val="000000"/>
-                </a:solidFill>
-                <a:effectLst/>
-                <a:latin typeface="+mn-ea"/>
-              </a:rPr>
-              <a:t>アプリは異なる言語でプログラミングしていました。しかし、</a:t>
-            </a:r>
-            <a:r>
-              <a:rPr lang="en" altLang="ja-JP" b="0" i="0" dirty="0">
-                <a:solidFill>
-                  <a:srgbClr val="000000"/>
-                </a:solidFill>
-                <a:effectLst/>
-                <a:latin typeface="+mn-ea"/>
-              </a:rPr>
-              <a:t>React Native</a:t>
-            </a:r>
-            <a:r>
-              <a:rPr lang="ja-JP" altLang="en-US" b="0" i="0">
-                <a:solidFill>
-                  <a:srgbClr val="000000"/>
-                </a:solidFill>
-                <a:effectLst/>
-                <a:latin typeface="+mn-ea"/>
-              </a:rPr>
-              <a:t>は、</a:t>
-            </a:r>
-            <a:r>
-              <a:rPr lang="en" altLang="ja-JP" b="0" i="0" dirty="0">
-                <a:solidFill>
-                  <a:srgbClr val="000000"/>
-                </a:solidFill>
-                <a:effectLst/>
-                <a:latin typeface="+mn-ea"/>
-              </a:rPr>
-              <a:t>iOS/Android</a:t>
-            </a:r>
-            <a:r>
-              <a:rPr lang="ja-JP" altLang="en-US" b="0" i="0">
-                <a:solidFill>
-                  <a:srgbClr val="000000"/>
-                </a:solidFill>
-                <a:effectLst/>
-                <a:latin typeface="+mn-ea"/>
-              </a:rPr>
-              <a:t>の</a:t>
-            </a:r>
-            <a:r>
-              <a:rPr lang="en" altLang="ja-JP" b="0" i="0" dirty="0">
-                <a:solidFill>
-                  <a:srgbClr val="000000"/>
-                </a:solidFill>
-                <a:effectLst/>
-                <a:latin typeface="+mn-ea"/>
-              </a:rPr>
-              <a:t>JavaScript</a:t>
-            </a:r>
-            <a:r>
-              <a:rPr lang="ja-JP" altLang="en-US" b="0" i="0">
-                <a:solidFill>
-                  <a:srgbClr val="000000"/>
-                </a:solidFill>
-                <a:effectLst/>
-                <a:latin typeface="+mn-ea"/>
-              </a:rPr>
-              <a:t>エンジンを使い、一度書いたコードを大きく変更することなく、</a:t>
-            </a:r>
-            <a:r>
-              <a:rPr lang="en" altLang="ja-JP" b="0" i="0" dirty="0">
-                <a:solidFill>
-                  <a:srgbClr val="000000"/>
-                </a:solidFill>
-                <a:effectLst/>
-                <a:latin typeface="+mn-ea"/>
-              </a:rPr>
-              <a:t>iOS</a:t>
-            </a:r>
-            <a:r>
-              <a:rPr lang="ja-JP" altLang="en-US" b="0" i="0">
-                <a:solidFill>
-                  <a:srgbClr val="000000"/>
-                </a:solidFill>
-                <a:effectLst/>
-                <a:latin typeface="+mn-ea"/>
-              </a:rPr>
-              <a:t>でも</a:t>
-            </a:r>
-            <a:r>
-              <a:rPr lang="en" altLang="ja-JP" b="0" i="0" dirty="0">
-                <a:solidFill>
-                  <a:srgbClr val="000000"/>
-                </a:solidFill>
-                <a:effectLst/>
-                <a:latin typeface="+mn-ea"/>
-              </a:rPr>
-              <a:t>Android</a:t>
-            </a:r>
-            <a:r>
-              <a:rPr lang="ja-JP" altLang="en-US" b="0" i="0">
-                <a:solidFill>
-                  <a:srgbClr val="000000"/>
-                </a:solidFill>
-                <a:effectLst/>
-                <a:latin typeface="+mn-ea"/>
-              </a:rPr>
-              <a:t>でも使えます。</a:t>
-            </a:r>
-            <a:endParaRPr lang="ja-JP" altLang="en-US" b="1" i="0">
-              <a:solidFill>
-                <a:srgbClr val="00AA71"/>
-              </a:solidFill>
-              <a:effectLst/>
-              <a:latin typeface="+mn-ea"/>
-            </a:endParaRPr>
-          </a:p>
-          <a:p>
-            <a:r>
-              <a:rPr lang="ja-JP" altLang="en-US" b="1" i="0">
-                <a:solidFill>
-                  <a:srgbClr val="00AA71"/>
-                </a:solidFill>
-                <a:effectLst/>
-                <a:latin typeface="+mn-ea"/>
-              </a:rPr>
-              <a:t>流行の</a:t>
-            </a:r>
-            <a:r>
-              <a:rPr lang="en" altLang="ja-JP" b="1" i="0" dirty="0">
-                <a:solidFill>
-                  <a:srgbClr val="00AA71"/>
-                </a:solidFill>
-                <a:effectLst/>
-                <a:latin typeface="+mn-ea"/>
-              </a:rPr>
-              <a:t>UI</a:t>
-            </a:r>
-            <a:r>
-              <a:rPr lang="ja-JP" altLang="en-US" b="1" i="0">
-                <a:solidFill>
-                  <a:srgbClr val="00AA71"/>
-                </a:solidFill>
-                <a:effectLst/>
-                <a:latin typeface="+mn-ea"/>
-              </a:rPr>
-              <a:t>のフロントエンドが簡単に作れる</a:t>
-            </a:r>
-          </a:p>
-          <a:p>
-            <a:r>
-              <a:rPr lang="en" altLang="ja-JP" b="0" i="0" dirty="0">
-                <a:solidFill>
-                  <a:srgbClr val="000000"/>
-                </a:solidFill>
-                <a:effectLst/>
-                <a:latin typeface="+mn-ea"/>
-              </a:rPr>
-              <a:t>React</a:t>
-            </a:r>
-            <a:r>
-              <a:rPr lang="ja-JP" altLang="en-US" b="0" i="0">
-                <a:solidFill>
-                  <a:srgbClr val="000000"/>
-                </a:solidFill>
-                <a:effectLst/>
-                <a:latin typeface="+mn-ea"/>
-              </a:rPr>
-              <a:t>のライブラリを使って</a:t>
-            </a:r>
-            <a:r>
-              <a:rPr lang="en" altLang="ja-JP" b="0" i="0" dirty="0">
-                <a:solidFill>
-                  <a:srgbClr val="000000"/>
-                </a:solidFill>
-                <a:effectLst/>
-                <a:latin typeface="+mn-ea"/>
-              </a:rPr>
-              <a:t>UI</a:t>
-            </a:r>
-            <a:r>
-              <a:rPr lang="ja-JP" altLang="en-US" b="0" i="0">
-                <a:solidFill>
-                  <a:srgbClr val="000000"/>
-                </a:solidFill>
-                <a:effectLst/>
-                <a:latin typeface="+mn-ea"/>
-              </a:rPr>
-              <a:t>をコンポート化するようになってきています。あらかじめ</a:t>
-            </a:r>
-            <a:r>
-              <a:rPr lang="en" altLang="ja-JP" b="0" i="0" dirty="0">
-                <a:solidFill>
-                  <a:srgbClr val="000000"/>
-                </a:solidFill>
-                <a:effectLst/>
-                <a:latin typeface="+mn-ea"/>
-              </a:rPr>
-              <a:t>Button </a:t>
-            </a:r>
-            <a:r>
-              <a:rPr lang="ja-JP" altLang="en-US" b="0" i="0">
-                <a:solidFill>
-                  <a:srgbClr val="000000"/>
-                </a:solidFill>
-                <a:effectLst/>
-                <a:latin typeface="+mn-ea"/>
-              </a:rPr>
-              <a:t>や </a:t>
-            </a:r>
-            <a:r>
-              <a:rPr lang="en" altLang="ja-JP" b="0" i="0" dirty="0">
-                <a:solidFill>
-                  <a:srgbClr val="000000"/>
-                </a:solidFill>
-                <a:effectLst/>
-                <a:latin typeface="+mn-ea"/>
-              </a:rPr>
-              <a:t>Form </a:t>
-            </a:r>
-            <a:r>
-              <a:rPr lang="ja-JP" altLang="en-US" b="0" i="0">
-                <a:solidFill>
-                  <a:srgbClr val="000000"/>
-                </a:solidFill>
-                <a:effectLst/>
-                <a:latin typeface="+mn-ea"/>
-              </a:rPr>
-              <a:t>などの </a:t>
-            </a:r>
-            <a:r>
-              <a:rPr lang="en" altLang="ja-JP" b="0" i="0" dirty="0">
-                <a:solidFill>
-                  <a:srgbClr val="000000"/>
-                </a:solidFill>
-                <a:effectLst/>
-                <a:latin typeface="+mn-ea"/>
-              </a:rPr>
-              <a:t>UI </a:t>
-            </a:r>
-            <a:r>
-              <a:rPr lang="ja-JP" altLang="en-US" b="0" i="0">
-                <a:solidFill>
-                  <a:srgbClr val="000000"/>
-                </a:solidFill>
-                <a:effectLst/>
-                <a:latin typeface="+mn-ea"/>
-              </a:rPr>
-              <a:t>パーツを </a:t>
-            </a:r>
-            <a:r>
-              <a:rPr lang="en" altLang="ja-JP" b="0" i="0" dirty="0">
-                <a:solidFill>
-                  <a:srgbClr val="000000"/>
-                </a:solidFill>
-                <a:effectLst/>
-                <a:latin typeface="+mn-ea"/>
-              </a:rPr>
-              <a:t>React </a:t>
-            </a:r>
-            <a:r>
-              <a:rPr lang="ja-JP" altLang="en-US" b="0" i="0">
-                <a:solidFill>
-                  <a:srgbClr val="000000"/>
-                </a:solidFill>
-                <a:effectLst/>
-                <a:latin typeface="+mn-ea"/>
-              </a:rPr>
-              <a:t>コンポーネントとして扱えるようにして、セット化したものが多くあります。</a:t>
-            </a:r>
-            <a:endParaRPr lang="en-US" altLang="ja-JP" b="0" i="0" dirty="0">
-              <a:solidFill>
-                <a:srgbClr val="000000"/>
-              </a:solidFill>
-              <a:effectLst/>
-              <a:latin typeface="+mn-ea"/>
-            </a:endParaRPr>
-          </a:p>
-          <a:p>
-            <a:r>
-              <a:rPr lang="en" altLang="ja-JP" b="0" i="0" u="sng" dirty="0">
-                <a:solidFill>
-                  <a:srgbClr val="000000"/>
-                </a:solidFill>
-                <a:effectLst/>
-                <a:latin typeface="+mn-ea"/>
-                <a:hlinkClick r:id="rId2"/>
-              </a:rPr>
-              <a:t>Material-UI</a:t>
-            </a:r>
-            <a:br>
-              <a:rPr lang="en" altLang="ja-JP" dirty="0">
-                <a:latin typeface="+mn-ea"/>
-              </a:rPr>
-            </a:br>
-            <a:r>
-              <a:rPr lang="en" altLang="ja-JP" b="0" i="0" u="none" strike="noStrike" dirty="0">
-                <a:solidFill>
-                  <a:srgbClr val="00AA71"/>
-                </a:solidFill>
-                <a:effectLst/>
-                <a:latin typeface="+mn-ea"/>
-                <a:hlinkClick r:id="rId3"/>
-              </a:rPr>
-              <a:t>React-toolbox</a:t>
-            </a:r>
-            <a:br>
-              <a:rPr lang="en" altLang="ja-JP" dirty="0">
-                <a:latin typeface="+mn-ea"/>
-              </a:rPr>
-            </a:br>
-            <a:r>
-              <a:rPr lang="en" altLang="ja-JP" b="0" i="0" u="none" strike="noStrike" dirty="0">
-                <a:solidFill>
-                  <a:srgbClr val="00AA71"/>
-                </a:solidFill>
-                <a:effectLst/>
-                <a:latin typeface="+mn-ea"/>
-                <a:hlinkClick r:id="rId4"/>
-              </a:rPr>
-              <a:t>Rebass</a:t>
-            </a:r>
-            <a:endParaRPr kumimoji="1" lang="ja-JP" altLang="en-US">
-              <a:latin typeface="+mn-ea"/>
-            </a:endParaRPr>
+            <a:endParaRPr kumimoji="1" lang="ja-JP" altLang="en-US"/>
           </a:p>
         </p:txBody>
       </p:sp>
     </p:spTree>
     <p:extLst>
       <p:ext uri="{BB962C8B-B14F-4D97-AF65-F5344CB8AC3E}">
-        <p14:creationId xmlns:p14="http://schemas.microsoft.com/office/powerpoint/2010/main" val="3588861136"/>
+        <p14:creationId xmlns:p14="http://schemas.microsoft.com/office/powerpoint/2010/main" val="3089007184"/>
       </p:ext>
     </p:extLst>
   </p:cSld>

--- a/javascript/react/mbo/pfc-calculator/doc/summary.pptx
+++ b/javascript/react/mbo/pfc-calculator/doc/summary.pptx
@@ -1341,7 +1341,7 @@
             <a:fld id="{B61BEF0D-F0BB-DE4B-95CE-6DB70DBA9567}" type="datetimeFigureOut">
               <a:rPr lang="en-US" smtClean="0"/>
               <a:pPr/>
-              <a:t>10/29/22</a:t>
+              <a:t>11/3/22</a:t>
             </a:fld>
             <a:endParaRPr lang="en-US" dirty="0"/>
           </a:p>
@@ -1612,7 +1612,7 @@
           <a:p>
             <a:fld id="{55C6B4A9-1611-4792-9094-5F34BCA07E0B}" type="datetimeFigureOut">
               <a:rPr lang="en-US" smtClean="0"/>
-              <a:t>10/29/22</a:t>
+              <a:t>11/3/22</a:t>
             </a:fld>
             <a:endParaRPr lang="en-US" dirty="0"/>
           </a:p>
@@ -1825,7 +1825,7 @@
             <a:fld id="{B61BEF0D-F0BB-DE4B-95CE-6DB70DBA9567}" type="datetimeFigureOut">
               <a:rPr lang="en-US" smtClean="0"/>
               <a:pPr/>
-              <a:t>10/29/22</a:t>
+              <a:t>11/3/22</a:t>
             </a:fld>
             <a:endParaRPr lang="en-US" dirty="0"/>
           </a:p>
@@ -2029,7 +2029,7 @@
             <a:fld id="{B61BEF0D-F0BB-DE4B-95CE-6DB70DBA9567}" type="datetimeFigureOut">
               <a:rPr lang="en-US" smtClean="0"/>
               <a:pPr/>
-              <a:t>10/29/22</a:t>
+              <a:t>11/3/22</a:t>
             </a:fld>
             <a:endParaRPr lang="en-US" dirty="0"/>
           </a:p>
@@ -2304,7 +2304,7 @@
             <a:fld id="{B61BEF0D-F0BB-DE4B-95CE-6DB70DBA9567}" type="datetimeFigureOut">
               <a:rPr lang="en-US" smtClean="0"/>
               <a:pPr/>
-              <a:t>10/29/22</a:t>
+              <a:t>11/3/22</a:t>
             </a:fld>
             <a:endParaRPr lang="en-US" dirty="0"/>
           </a:p>
@@ -3570,7 +3570,7 @@
           <a:p>
             <a:fld id="{EB712588-04B1-427B-82EE-E8DB90309F08}" type="datetimeFigureOut">
               <a:rPr lang="en-US" smtClean="0"/>
-              <a:t>10/29/22</a:t>
+              <a:t>11/3/22</a:t>
             </a:fld>
             <a:endParaRPr lang="en-US" dirty="0"/>
           </a:p>
@@ -4025,7 +4025,7 @@
             <a:fld id="{B61BEF0D-F0BB-DE4B-95CE-6DB70DBA9567}" type="datetimeFigureOut">
               <a:rPr lang="en-US" smtClean="0"/>
               <a:pPr/>
-              <a:t>10/29/22</a:t>
+              <a:t>11/3/22</a:t>
             </a:fld>
             <a:endParaRPr lang="en-US" dirty="0"/>
           </a:p>
@@ -4150,7 +4150,7 @@
             <a:fld id="{B61BEF0D-F0BB-DE4B-95CE-6DB70DBA9567}" type="datetimeFigureOut">
               <a:rPr lang="en-US" smtClean="0"/>
               <a:pPr/>
-              <a:t>10/29/22</a:t>
+              <a:t>11/3/22</a:t>
             </a:fld>
             <a:endParaRPr lang="en-US" dirty="0"/>
           </a:p>
@@ -4247,7 +4247,7 @@
             <a:fld id="{B61BEF0D-F0BB-DE4B-95CE-6DB70DBA9567}" type="datetimeFigureOut">
               <a:rPr lang="en-US" smtClean="0"/>
               <a:pPr/>
-              <a:t>10/29/22</a:t>
+              <a:t>11/3/22</a:t>
             </a:fld>
             <a:endParaRPr lang="en-US" dirty="0"/>
           </a:p>
@@ -5043,7 +5043,7 @@
           <a:p>
             <a:fld id="{42A54C80-263E-416B-A8E0-580EDEADCBDC}" type="datetimeFigureOut">
               <a:rPr lang="en-US" smtClean="0"/>
-              <a:t>10/29/22</a:t>
+              <a:t>11/3/22</a:t>
             </a:fld>
             <a:endParaRPr lang="en-US" dirty="0"/>
           </a:p>
@@ -5884,7 +5884,7 @@
             <a:fld id="{B61BEF0D-F0BB-DE4B-95CE-6DB70DBA9567}" type="datetimeFigureOut">
               <a:rPr lang="en-US" smtClean="0"/>
               <a:pPr/>
-              <a:t>10/29/22</a:t>
+              <a:t>11/3/22</a:t>
             </a:fld>
             <a:endParaRPr lang="en-US" dirty="0"/>
           </a:p>
@@ -6145,7 +6145,7 @@
             <a:fld id="{B61BEF0D-F0BB-DE4B-95CE-6DB70DBA9567}" type="datetimeFigureOut">
               <a:rPr lang="en-US" smtClean="0"/>
               <a:pPr/>
-              <a:t>10/29/22</a:t>
+              <a:t>11/3/22</a:t>
             </a:fld>
             <a:endParaRPr lang="en-US" dirty="0"/>
           </a:p>
@@ -9584,6 +9584,17 @@
               <a:t>（</a:t>
             </a:r>
             <a:r>
+              <a:rPr lang="ja-JP" altLang="en-US" sz="1300">
+                <a:solidFill>
+                  <a:schemeClr val="bg1">
+                    <a:lumMod val="50000"/>
+                  </a:schemeClr>
+                </a:solidFill>
+                <a:latin typeface="+mn-ea"/>
+              </a:rPr>
+              <a:t>レンダラーを変えれば</a:t>
+            </a:r>
+            <a:r>
               <a:rPr lang="ja-JP" altLang="en-US" sz="1300" b="0" i="0">
                 <a:solidFill>
                   <a:schemeClr val="bg1">
@@ -9607,10 +9618,10 @@
                 <a:latin typeface="+mn-ea"/>
                 <a:cs typeface="Noto Sans" panose="020B0502040504020204" pitchFamily="34" charset="0"/>
               </a:rPr>
-              <a:t>VR </a:t>
-            </a:r>
-            <a:r>
-              <a:rPr lang="en-US" altLang="ja-JP" sz="1300" b="0" i="0" dirty="0" err="1">
+              <a:t>VR etc. </a:t>
+            </a:r>
+            <a:r>
+              <a:rPr lang="ja-JP" altLang="en-US" sz="1300" b="0" i="0">
                 <a:solidFill>
                   <a:schemeClr val="bg1">
                     <a:lumMod val="50000"/>
@@ -9620,20 +9631,7 @@
                 <a:latin typeface="+mn-ea"/>
                 <a:cs typeface="Noto Sans" panose="020B0502040504020204" pitchFamily="34" charset="0"/>
               </a:rPr>
-              <a:t>etc</a:t>
-            </a:r>
-            <a:r>
-              <a:rPr lang="ja-JP" altLang="en-US" sz="1300" b="0" i="0">
-                <a:solidFill>
-                  <a:schemeClr val="bg1">
-                    <a:lumMod val="50000"/>
-                  </a:schemeClr>
-                </a:solidFill>
-                <a:effectLst/>
-                <a:latin typeface="+mn-ea"/>
-                <a:cs typeface="Noto Sans" panose="020B0502040504020204" pitchFamily="34" charset="0"/>
-              </a:rPr>
-              <a:t>）</a:t>
+              <a:t>にも）</a:t>
             </a:r>
             <a:endParaRPr lang="en-US" altLang="ja-JP" sz="1300" dirty="0">
               <a:solidFill>
@@ -10500,7 +10498,7 @@
                 <a:effectLst/>
                 <a:latin typeface="+mn-ea"/>
               </a:rPr>
-              <a:t> UI</a:t>
+              <a:t>UI</a:t>
             </a:r>
             <a:r>
               <a:rPr lang="ja-JP" altLang="en-US" sz="1400" b="1">
@@ -11432,6 +11430,17 @@
               <a:t>　 →</a:t>
             </a:r>
             <a:r>
+              <a:rPr lang="en-US" altLang="ja-JP" sz="1400" dirty="0">
+                <a:solidFill>
+                  <a:schemeClr val="bg1">
+                    <a:lumMod val="50000"/>
+                  </a:schemeClr>
+                </a:solidFill>
+                <a:latin typeface="+mn-ea"/>
+              </a:rPr>
+              <a:t> </a:t>
+            </a:r>
+            <a:r>
               <a:rPr lang="ja-JP" altLang="en-US" sz="1400" i="0">
                 <a:solidFill>
                   <a:schemeClr val="bg1">
@@ -11610,16 +11619,27 @@
               <a:t>　 →</a:t>
             </a:r>
             <a:r>
-              <a:rPr lang="en" altLang="ja-JP" sz="1400" i="0" dirty="0" err="1">
-                <a:solidFill>
-                  <a:schemeClr val="bg1">
-                    <a:lumMod val="50000"/>
-                  </a:schemeClr>
-                </a:solidFill>
-                <a:effectLst/>
+              <a:rPr lang="en-US" altLang="ja-JP" sz="1400" dirty="0">
+                <a:solidFill>
+                  <a:schemeClr val="bg1">
+                    <a:lumMod val="50000"/>
+                  </a:schemeClr>
+                </a:solidFill>
                 <a:latin typeface="+mn-ea"/>
               </a:rPr>
-              <a:t>iPnohe</a:t>
+              <a:t> </a:t>
+            </a:r>
+            <a:r>
+              <a:rPr lang="en" altLang="ja-JP" sz="1400" i="0" dirty="0">
+                <a:solidFill>
+                  <a:schemeClr val="bg1">
+                    <a:lumMod val="50000"/>
+                  </a:schemeClr>
+                </a:solidFill>
+                <a:effectLst/>
+                <a:latin typeface="+mn-ea"/>
+              </a:rPr>
+              <a:t>iPhone</a:t>
             </a:r>
             <a:r>
               <a:rPr lang="ja-JP" altLang="en-US" sz="1400" i="0">
@@ -11736,7 +11756,7 @@
                 <a:effectLst/>
                 <a:latin typeface="+mn-ea"/>
               </a:rPr>
-              <a:t> VR</a:t>
+              <a:t>VR</a:t>
             </a:r>
             <a:r>
               <a:rPr lang="ja-JP" altLang="en-US" sz="1400" i="0">
@@ -11844,6 +11864,17 @@
                 <a:latin typeface="+mn-ea"/>
               </a:rPr>
               <a:t>　 →</a:t>
+            </a:r>
+            <a:r>
+              <a:rPr lang="en-US" altLang="ja-JP" sz="1400" dirty="0">
+                <a:solidFill>
+                  <a:schemeClr val="bg1">
+                    <a:lumMod val="50000"/>
+                  </a:schemeClr>
+                </a:solidFill>
+                <a:latin typeface="+mn-ea"/>
+              </a:rPr>
+              <a:t> </a:t>
             </a:r>
             <a:r>
               <a:rPr lang="ja-JP" altLang="en-US" sz="1400" i="0">
@@ -12494,6 +12525,80 @@
                 <a:latin typeface="YakuHanJPs"/>
               </a:rPr>
               <a:t>つだけ変更したときに全て読み込みなおされないか</a:t>
+            </a:r>
+            <a:endParaRPr lang="en-US" altLang="ja-JP" dirty="0">
+              <a:solidFill>
+                <a:srgbClr val="333333"/>
+              </a:solidFill>
+              <a:latin typeface="YakuHanJPs"/>
+            </a:endParaRPr>
+          </a:p>
+          <a:p>
+            <a:r>
+              <a:rPr lang="en-US" altLang="ja-JP" dirty="0">
+                <a:solidFill>
+                  <a:srgbClr val="333333"/>
+                </a:solidFill>
+                <a:latin typeface="YakuHanJPs"/>
+              </a:rPr>
+              <a:t>SPA</a:t>
+            </a:r>
+            <a:r>
+              <a:rPr lang="ja-JP" altLang="en-US">
+                <a:solidFill>
+                  <a:srgbClr val="333333"/>
+                </a:solidFill>
+                <a:latin typeface="YakuHanJPs"/>
+              </a:rPr>
+              <a:t>（</a:t>
+            </a:r>
+            <a:r>
+              <a:rPr lang="ja-JP" altLang="en-US" b="0" i="0">
+                <a:solidFill>
+                  <a:srgbClr val="1D1C1D"/>
+                </a:solidFill>
+                <a:effectLst/>
+                <a:latin typeface="NotoSansJP"/>
+              </a:rPr>
+              <a:t>仮装</a:t>
+            </a:r>
+            <a:r>
+              <a:rPr lang="en" altLang="ja-JP" b="0" i="0" dirty="0">
+                <a:solidFill>
+                  <a:srgbClr val="1D1C1D"/>
+                </a:solidFill>
+                <a:effectLst/>
+                <a:latin typeface="NotoSansJP"/>
+              </a:rPr>
+              <a:t>DOM</a:t>
+            </a:r>
+            <a:r>
+              <a:rPr lang="ja-JP" altLang="en-US" b="0" i="0">
+                <a:solidFill>
+                  <a:srgbClr val="1D1C1D"/>
+                </a:solidFill>
+                <a:effectLst/>
+                <a:latin typeface="NotoSansJP"/>
+              </a:rPr>
+              <a:t>で処理が高速）</a:t>
+            </a:r>
+            <a:endParaRPr lang="en-US" altLang="ja-JP" dirty="0">
+              <a:solidFill>
+                <a:srgbClr val="333333"/>
+              </a:solidFill>
+              <a:latin typeface="YakuHanJPs"/>
+            </a:endParaRPr>
+          </a:p>
+          <a:p>
+            <a:r>
+              <a:rPr lang="ja-JP" altLang="en-US" b="0" i="0">
+                <a:solidFill>
+                  <a:srgbClr val="1D1C1D"/>
+                </a:solidFill>
+                <a:effectLst/>
+                <a:latin typeface="NotoSansJP"/>
+              </a:rPr>
+              <a:t>最先端のユーザーインターフェースを簡単に作れる</a:t>
             </a:r>
             <a:endParaRPr lang="en-US" altLang="ja-JP" dirty="0">
               <a:solidFill>

--- a/javascript/react/mbo/pfc-calculator/doc/summary.pptx
+++ b/javascript/react/mbo/pfc-calculator/doc/summary.pptx
@@ -11,7 +11,6 @@
     <p:sldId id="263" r:id="rId5"/>
     <p:sldId id="259" r:id="rId6"/>
     <p:sldId id="260" r:id="rId7"/>
-    <p:sldId id="264" r:id="rId8"/>
   </p:sldIdLst>
   <p:sldSz cx="12192000" cy="6858000"/>
   <p:notesSz cx="6858000" cy="9144000"/>
@@ -1341,7 +1340,7 @@
             <a:fld id="{B61BEF0D-F0BB-DE4B-95CE-6DB70DBA9567}" type="datetimeFigureOut">
               <a:rPr lang="en-US" smtClean="0"/>
               <a:pPr/>
-              <a:t>11/3/22</a:t>
+              <a:t>12/10/22</a:t>
             </a:fld>
             <a:endParaRPr lang="en-US" dirty="0"/>
           </a:p>
@@ -1612,7 +1611,7 @@
           <a:p>
             <a:fld id="{55C6B4A9-1611-4792-9094-5F34BCA07E0B}" type="datetimeFigureOut">
               <a:rPr lang="en-US" smtClean="0"/>
-              <a:t>11/3/22</a:t>
+              <a:t>12/10/22</a:t>
             </a:fld>
             <a:endParaRPr lang="en-US" dirty="0"/>
           </a:p>
@@ -1825,7 +1824,7 @@
             <a:fld id="{B61BEF0D-F0BB-DE4B-95CE-6DB70DBA9567}" type="datetimeFigureOut">
               <a:rPr lang="en-US" smtClean="0"/>
               <a:pPr/>
-              <a:t>11/3/22</a:t>
+              <a:t>12/10/22</a:t>
             </a:fld>
             <a:endParaRPr lang="en-US" dirty="0"/>
           </a:p>
@@ -2029,7 +2028,7 @@
             <a:fld id="{B61BEF0D-F0BB-DE4B-95CE-6DB70DBA9567}" type="datetimeFigureOut">
               <a:rPr lang="en-US" smtClean="0"/>
               <a:pPr/>
-              <a:t>11/3/22</a:t>
+              <a:t>12/10/22</a:t>
             </a:fld>
             <a:endParaRPr lang="en-US" dirty="0"/>
           </a:p>
@@ -2304,7 +2303,7 @@
             <a:fld id="{B61BEF0D-F0BB-DE4B-95CE-6DB70DBA9567}" type="datetimeFigureOut">
               <a:rPr lang="en-US" smtClean="0"/>
               <a:pPr/>
-              <a:t>11/3/22</a:t>
+              <a:t>12/10/22</a:t>
             </a:fld>
             <a:endParaRPr lang="en-US" dirty="0"/>
           </a:p>
@@ -3570,7 +3569,7 @@
           <a:p>
             <a:fld id="{EB712588-04B1-427B-82EE-E8DB90309F08}" type="datetimeFigureOut">
               <a:rPr lang="en-US" smtClean="0"/>
-              <a:t>11/3/22</a:t>
+              <a:t>12/10/22</a:t>
             </a:fld>
             <a:endParaRPr lang="en-US" dirty="0"/>
           </a:p>
@@ -4025,7 +4024,7 @@
             <a:fld id="{B61BEF0D-F0BB-DE4B-95CE-6DB70DBA9567}" type="datetimeFigureOut">
               <a:rPr lang="en-US" smtClean="0"/>
               <a:pPr/>
-              <a:t>11/3/22</a:t>
+              <a:t>12/10/22</a:t>
             </a:fld>
             <a:endParaRPr lang="en-US" dirty="0"/>
           </a:p>
@@ -4150,7 +4149,7 @@
             <a:fld id="{B61BEF0D-F0BB-DE4B-95CE-6DB70DBA9567}" type="datetimeFigureOut">
               <a:rPr lang="en-US" smtClean="0"/>
               <a:pPr/>
-              <a:t>11/3/22</a:t>
+              <a:t>12/10/22</a:t>
             </a:fld>
             <a:endParaRPr lang="en-US" dirty="0"/>
           </a:p>
@@ -4247,7 +4246,7 @@
             <a:fld id="{B61BEF0D-F0BB-DE4B-95CE-6DB70DBA9567}" type="datetimeFigureOut">
               <a:rPr lang="en-US" smtClean="0"/>
               <a:pPr/>
-              <a:t>11/3/22</a:t>
+              <a:t>12/10/22</a:t>
             </a:fld>
             <a:endParaRPr lang="en-US" dirty="0"/>
           </a:p>
@@ -5043,7 +5042,7 @@
           <a:p>
             <a:fld id="{42A54C80-263E-416B-A8E0-580EDEADCBDC}" type="datetimeFigureOut">
               <a:rPr lang="en-US" smtClean="0"/>
-              <a:t>11/3/22</a:t>
+              <a:t>12/10/22</a:t>
             </a:fld>
             <a:endParaRPr lang="en-US" dirty="0"/>
           </a:p>
@@ -5884,7 +5883,7 @@
             <a:fld id="{B61BEF0D-F0BB-DE4B-95CE-6DB70DBA9567}" type="datetimeFigureOut">
               <a:rPr lang="en-US" smtClean="0"/>
               <a:pPr/>
-              <a:t>11/3/22</a:t>
+              <a:t>12/10/22</a:t>
             </a:fld>
             <a:endParaRPr lang="en-US" dirty="0"/>
           </a:p>
@@ -6145,7 +6144,7 @@
             <a:fld id="{B61BEF0D-F0BB-DE4B-95CE-6DB70DBA9567}" type="datetimeFigureOut">
               <a:rPr lang="en-US" smtClean="0"/>
               <a:pPr/>
-              <a:t>11/3/22</a:t>
+              <a:t>12/10/22</a:t>
             </a:fld>
             <a:endParaRPr lang="en-US" dirty="0"/>
           </a:p>
@@ -12401,230 +12400,6 @@
 </p:sld>
 </file>
 
-<file path=ppt/slides/slide7.xml><?xml version="1.0" encoding="utf-8"?>
-<p:sld xmlns:a="http://schemas.openxmlformats.org/drawingml/2006/main" xmlns:r="http://schemas.openxmlformats.org/officeDocument/2006/relationships" xmlns:p="http://schemas.openxmlformats.org/presentationml/2006/main">
-  <p:cSld>
-    <p:spTree>
-      <p:nvGrpSpPr>
-        <p:cNvPr id="1" name=""/>
-        <p:cNvGrpSpPr/>
-        <p:nvPr/>
-      </p:nvGrpSpPr>
-      <p:grpSpPr>
-        <a:xfrm>
-          <a:off x="0" y="0"/>
-          <a:ext cx="0" cy="0"/>
-          <a:chOff x="0" y="0"/>
-          <a:chExt cx="0" cy="0"/>
-        </a:xfrm>
-      </p:grpSpPr>
-      <p:sp>
-        <p:nvSpPr>
-          <p:cNvPr id="2" name="タイトル 1">
-            <a:extLst>
-              <a:ext uri="{FF2B5EF4-FFF2-40B4-BE49-F238E27FC236}">
-                <a16:creationId xmlns:a16="http://schemas.microsoft.com/office/drawing/2014/main" id="{B3BD619A-631D-DA53-2228-ACC39BA2613B}"/>
-              </a:ext>
-            </a:extLst>
-          </p:cNvPr>
-          <p:cNvSpPr>
-            <a:spLocks noGrp="1"/>
-          </p:cNvSpPr>
-          <p:nvPr>
-            <p:ph type="title"/>
-          </p:nvPr>
-        </p:nvSpPr>
-        <p:spPr/>
-        <p:txBody>
-          <a:bodyPr/>
-          <a:lstStyle/>
-          <a:p>
-            <a:r>
-              <a:rPr kumimoji="1" lang="ja-JP" altLang="en-US"/>
-              <a:t>設計書で表現すること</a:t>
-            </a:r>
-          </a:p>
-        </p:txBody>
-      </p:sp>
-      <p:sp>
-        <p:nvSpPr>
-          <p:cNvPr id="3" name="コンテンツ プレースホルダー 2">
-            <a:extLst>
-              <a:ext uri="{FF2B5EF4-FFF2-40B4-BE49-F238E27FC236}">
-                <a16:creationId xmlns:a16="http://schemas.microsoft.com/office/drawing/2014/main" id="{14EAB1BF-BEEB-E454-858E-70659255FAC4}"/>
-              </a:ext>
-            </a:extLst>
-          </p:cNvPr>
-          <p:cNvSpPr>
-            <a:spLocks noGrp="1"/>
-          </p:cNvSpPr>
-          <p:nvPr>
-            <p:ph idx="1"/>
-          </p:nvPr>
-        </p:nvSpPr>
-        <p:spPr/>
-        <p:txBody>
-          <a:bodyPr/>
-          <a:lstStyle/>
-          <a:p>
-            <a:r>
-              <a:rPr lang="en" altLang="ja-JP" b="0" i="0" dirty="0">
-                <a:solidFill>
-                  <a:srgbClr val="333333"/>
-                </a:solidFill>
-                <a:effectLst/>
-                <a:latin typeface="YakuHanJPs"/>
-              </a:rPr>
-              <a:t>Item</a:t>
-            </a:r>
-            <a:r>
-              <a:rPr lang="ja-JP" altLang="en-US" b="0" i="0">
-                <a:solidFill>
-                  <a:srgbClr val="333333"/>
-                </a:solidFill>
-                <a:effectLst/>
-                <a:latin typeface="YakuHanJPs"/>
-              </a:rPr>
-              <a:t>が</a:t>
-            </a:r>
-            <a:r>
-              <a:rPr lang="en-US" altLang="ja-JP" b="0" i="0" dirty="0">
-                <a:solidFill>
-                  <a:srgbClr val="333333"/>
-                </a:solidFill>
-                <a:effectLst/>
-                <a:latin typeface="YakuHanJPs"/>
-              </a:rPr>
-              <a:t>100</a:t>
-            </a:r>
-            <a:r>
-              <a:rPr lang="ja-JP" altLang="en-US" b="0" i="0">
-                <a:solidFill>
-                  <a:srgbClr val="333333"/>
-                </a:solidFill>
-                <a:effectLst/>
-                <a:latin typeface="YakuHanJPs"/>
-              </a:rPr>
-              <a:t>あって、</a:t>
-            </a:r>
-            <a:r>
-              <a:rPr lang="en-US" altLang="ja-JP" b="0" i="0" dirty="0">
-                <a:solidFill>
-                  <a:srgbClr val="333333"/>
-                </a:solidFill>
-                <a:effectLst/>
-                <a:latin typeface="YakuHanJPs"/>
-              </a:rPr>
-              <a:t>1</a:t>
-            </a:r>
-            <a:r>
-              <a:rPr lang="ja-JP" altLang="en-US">
-                <a:solidFill>
-                  <a:srgbClr val="333333"/>
-                </a:solidFill>
-                <a:latin typeface="YakuHanJPs"/>
-              </a:rPr>
-              <a:t>つだけ変更したときに全て読み込みなおされないか</a:t>
-            </a:r>
-            <a:endParaRPr lang="en-US" altLang="ja-JP" dirty="0">
-              <a:solidFill>
-                <a:srgbClr val="333333"/>
-              </a:solidFill>
-              <a:latin typeface="YakuHanJPs"/>
-            </a:endParaRPr>
-          </a:p>
-          <a:p>
-            <a:r>
-              <a:rPr lang="en-US" altLang="ja-JP" dirty="0">
-                <a:solidFill>
-                  <a:srgbClr val="333333"/>
-                </a:solidFill>
-                <a:latin typeface="YakuHanJPs"/>
-              </a:rPr>
-              <a:t>SPA</a:t>
-            </a:r>
-            <a:r>
-              <a:rPr lang="ja-JP" altLang="en-US">
-                <a:solidFill>
-                  <a:srgbClr val="333333"/>
-                </a:solidFill>
-                <a:latin typeface="YakuHanJPs"/>
-              </a:rPr>
-              <a:t>（</a:t>
-            </a:r>
-            <a:r>
-              <a:rPr lang="ja-JP" altLang="en-US" b="0" i="0">
-                <a:solidFill>
-                  <a:srgbClr val="1D1C1D"/>
-                </a:solidFill>
-                <a:effectLst/>
-                <a:latin typeface="NotoSansJP"/>
-              </a:rPr>
-              <a:t>仮装</a:t>
-            </a:r>
-            <a:r>
-              <a:rPr lang="en" altLang="ja-JP" b="0" i="0" dirty="0">
-                <a:solidFill>
-                  <a:srgbClr val="1D1C1D"/>
-                </a:solidFill>
-                <a:effectLst/>
-                <a:latin typeface="NotoSansJP"/>
-              </a:rPr>
-              <a:t>DOM</a:t>
-            </a:r>
-            <a:r>
-              <a:rPr lang="ja-JP" altLang="en-US" b="0" i="0">
-                <a:solidFill>
-                  <a:srgbClr val="1D1C1D"/>
-                </a:solidFill>
-                <a:effectLst/>
-                <a:latin typeface="NotoSansJP"/>
-              </a:rPr>
-              <a:t>で処理が高速）</a:t>
-            </a:r>
-            <a:endParaRPr lang="en-US" altLang="ja-JP" dirty="0">
-              <a:solidFill>
-                <a:srgbClr val="333333"/>
-              </a:solidFill>
-              <a:latin typeface="YakuHanJPs"/>
-            </a:endParaRPr>
-          </a:p>
-          <a:p>
-            <a:r>
-              <a:rPr lang="ja-JP" altLang="en-US" b="0" i="0">
-                <a:solidFill>
-                  <a:srgbClr val="1D1C1D"/>
-                </a:solidFill>
-                <a:effectLst/>
-                <a:latin typeface="NotoSansJP"/>
-              </a:rPr>
-              <a:t>最先端のユーザーインターフェースを簡単に作れる</a:t>
-            </a:r>
-            <a:endParaRPr lang="en-US" altLang="ja-JP" dirty="0">
-              <a:solidFill>
-                <a:srgbClr val="333333"/>
-              </a:solidFill>
-              <a:latin typeface="YakuHanJPs"/>
-            </a:endParaRPr>
-          </a:p>
-          <a:p>
-            <a:endParaRPr kumimoji="1" lang="ja-JP" altLang="en-US"/>
-          </a:p>
-        </p:txBody>
-      </p:sp>
-    </p:spTree>
-    <p:extLst>
-      <p:ext uri="{BB962C8B-B14F-4D97-AF65-F5344CB8AC3E}">
-        <p14:creationId xmlns:p14="http://schemas.microsoft.com/office/powerpoint/2010/main" val="3089007184"/>
-      </p:ext>
-    </p:extLst>
-  </p:cSld>
-  <p:clrMapOvr>
-    <a:masterClrMapping/>
-  </p:clrMapOvr>
-</p:sld>
-</file>
-
 <file path=ppt/theme/theme1.xml><?xml version="1.0" encoding="utf-8"?>
 <a:theme xmlns:a="http://schemas.openxmlformats.org/drawingml/2006/main" name="バッジ">
   <a:themeElements>

--- a/javascript/react/mbo/pfc-calculator/doc/summary.pptx
+++ b/javascript/react/mbo/pfc-calculator/doc/summary.pptx
@@ -1340,7 +1340,7 @@
             <a:fld id="{B61BEF0D-F0BB-DE4B-95CE-6DB70DBA9567}" type="datetimeFigureOut">
               <a:rPr lang="en-US" smtClean="0"/>
               <a:pPr/>
-              <a:t>12/10/22</a:t>
+              <a:t>12/20/22</a:t>
             </a:fld>
             <a:endParaRPr lang="en-US" dirty="0"/>
           </a:p>
@@ -1611,7 +1611,7 @@
           <a:p>
             <a:fld id="{55C6B4A9-1611-4792-9094-5F34BCA07E0B}" type="datetimeFigureOut">
               <a:rPr lang="en-US" smtClean="0"/>
-              <a:t>12/10/22</a:t>
+              <a:t>12/20/22</a:t>
             </a:fld>
             <a:endParaRPr lang="en-US" dirty="0"/>
           </a:p>
@@ -1824,7 +1824,7 @@
             <a:fld id="{B61BEF0D-F0BB-DE4B-95CE-6DB70DBA9567}" type="datetimeFigureOut">
               <a:rPr lang="en-US" smtClean="0"/>
               <a:pPr/>
-              <a:t>12/10/22</a:t>
+              <a:t>12/20/22</a:t>
             </a:fld>
             <a:endParaRPr lang="en-US" dirty="0"/>
           </a:p>
@@ -2028,7 +2028,7 @@
             <a:fld id="{B61BEF0D-F0BB-DE4B-95CE-6DB70DBA9567}" type="datetimeFigureOut">
               <a:rPr lang="en-US" smtClean="0"/>
               <a:pPr/>
-              <a:t>12/10/22</a:t>
+              <a:t>12/20/22</a:t>
             </a:fld>
             <a:endParaRPr lang="en-US" dirty="0"/>
           </a:p>
@@ -2303,7 +2303,7 @@
             <a:fld id="{B61BEF0D-F0BB-DE4B-95CE-6DB70DBA9567}" type="datetimeFigureOut">
               <a:rPr lang="en-US" smtClean="0"/>
               <a:pPr/>
-              <a:t>12/10/22</a:t>
+              <a:t>12/20/22</a:t>
             </a:fld>
             <a:endParaRPr lang="en-US" dirty="0"/>
           </a:p>
@@ -3569,7 +3569,7 @@
           <a:p>
             <a:fld id="{EB712588-04B1-427B-82EE-E8DB90309F08}" type="datetimeFigureOut">
               <a:rPr lang="en-US" smtClean="0"/>
-              <a:t>12/10/22</a:t>
+              <a:t>12/20/22</a:t>
             </a:fld>
             <a:endParaRPr lang="en-US" dirty="0"/>
           </a:p>
@@ -4024,7 +4024,7 @@
             <a:fld id="{B61BEF0D-F0BB-DE4B-95CE-6DB70DBA9567}" type="datetimeFigureOut">
               <a:rPr lang="en-US" smtClean="0"/>
               <a:pPr/>
-              <a:t>12/10/22</a:t>
+              <a:t>12/20/22</a:t>
             </a:fld>
             <a:endParaRPr lang="en-US" dirty="0"/>
           </a:p>
@@ -4149,7 +4149,7 @@
             <a:fld id="{B61BEF0D-F0BB-DE4B-95CE-6DB70DBA9567}" type="datetimeFigureOut">
               <a:rPr lang="en-US" smtClean="0"/>
               <a:pPr/>
-              <a:t>12/10/22</a:t>
+              <a:t>12/20/22</a:t>
             </a:fld>
             <a:endParaRPr lang="en-US" dirty="0"/>
           </a:p>
@@ -4246,7 +4246,7 @@
             <a:fld id="{B61BEF0D-F0BB-DE4B-95CE-6DB70DBA9567}" type="datetimeFigureOut">
               <a:rPr lang="en-US" smtClean="0"/>
               <a:pPr/>
-              <a:t>12/10/22</a:t>
+              <a:t>12/20/22</a:t>
             </a:fld>
             <a:endParaRPr lang="en-US" dirty="0"/>
           </a:p>
@@ -5042,7 +5042,7 @@
           <a:p>
             <a:fld id="{42A54C80-263E-416B-A8E0-580EDEADCBDC}" type="datetimeFigureOut">
               <a:rPr lang="en-US" smtClean="0"/>
-              <a:t>12/10/22</a:t>
+              <a:t>12/20/22</a:t>
             </a:fld>
             <a:endParaRPr lang="en-US" dirty="0"/>
           </a:p>
@@ -5883,7 +5883,7 @@
             <a:fld id="{B61BEF0D-F0BB-DE4B-95CE-6DB70DBA9567}" type="datetimeFigureOut">
               <a:rPr lang="en-US" smtClean="0"/>
               <a:pPr/>
-              <a:t>12/10/22</a:t>
+              <a:t>12/20/22</a:t>
             </a:fld>
             <a:endParaRPr lang="en-US" dirty="0"/>
           </a:p>
@@ -6144,7 +6144,7 @@
             <a:fld id="{B61BEF0D-F0BB-DE4B-95CE-6DB70DBA9567}" type="datetimeFigureOut">
               <a:rPr lang="en-US" smtClean="0"/>
               <a:pPr/>
-              <a:t>12/10/22</a:t>
+              <a:t>12/20/22</a:t>
             </a:fld>
             <a:endParaRPr lang="en-US" dirty="0"/>
           </a:p>
@@ -10743,7 +10743,7 @@
           <p:nvPr>
             <p:extLst>
               <p:ext uri="{D42A27DB-BD31-4B8C-83A1-F6EECF244321}">
-                <p14:modId xmlns:p14="http://schemas.microsoft.com/office/powerpoint/2010/main" val="2068292071"/>
+                <p14:modId xmlns:p14="http://schemas.microsoft.com/office/powerpoint/2010/main" val="252525078"/>
               </p:ext>
             </p:extLst>
           </p:nvPr>
@@ -10965,7 +10965,10 @@
                     <a:lstStyle/>
                     <a:p>
                       <a:pPr algn="ctr"/>
-                      <a:endParaRPr kumimoji="1" lang="ja-JP" altLang="en-US"/>
+                      <a:r>
+                        <a:rPr kumimoji="1" lang="ja-JP" altLang="en-US"/>
+                        <a:t>？</a:t>
+                      </a:r>
                     </a:p>
                   </a:txBody>
                   <a:tcPr anchor="ctr"/>
@@ -11016,7 +11019,10 @@
                     <a:lstStyle/>
                     <a:p>
                       <a:pPr algn="ctr"/>
-                      <a:endParaRPr kumimoji="1" lang="ja-JP" altLang="en-US"/>
+                      <a:r>
+                        <a:rPr kumimoji="1" lang="ja-JP" altLang="en-US"/>
+                        <a:t>◯</a:t>
+                      </a:r>
                     </a:p>
                   </a:txBody>
                   <a:tcPr anchor="ctr"/>
@@ -11062,7 +11068,10 @@
                     <a:lstStyle/>
                     <a:p>
                       <a:pPr algn="ctr"/>
-                      <a:endParaRPr kumimoji="1" lang="ja-JP" altLang="en-US"/>
+                      <a:r>
+                        <a:rPr kumimoji="1" lang="ja-JP" altLang="en-US"/>
+                        <a:t>◯</a:t>
+                      </a:r>
                     </a:p>
                   </a:txBody>
                   <a:tcPr anchor="ctr"/>
